--- a/getallen en variabelen/AAAAGetallen en variabelen.pptx
+++ b/getallen en variabelen/AAAAGetallen en variabelen.pptx
@@ -5,9 +5,30 @@
     <p:sldMasterId id="2147483648" r:id="rId1"/>
   </p:sldMasterIdLst>
   <p:sldIdLst>
-    <p:sldId id="266" r:id="rId2"/>
-    <p:sldId id="267" r:id="rId3"/>
-    <p:sldId id="268" r:id="rId4"/>
+    <p:sldId id="287" r:id="rId2"/>
+    <p:sldId id="288" r:id="rId3"/>
+    <p:sldId id="289" r:id="rId4"/>
+    <p:sldId id="284" r:id="rId5"/>
+    <p:sldId id="285" r:id="rId6"/>
+    <p:sldId id="286" r:id="rId7"/>
+    <p:sldId id="281" r:id="rId8"/>
+    <p:sldId id="282" r:id="rId9"/>
+    <p:sldId id="283" r:id="rId10"/>
+    <p:sldId id="278" r:id="rId11"/>
+    <p:sldId id="279" r:id="rId12"/>
+    <p:sldId id="280" r:id="rId13"/>
+    <p:sldId id="275" r:id="rId14"/>
+    <p:sldId id="276" r:id="rId15"/>
+    <p:sldId id="277" r:id="rId16"/>
+    <p:sldId id="272" r:id="rId17"/>
+    <p:sldId id="273" r:id="rId18"/>
+    <p:sldId id="274" r:id="rId19"/>
+    <p:sldId id="269" r:id="rId20"/>
+    <p:sldId id="270" r:id="rId21"/>
+    <p:sldId id="271" r:id="rId22"/>
+    <p:sldId id="266" r:id="rId23"/>
+    <p:sldId id="267" r:id="rId24"/>
+    <p:sldId id="268" r:id="rId25"/>
   </p:sldIdLst>
   <p:sldSz cx="12192000" cy="6858000"/>
   <p:notesSz cx="6858000" cy="9144000"/>
@@ -114,6 +135,14 @@
 </p:presentation>
 </file>
 
+<file path=ppt/revisionInfo.xml><?xml version="1.0" encoding="utf-8"?>
+<p1510:revInfo xmlns:a="http://schemas.openxmlformats.org/drawingml/2006/main" xmlns:r="http://schemas.openxmlformats.org/officeDocument/2006/relationships" xmlns:p1510="http://schemas.microsoft.com/office/powerpoint/2015/10/main">
+  <p1510:revLst>
+    <p1510:client id="{0F2F5874-EF55-4B1D-B1EF-82D9CC020624}" v="336" dt="2024-01-04T10:40:06.346"/>
+  </p1510:revLst>
+</p1510:revInfo>
+</file>
+
 <file path=ppt/changesInfos/changesInfo1.xml><?xml version="1.0" encoding="utf-8"?>
 <pc:chgInfo xmlns:a="http://schemas.openxmlformats.org/drawingml/2006/main" xmlns:r="http://schemas.openxmlformats.org/officeDocument/2006/relationships" xmlns:ac="http://schemas.microsoft.com/office/drawing/2013/main/command" xmlns:pc="http://schemas.microsoft.com/office/powerpoint/2013/main/command">
   <pc:docChgLst>
@@ -3560,6 +3589,580 @@
           <pc:docMk/>
           <pc:sldMk cId="735811210" sldId="349"/>
         </pc:sldMkLst>
+      </pc:sldChg>
+    </pc:docChg>
+  </pc:docChgLst>
+  <pc:docChgLst>
+    <pc:chgData name="Hein van Wanrooij" userId="ebcdd4c57331f9b2" providerId="LiveId" clId="{0F2F5874-EF55-4B1D-B1EF-82D9CC020624}"/>
+    <pc:docChg chg="undo custSel addSld delSld modSld">
+      <pc:chgData name="Hein van Wanrooij" userId="ebcdd4c57331f9b2" providerId="LiveId" clId="{0F2F5874-EF55-4B1D-B1EF-82D9CC020624}" dt="2024-01-04T10:41:51.396" v="3861" actId="20577"/>
+      <pc:docMkLst>
+        <pc:docMk/>
+      </pc:docMkLst>
+      <pc:sldChg chg="modSp mod">
+        <pc:chgData name="Hein van Wanrooij" userId="ebcdd4c57331f9b2" providerId="LiveId" clId="{0F2F5874-EF55-4B1D-B1EF-82D9CC020624}" dt="2024-01-03T10:28:59.866" v="109" actId="20577"/>
+        <pc:sldMkLst>
+          <pc:docMk/>
+          <pc:sldMk cId="3650281463" sldId="266"/>
+        </pc:sldMkLst>
+        <pc:spChg chg="mod">
+          <ac:chgData name="Hein van Wanrooij" userId="ebcdd4c57331f9b2" providerId="LiveId" clId="{0F2F5874-EF55-4B1D-B1EF-82D9CC020624}" dt="2024-01-03T10:28:59.866" v="109" actId="20577"/>
+          <ac:spMkLst>
+            <pc:docMk/>
+            <pc:sldMk cId="3650281463" sldId="266"/>
+            <ac:spMk id="4" creationId="{61ED484A-E87E-7D07-D06C-3D405D336CC2}"/>
+          </ac:spMkLst>
+        </pc:spChg>
+      </pc:sldChg>
+      <pc:sldChg chg="modSp mod">
+        <pc:chgData name="Hein van Wanrooij" userId="ebcdd4c57331f9b2" providerId="LiveId" clId="{0F2F5874-EF55-4B1D-B1EF-82D9CC020624}" dt="2024-01-03T10:41:23.823" v="963" actId="20577"/>
+        <pc:sldMkLst>
+          <pc:docMk/>
+          <pc:sldMk cId="1009432102" sldId="267"/>
+        </pc:sldMkLst>
+        <pc:spChg chg="mod">
+          <ac:chgData name="Hein van Wanrooij" userId="ebcdd4c57331f9b2" providerId="LiveId" clId="{0F2F5874-EF55-4B1D-B1EF-82D9CC020624}" dt="2024-01-03T10:29:19.701" v="128" actId="1076"/>
+          <ac:spMkLst>
+            <pc:docMk/>
+            <pc:sldMk cId="1009432102" sldId="267"/>
+            <ac:spMk id="2" creationId="{C2F5861A-BCDE-D2A4-C355-05C8119ED351}"/>
+          </ac:spMkLst>
+        </pc:spChg>
+        <pc:spChg chg="mod">
+          <ac:chgData name="Hein van Wanrooij" userId="ebcdd4c57331f9b2" providerId="LiveId" clId="{0F2F5874-EF55-4B1D-B1EF-82D9CC020624}" dt="2024-01-03T10:41:23.823" v="963" actId="20577"/>
+          <ac:spMkLst>
+            <pc:docMk/>
+            <pc:sldMk cId="1009432102" sldId="267"/>
+            <ac:spMk id="3" creationId="{7988AA68-FB88-7C7C-5E47-2AE86A2EFD72}"/>
+          </ac:spMkLst>
+        </pc:spChg>
+      </pc:sldChg>
+      <pc:sldChg chg="addSp delSp modSp mod">
+        <pc:chgData name="Hein van Wanrooij" userId="ebcdd4c57331f9b2" providerId="LiveId" clId="{0F2F5874-EF55-4B1D-B1EF-82D9CC020624}" dt="2024-01-03T10:37:23.894" v="863" actId="20577"/>
+        <pc:sldMkLst>
+          <pc:docMk/>
+          <pc:sldMk cId="3404872855" sldId="268"/>
+        </pc:sldMkLst>
+        <pc:spChg chg="mod">
+          <ac:chgData name="Hein van Wanrooij" userId="ebcdd4c57331f9b2" providerId="LiveId" clId="{0F2F5874-EF55-4B1D-B1EF-82D9CC020624}" dt="2024-01-03T10:29:41.440" v="156" actId="14100"/>
+          <ac:spMkLst>
+            <pc:docMk/>
+            <pc:sldMk cId="3404872855" sldId="268"/>
+            <ac:spMk id="2" creationId="{C2F5861A-BCDE-D2A4-C355-05C8119ED351}"/>
+          </ac:spMkLst>
+        </pc:spChg>
+        <pc:spChg chg="del mod">
+          <ac:chgData name="Hein van Wanrooij" userId="ebcdd4c57331f9b2" providerId="LiveId" clId="{0F2F5874-EF55-4B1D-B1EF-82D9CC020624}" dt="2024-01-03T10:35:24.966" v="731" actId="478"/>
+          <ac:spMkLst>
+            <pc:docMk/>
+            <pc:sldMk cId="3404872855" sldId="268"/>
+            <ac:spMk id="3" creationId="{35816B3A-C1C1-A387-7798-2FFF4CAA28A9}"/>
+          </ac:spMkLst>
+        </pc:spChg>
+        <pc:spChg chg="del">
+          <ac:chgData name="Hein van Wanrooij" userId="ebcdd4c57331f9b2" providerId="LiveId" clId="{0F2F5874-EF55-4B1D-B1EF-82D9CC020624}" dt="2024-01-03T10:29:43.802" v="157" actId="478"/>
+          <ac:spMkLst>
+            <pc:docMk/>
+            <pc:sldMk cId="3404872855" sldId="268"/>
+            <ac:spMk id="4" creationId="{B82310C2-292E-F815-60F6-3FFD0672F290}"/>
+          </ac:spMkLst>
+        </pc:spChg>
+        <pc:spChg chg="del">
+          <ac:chgData name="Hein van Wanrooij" userId="ebcdd4c57331f9b2" providerId="LiveId" clId="{0F2F5874-EF55-4B1D-B1EF-82D9CC020624}" dt="2024-01-03T10:29:39.368" v="155" actId="478"/>
+          <ac:spMkLst>
+            <pc:docMk/>
+            <pc:sldMk cId="3404872855" sldId="268"/>
+            <ac:spMk id="5" creationId="{AB836C08-B18B-8E2D-75E4-D1CE9AB32B0F}"/>
+          </ac:spMkLst>
+        </pc:spChg>
+        <pc:spChg chg="add mod">
+          <ac:chgData name="Hein van Wanrooij" userId="ebcdd4c57331f9b2" providerId="LiveId" clId="{0F2F5874-EF55-4B1D-B1EF-82D9CC020624}" dt="2024-01-03T10:37:23.894" v="863" actId="20577"/>
+          <ac:spMkLst>
+            <pc:docMk/>
+            <pc:sldMk cId="3404872855" sldId="268"/>
+            <ac:spMk id="6" creationId="{6D9B39CE-FD5E-EBF7-47C7-30A62A12EA8D}"/>
+          </ac:spMkLst>
+        </pc:spChg>
+        <pc:spChg chg="add mod">
+          <ac:chgData name="Hein van Wanrooij" userId="ebcdd4c57331f9b2" providerId="LiveId" clId="{0F2F5874-EF55-4B1D-B1EF-82D9CC020624}" dt="2024-01-03T10:37:18.353" v="850" actId="20577"/>
+          <ac:spMkLst>
+            <pc:docMk/>
+            <pc:sldMk cId="3404872855" sldId="268"/>
+            <ac:spMk id="7" creationId="{07B414E2-2801-31B5-5D16-CD7FB9842203}"/>
+          </ac:spMkLst>
+        </pc:spChg>
+        <pc:picChg chg="del">
+          <ac:chgData name="Hein van Wanrooij" userId="ebcdd4c57331f9b2" providerId="LiveId" clId="{0F2F5874-EF55-4B1D-B1EF-82D9CC020624}" dt="2024-01-03T10:29:38.098" v="154" actId="478"/>
+          <ac:picMkLst>
+            <pc:docMk/>
+            <pc:sldMk cId="3404872855" sldId="268"/>
+            <ac:picMk id="3074" creationId="{307F16C8-3A66-8D20-5118-E1F8536AD9DC}"/>
+          </ac:picMkLst>
+        </pc:picChg>
+      </pc:sldChg>
+      <pc:sldChg chg="modSp add mod">
+        <pc:chgData name="Hein van Wanrooij" userId="ebcdd4c57331f9b2" providerId="LiveId" clId="{0F2F5874-EF55-4B1D-B1EF-82D9CC020624}" dt="2024-01-03T10:58:07.430" v="970" actId="20577"/>
+        <pc:sldMkLst>
+          <pc:docMk/>
+          <pc:sldMk cId="2949255087" sldId="269"/>
+        </pc:sldMkLst>
+        <pc:spChg chg="mod">
+          <ac:chgData name="Hein van Wanrooij" userId="ebcdd4c57331f9b2" providerId="LiveId" clId="{0F2F5874-EF55-4B1D-B1EF-82D9CC020624}" dt="2024-01-03T10:58:07.430" v="970" actId="20577"/>
+          <ac:spMkLst>
+            <pc:docMk/>
+            <pc:sldMk cId="2949255087" sldId="269"/>
+            <ac:spMk id="4" creationId="{61ED484A-E87E-7D07-D06C-3D405D336CC2}"/>
+          </ac:spMkLst>
+        </pc:spChg>
+      </pc:sldChg>
+      <pc:sldChg chg="modSp add mod">
+        <pc:chgData name="Hein van Wanrooij" userId="ebcdd4c57331f9b2" providerId="LiveId" clId="{0F2F5874-EF55-4B1D-B1EF-82D9CC020624}" dt="2024-01-03T11:06:54.221" v="1167" actId="207"/>
+        <pc:sldMkLst>
+          <pc:docMk/>
+          <pc:sldMk cId="1650077504" sldId="270"/>
+        </pc:sldMkLst>
+        <pc:spChg chg="mod">
+          <ac:chgData name="Hein van Wanrooij" userId="ebcdd4c57331f9b2" providerId="LiveId" clId="{0F2F5874-EF55-4B1D-B1EF-82D9CC020624}" dt="2024-01-03T10:58:56.515" v="975" actId="20577"/>
+          <ac:spMkLst>
+            <pc:docMk/>
+            <pc:sldMk cId="1650077504" sldId="270"/>
+            <ac:spMk id="2" creationId="{C2F5861A-BCDE-D2A4-C355-05C8119ED351}"/>
+          </ac:spMkLst>
+        </pc:spChg>
+        <pc:spChg chg="mod">
+          <ac:chgData name="Hein van Wanrooij" userId="ebcdd4c57331f9b2" providerId="LiveId" clId="{0F2F5874-EF55-4B1D-B1EF-82D9CC020624}" dt="2024-01-03T11:06:54.221" v="1167" actId="207"/>
+          <ac:spMkLst>
+            <pc:docMk/>
+            <pc:sldMk cId="1650077504" sldId="270"/>
+            <ac:spMk id="3" creationId="{7988AA68-FB88-7C7C-5E47-2AE86A2EFD72}"/>
+          </ac:spMkLst>
+        </pc:spChg>
+      </pc:sldChg>
+      <pc:sldChg chg="modSp add mod">
+        <pc:chgData name="Hein van Wanrooij" userId="ebcdd4c57331f9b2" providerId="LiveId" clId="{0F2F5874-EF55-4B1D-B1EF-82D9CC020624}" dt="2024-01-03T11:08:19.609" v="1176" actId="1076"/>
+        <pc:sldMkLst>
+          <pc:docMk/>
+          <pc:sldMk cId="59977844" sldId="271"/>
+        </pc:sldMkLst>
+        <pc:spChg chg="mod">
+          <ac:chgData name="Hein van Wanrooij" userId="ebcdd4c57331f9b2" providerId="LiveId" clId="{0F2F5874-EF55-4B1D-B1EF-82D9CC020624}" dt="2024-01-03T10:59:02.574" v="982" actId="1076"/>
+          <ac:spMkLst>
+            <pc:docMk/>
+            <pc:sldMk cId="59977844" sldId="271"/>
+            <ac:spMk id="2" creationId="{C2F5861A-BCDE-D2A4-C355-05C8119ED351}"/>
+          </ac:spMkLst>
+        </pc:spChg>
+        <pc:spChg chg="mod">
+          <ac:chgData name="Hein van Wanrooij" userId="ebcdd4c57331f9b2" providerId="LiveId" clId="{0F2F5874-EF55-4B1D-B1EF-82D9CC020624}" dt="2024-01-03T11:08:19.609" v="1176" actId="1076"/>
+          <ac:spMkLst>
+            <pc:docMk/>
+            <pc:sldMk cId="59977844" sldId="271"/>
+            <ac:spMk id="6" creationId="{6D9B39CE-FD5E-EBF7-47C7-30A62A12EA8D}"/>
+          </ac:spMkLst>
+        </pc:spChg>
+        <pc:spChg chg="mod">
+          <ac:chgData name="Hein van Wanrooij" userId="ebcdd4c57331f9b2" providerId="LiveId" clId="{0F2F5874-EF55-4B1D-B1EF-82D9CC020624}" dt="2024-01-03T11:08:06.523" v="1168" actId="20577"/>
+          <ac:spMkLst>
+            <pc:docMk/>
+            <pc:sldMk cId="59977844" sldId="271"/>
+            <ac:spMk id="7" creationId="{07B414E2-2801-31B5-5D16-CD7FB9842203}"/>
+          </ac:spMkLst>
+        </pc:spChg>
+      </pc:sldChg>
+      <pc:sldChg chg="modSp add mod">
+        <pc:chgData name="Hein van Wanrooij" userId="ebcdd4c57331f9b2" providerId="LiveId" clId="{0F2F5874-EF55-4B1D-B1EF-82D9CC020624}" dt="2024-01-03T11:14:08.503" v="1188" actId="20577"/>
+        <pc:sldMkLst>
+          <pc:docMk/>
+          <pc:sldMk cId="1118541029" sldId="272"/>
+        </pc:sldMkLst>
+        <pc:spChg chg="mod">
+          <ac:chgData name="Hein van Wanrooij" userId="ebcdd4c57331f9b2" providerId="LiveId" clId="{0F2F5874-EF55-4B1D-B1EF-82D9CC020624}" dt="2024-01-03T11:14:08.503" v="1188" actId="20577"/>
+          <ac:spMkLst>
+            <pc:docMk/>
+            <pc:sldMk cId="1118541029" sldId="272"/>
+            <ac:spMk id="4" creationId="{61ED484A-E87E-7D07-D06C-3D405D336CC2}"/>
+          </ac:spMkLst>
+        </pc:spChg>
+      </pc:sldChg>
+      <pc:sldChg chg="modSp add mod">
+        <pc:chgData name="Hein van Wanrooij" userId="ebcdd4c57331f9b2" providerId="LiveId" clId="{0F2F5874-EF55-4B1D-B1EF-82D9CC020624}" dt="2024-01-03T11:21:40.541" v="1334" actId="20577"/>
+        <pc:sldMkLst>
+          <pc:docMk/>
+          <pc:sldMk cId="1771678081" sldId="273"/>
+        </pc:sldMkLst>
+        <pc:spChg chg="mod">
+          <ac:chgData name="Hein van Wanrooij" userId="ebcdd4c57331f9b2" providerId="LiveId" clId="{0F2F5874-EF55-4B1D-B1EF-82D9CC020624}" dt="2024-01-03T11:14:13.438" v="1199" actId="20577"/>
+          <ac:spMkLst>
+            <pc:docMk/>
+            <pc:sldMk cId="1771678081" sldId="273"/>
+            <ac:spMk id="2" creationId="{C2F5861A-BCDE-D2A4-C355-05C8119ED351}"/>
+          </ac:spMkLst>
+        </pc:spChg>
+        <pc:spChg chg="mod">
+          <ac:chgData name="Hein van Wanrooij" userId="ebcdd4c57331f9b2" providerId="LiveId" clId="{0F2F5874-EF55-4B1D-B1EF-82D9CC020624}" dt="2024-01-03T11:21:40.541" v="1334" actId="20577"/>
+          <ac:spMkLst>
+            <pc:docMk/>
+            <pc:sldMk cId="1771678081" sldId="273"/>
+            <ac:spMk id="3" creationId="{7988AA68-FB88-7C7C-5E47-2AE86A2EFD72}"/>
+          </ac:spMkLst>
+        </pc:spChg>
+      </pc:sldChg>
+      <pc:sldChg chg="delSp modSp add mod">
+        <pc:chgData name="Hein van Wanrooij" userId="ebcdd4c57331f9b2" providerId="LiveId" clId="{0F2F5874-EF55-4B1D-B1EF-82D9CC020624}" dt="2024-01-03T11:22:37.715" v="1392" actId="20577"/>
+        <pc:sldMkLst>
+          <pc:docMk/>
+          <pc:sldMk cId="3022350527" sldId="274"/>
+        </pc:sldMkLst>
+        <pc:spChg chg="mod">
+          <ac:chgData name="Hein van Wanrooij" userId="ebcdd4c57331f9b2" providerId="LiveId" clId="{0F2F5874-EF55-4B1D-B1EF-82D9CC020624}" dt="2024-01-03T11:22:37.715" v="1392" actId="20577"/>
+          <ac:spMkLst>
+            <pc:docMk/>
+            <pc:sldMk cId="3022350527" sldId="274"/>
+            <ac:spMk id="2" creationId="{C2F5861A-BCDE-D2A4-C355-05C8119ED351}"/>
+          </ac:spMkLst>
+        </pc:spChg>
+        <pc:spChg chg="mod">
+          <ac:chgData name="Hein van Wanrooij" userId="ebcdd4c57331f9b2" providerId="LiveId" clId="{0F2F5874-EF55-4B1D-B1EF-82D9CC020624}" dt="2024-01-03T11:22:10.864" v="1365" actId="1076"/>
+          <ac:spMkLst>
+            <pc:docMk/>
+            <pc:sldMk cId="3022350527" sldId="274"/>
+            <ac:spMk id="6" creationId="{6D9B39CE-FD5E-EBF7-47C7-30A62A12EA8D}"/>
+          </ac:spMkLst>
+        </pc:spChg>
+        <pc:spChg chg="del mod">
+          <ac:chgData name="Hein van Wanrooij" userId="ebcdd4c57331f9b2" providerId="LiveId" clId="{0F2F5874-EF55-4B1D-B1EF-82D9CC020624}" dt="2024-01-03T11:22:11.190" v="1367"/>
+          <ac:spMkLst>
+            <pc:docMk/>
+            <pc:sldMk cId="3022350527" sldId="274"/>
+            <ac:spMk id="7" creationId="{07B414E2-2801-31B5-5D16-CD7FB9842203}"/>
+          </ac:spMkLst>
+        </pc:spChg>
+      </pc:sldChg>
+      <pc:sldChg chg="modSp add mod">
+        <pc:chgData name="Hein van Wanrooij" userId="ebcdd4c57331f9b2" providerId="LiveId" clId="{0F2F5874-EF55-4B1D-B1EF-82D9CC020624}" dt="2024-01-03T11:38:13.937" v="1408" actId="20577"/>
+        <pc:sldMkLst>
+          <pc:docMk/>
+          <pc:sldMk cId="2106154238" sldId="275"/>
+        </pc:sldMkLst>
+        <pc:spChg chg="mod">
+          <ac:chgData name="Hein van Wanrooij" userId="ebcdd4c57331f9b2" providerId="LiveId" clId="{0F2F5874-EF55-4B1D-B1EF-82D9CC020624}" dt="2024-01-03T11:38:13.937" v="1408" actId="20577"/>
+          <ac:spMkLst>
+            <pc:docMk/>
+            <pc:sldMk cId="2106154238" sldId="275"/>
+            <ac:spMk id="4" creationId="{61ED484A-E87E-7D07-D06C-3D405D336CC2}"/>
+          </ac:spMkLst>
+        </pc:spChg>
+      </pc:sldChg>
+      <pc:sldChg chg="modSp add mod">
+        <pc:chgData name="Hein van Wanrooij" userId="ebcdd4c57331f9b2" providerId="LiveId" clId="{0F2F5874-EF55-4B1D-B1EF-82D9CC020624}" dt="2024-01-03T11:44:12.955" v="1970" actId="207"/>
+        <pc:sldMkLst>
+          <pc:docMk/>
+          <pc:sldMk cId="1564398448" sldId="276"/>
+        </pc:sldMkLst>
+        <pc:spChg chg="mod">
+          <ac:chgData name="Hein van Wanrooij" userId="ebcdd4c57331f9b2" providerId="LiveId" clId="{0F2F5874-EF55-4B1D-B1EF-82D9CC020624}" dt="2024-01-03T11:38:18.965" v="1423" actId="20577"/>
+          <ac:spMkLst>
+            <pc:docMk/>
+            <pc:sldMk cId="1564398448" sldId="276"/>
+            <ac:spMk id="2" creationId="{C2F5861A-BCDE-D2A4-C355-05C8119ED351}"/>
+          </ac:spMkLst>
+        </pc:spChg>
+        <pc:spChg chg="mod">
+          <ac:chgData name="Hein van Wanrooij" userId="ebcdd4c57331f9b2" providerId="LiveId" clId="{0F2F5874-EF55-4B1D-B1EF-82D9CC020624}" dt="2024-01-03T11:44:12.955" v="1970" actId="207"/>
+          <ac:spMkLst>
+            <pc:docMk/>
+            <pc:sldMk cId="1564398448" sldId="276"/>
+            <ac:spMk id="3" creationId="{7988AA68-FB88-7C7C-5E47-2AE86A2EFD72}"/>
+          </ac:spMkLst>
+        </pc:spChg>
+      </pc:sldChg>
+      <pc:sldChg chg="modSp add mod">
+        <pc:chgData name="Hein van Wanrooij" userId="ebcdd4c57331f9b2" providerId="LiveId" clId="{0F2F5874-EF55-4B1D-B1EF-82D9CC020624}" dt="2024-01-03T11:45:54.862" v="1998" actId="20577"/>
+        <pc:sldMkLst>
+          <pc:docMk/>
+          <pc:sldMk cId="691050699" sldId="277"/>
+        </pc:sldMkLst>
+        <pc:spChg chg="mod">
+          <ac:chgData name="Hein van Wanrooij" userId="ebcdd4c57331f9b2" providerId="LiveId" clId="{0F2F5874-EF55-4B1D-B1EF-82D9CC020624}" dt="2024-01-03T11:38:25.749" v="1446" actId="20577"/>
+          <ac:spMkLst>
+            <pc:docMk/>
+            <pc:sldMk cId="691050699" sldId="277"/>
+            <ac:spMk id="2" creationId="{C2F5861A-BCDE-D2A4-C355-05C8119ED351}"/>
+          </ac:spMkLst>
+        </pc:spChg>
+        <pc:spChg chg="mod">
+          <ac:chgData name="Hein van Wanrooij" userId="ebcdd4c57331f9b2" providerId="LiveId" clId="{0F2F5874-EF55-4B1D-B1EF-82D9CC020624}" dt="2024-01-03T11:45:54.862" v="1998" actId="20577"/>
+          <ac:spMkLst>
+            <pc:docMk/>
+            <pc:sldMk cId="691050699" sldId="277"/>
+            <ac:spMk id="6" creationId="{6D9B39CE-FD5E-EBF7-47C7-30A62A12EA8D}"/>
+          </ac:spMkLst>
+        </pc:spChg>
+      </pc:sldChg>
+      <pc:sldChg chg="add del">
+        <pc:chgData name="Hein van Wanrooij" userId="ebcdd4c57331f9b2" providerId="LiveId" clId="{0F2F5874-EF55-4B1D-B1EF-82D9CC020624}" dt="2024-01-04T10:04:53.475" v="2000"/>
+        <pc:sldMkLst>
+          <pc:docMk/>
+          <pc:sldMk cId="689532267" sldId="278"/>
+        </pc:sldMkLst>
+      </pc:sldChg>
+      <pc:sldChg chg="modSp add mod">
+        <pc:chgData name="Hein van Wanrooij" userId="ebcdd4c57331f9b2" providerId="LiveId" clId="{0F2F5874-EF55-4B1D-B1EF-82D9CC020624}" dt="2024-01-04T10:05:02.142" v="2015" actId="20577"/>
+        <pc:sldMkLst>
+          <pc:docMk/>
+          <pc:sldMk cId="2595439381" sldId="278"/>
+        </pc:sldMkLst>
+        <pc:spChg chg="mod">
+          <ac:chgData name="Hein van Wanrooij" userId="ebcdd4c57331f9b2" providerId="LiveId" clId="{0F2F5874-EF55-4B1D-B1EF-82D9CC020624}" dt="2024-01-04T10:05:02.142" v="2015" actId="20577"/>
+          <ac:spMkLst>
+            <pc:docMk/>
+            <pc:sldMk cId="2595439381" sldId="278"/>
+            <ac:spMk id="4" creationId="{61ED484A-E87E-7D07-D06C-3D405D336CC2}"/>
+          </ac:spMkLst>
+        </pc:spChg>
+      </pc:sldChg>
+      <pc:sldChg chg="add del">
+        <pc:chgData name="Hein van Wanrooij" userId="ebcdd4c57331f9b2" providerId="LiveId" clId="{0F2F5874-EF55-4B1D-B1EF-82D9CC020624}" dt="2024-01-04T10:04:53.475" v="2000"/>
+        <pc:sldMkLst>
+          <pc:docMk/>
+          <pc:sldMk cId="202807196" sldId="279"/>
+        </pc:sldMkLst>
+      </pc:sldChg>
+      <pc:sldChg chg="modSp add mod">
+        <pc:chgData name="Hein van Wanrooij" userId="ebcdd4c57331f9b2" providerId="LiveId" clId="{0F2F5874-EF55-4B1D-B1EF-82D9CC020624}" dt="2024-01-04T10:12:47.098" v="2424" actId="20577"/>
+        <pc:sldMkLst>
+          <pc:docMk/>
+          <pc:sldMk cId="457220940" sldId="279"/>
+        </pc:sldMkLst>
+        <pc:spChg chg="mod">
+          <ac:chgData name="Hein van Wanrooij" userId="ebcdd4c57331f9b2" providerId="LiveId" clId="{0F2F5874-EF55-4B1D-B1EF-82D9CC020624}" dt="2024-01-04T10:05:07.056" v="2023" actId="20577"/>
+          <ac:spMkLst>
+            <pc:docMk/>
+            <pc:sldMk cId="457220940" sldId="279"/>
+            <ac:spMk id="2" creationId="{C2F5861A-BCDE-D2A4-C355-05C8119ED351}"/>
+          </ac:spMkLst>
+        </pc:spChg>
+        <pc:spChg chg="mod">
+          <ac:chgData name="Hein van Wanrooij" userId="ebcdd4c57331f9b2" providerId="LiveId" clId="{0F2F5874-EF55-4B1D-B1EF-82D9CC020624}" dt="2024-01-04T10:12:47.098" v="2424" actId="20577"/>
+          <ac:spMkLst>
+            <pc:docMk/>
+            <pc:sldMk cId="457220940" sldId="279"/>
+            <ac:spMk id="3" creationId="{7988AA68-FB88-7C7C-5E47-2AE86A2EFD72}"/>
+          </ac:spMkLst>
+        </pc:spChg>
+      </pc:sldChg>
+      <pc:sldChg chg="modSp add mod">
+        <pc:chgData name="Hein van Wanrooij" userId="ebcdd4c57331f9b2" providerId="LiveId" clId="{0F2F5874-EF55-4B1D-B1EF-82D9CC020624}" dt="2024-01-04T10:14:15.540" v="2555" actId="20577"/>
+        <pc:sldMkLst>
+          <pc:docMk/>
+          <pc:sldMk cId="2001967233" sldId="280"/>
+        </pc:sldMkLst>
+        <pc:spChg chg="mod">
+          <ac:chgData name="Hein van Wanrooij" userId="ebcdd4c57331f9b2" providerId="LiveId" clId="{0F2F5874-EF55-4B1D-B1EF-82D9CC020624}" dt="2024-01-04T10:13:03.734" v="2436" actId="20577"/>
+          <ac:spMkLst>
+            <pc:docMk/>
+            <pc:sldMk cId="2001967233" sldId="280"/>
+            <ac:spMk id="2" creationId="{C2F5861A-BCDE-D2A4-C355-05C8119ED351}"/>
+          </ac:spMkLst>
+        </pc:spChg>
+        <pc:spChg chg="mod">
+          <ac:chgData name="Hein van Wanrooij" userId="ebcdd4c57331f9b2" providerId="LiveId" clId="{0F2F5874-EF55-4B1D-B1EF-82D9CC020624}" dt="2024-01-04T10:14:15.540" v="2555" actId="20577"/>
+          <ac:spMkLst>
+            <pc:docMk/>
+            <pc:sldMk cId="2001967233" sldId="280"/>
+            <ac:spMk id="6" creationId="{6D9B39CE-FD5E-EBF7-47C7-30A62A12EA8D}"/>
+          </ac:spMkLst>
+        </pc:spChg>
+      </pc:sldChg>
+      <pc:sldChg chg="add del">
+        <pc:chgData name="Hein van Wanrooij" userId="ebcdd4c57331f9b2" providerId="LiveId" clId="{0F2F5874-EF55-4B1D-B1EF-82D9CC020624}" dt="2024-01-04T10:04:53.475" v="2000"/>
+        <pc:sldMkLst>
+          <pc:docMk/>
+          <pc:sldMk cId="3439703599" sldId="280"/>
+        </pc:sldMkLst>
+      </pc:sldChg>
+      <pc:sldChg chg="modSp add mod">
+        <pc:chgData name="Hein van Wanrooij" userId="ebcdd4c57331f9b2" providerId="LiveId" clId="{0F2F5874-EF55-4B1D-B1EF-82D9CC020624}" dt="2024-01-04T10:18:03.438" v="2566" actId="20577"/>
+        <pc:sldMkLst>
+          <pc:docMk/>
+          <pc:sldMk cId="2984149347" sldId="281"/>
+        </pc:sldMkLst>
+        <pc:spChg chg="mod">
+          <ac:chgData name="Hein van Wanrooij" userId="ebcdd4c57331f9b2" providerId="LiveId" clId="{0F2F5874-EF55-4B1D-B1EF-82D9CC020624}" dt="2024-01-04T10:18:03.438" v="2566" actId="20577"/>
+          <ac:spMkLst>
+            <pc:docMk/>
+            <pc:sldMk cId="2984149347" sldId="281"/>
+            <ac:spMk id="4" creationId="{61ED484A-E87E-7D07-D06C-3D405D336CC2}"/>
+          </ac:spMkLst>
+        </pc:spChg>
+      </pc:sldChg>
+      <pc:sldChg chg="modSp add mod">
+        <pc:chgData name="Hein van Wanrooij" userId="ebcdd4c57331f9b2" providerId="LiveId" clId="{0F2F5874-EF55-4B1D-B1EF-82D9CC020624}" dt="2024-01-04T10:22:55.607" v="2786" actId="207"/>
+        <pc:sldMkLst>
+          <pc:docMk/>
+          <pc:sldMk cId="581594001" sldId="282"/>
+        </pc:sldMkLst>
+        <pc:spChg chg="mod">
+          <ac:chgData name="Hein van Wanrooij" userId="ebcdd4c57331f9b2" providerId="LiveId" clId="{0F2F5874-EF55-4B1D-B1EF-82D9CC020624}" dt="2024-01-04T10:18:06.936" v="2574" actId="20577"/>
+          <ac:spMkLst>
+            <pc:docMk/>
+            <pc:sldMk cId="581594001" sldId="282"/>
+            <ac:spMk id="2" creationId="{C2F5861A-BCDE-D2A4-C355-05C8119ED351}"/>
+          </ac:spMkLst>
+        </pc:spChg>
+        <pc:spChg chg="mod">
+          <ac:chgData name="Hein van Wanrooij" userId="ebcdd4c57331f9b2" providerId="LiveId" clId="{0F2F5874-EF55-4B1D-B1EF-82D9CC020624}" dt="2024-01-04T10:22:55.607" v="2786" actId="207"/>
+          <ac:spMkLst>
+            <pc:docMk/>
+            <pc:sldMk cId="581594001" sldId="282"/>
+            <ac:spMk id="3" creationId="{7988AA68-FB88-7C7C-5E47-2AE86A2EFD72}"/>
+          </ac:spMkLst>
+        </pc:spChg>
+      </pc:sldChg>
+      <pc:sldChg chg="modSp add mod">
+        <pc:chgData name="Hein van Wanrooij" userId="ebcdd4c57331f9b2" providerId="LiveId" clId="{0F2F5874-EF55-4B1D-B1EF-82D9CC020624}" dt="2024-01-04T10:24:06.157" v="2800" actId="16959"/>
+        <pc:sldMkLst>
+          <pc:docMk/>
+          <pc:sldMk cId="2182118663" sldId="283"/>
+        </pc:sldMkLst>
+        <pc:spChg chg="mod">
+          <ac:chgData name="Hein van Wanrooij" userId="ebcdd4c57331f9b2" providerId="LiveId" clId="{0F2F5874-EF55-4B1D-B1EF-82D9CC020624}" dt="2024-01-04T10:18:10.775" v="2582" actId="20577"/>
+          <ac:spMkLst>
+            <pc:docMk/>
+            <pc:sldMk cId="2182118663" sldId="283"/>
+            <ac:spMk id="2" creationId="{C2F5861A-BCDE-D2A4-C355-05C8119ED351}"/>
+          </ac:spMkLst>
+        </pc:spChg>
+        <pc:spChg chg="mod">
+          <ac:chgData name="Hein van Wanrooij" userId="ebcdd4c57331f9b2" providerId="LiveId" clId="{0F2F5874-EF55-4B1D-B1EF-82D9CC020624}" dt="2024-01-04T10:24:06.157" v="2800" actId="16959"/>
+          <ac:spMkLst>
+            <pc:docMk/>
+            <pc:sldMk cId="2182118663" sldId="283"/>
+            <ac:spMk id="6" creationId="{6D9B39CE-FD5E-EBF7-47C7-30A62A12EA8D}"/>
+          </ac:spMkLst>
+        </pc:spChg>
+      </pc:sldChg>
+      <pc:sldChg chg="modSp add mod">
+        <pc:chgData name="Hein van Wanrooij" userId="ebcdd4c57331f9b2" providerId="LiveId" clId="{0F2F5874-EF55-4B1D-B1EF-82D9CC020624}" dt="2024-01-04T10:30:59.162" v="3179" actId="20577"/>
+        <pc:sldMkLst>
+          <pc:docMk/>
+          <pc:sldMk cId="4185682276" sldId="284"/>
+        </pc:sldMkLst>
+        <pc:spChg chg="mod">
+          <ac:chgData name="Hein van Wanrooij" userId="ebcdd4c57331f9b2" providerId="LiveId" clId="{0F2F5874-EF55-4B1D-B1EF-82D9CC020624}" dt="2024-01-04T10:30:59.162" v="3179" actId="20577"/>
+          <ac:spMkLst>
+            <pc:docMk/>
+            <pc:sldMk cId="4185682276" sldId="284"/>
+            <ac:spMk id="4" creationId="{61ED484A-E87E-7D07-D06C-3D405D336CC2}"/>
+          </ac:spMkLst>
+        </pc:spChg>
+      </pc:sldChg>
+      <pc:sldChg chg="modSp add mod">
+        <pc:chgData name="Hein van Wanrooij" userId="ebcdd4c57331f9b2" providerId="LiveId" clId="{0F2F5874-EF55-4B1D-B1EF-82D9CC020624}" dt="2024-01-04T10:37:44.539" v="3699" actId="20577"/>
+        <pc:sldMkLst>
+          <pc:docMk/>
+          <pc:sldMk cId="3160930587" sldId="285"/>
+        </pc:sldMkLst>
+        <pc:spChg chg="mod">
+          <ac:chgData name="Hein van Wanrooij" userId="ebcdd4c57331f9b2" providerId="LiveId" clId="{0F2F5874-EF55-4B1D-B1EF-82D9CC020624}" dt="2024-01-04T10:31:02.880" v="3187" actId="20577"/>
+          <ac:spMkLst>
+            <pc:docMk/>
+            <pc:sldMk cId="3160930587" sldId="285"/>
+            <ac:spMk id="2" creationId="{C2F5861A-BCDE-D2A4-C355-05C8119ED351}"/>
+          </ac:spMkLst>
+        </pc:spChg>
+        <pc:spChg chg="mod">
+          <ac:chgData name="Hein van Wanrooij" userId="ebcdd4c57331f9b2" providerId="LiveId" clId="{0F2F5874-EF55-4B1D-B1EF-82D9CC020624}" dt="2024-01-04T10:37:44.539" v="3699" actId="20577"/>
+          <ac:spMkLst>
+            <pc:docMk/>
+            <pc:sldMk cId="3160930587" sldId="285"/>
+            <ac:spMk id="3" creationId="{7988AA68-FB88-7C7C-5E47-2AE86A2EFD72}"/>
+          </ac:spMkLst>
+        </pc:spChg>
+      </pc:sldChg>
+      <pc:sldChg chg="delSp modSp add mod">
+        <pc:chgData name="Hein van Wanrooij" userId="ebcdd4c57331f9b2" providerId="LiveId" clId="{0F2F5874-EF55-4B1D-B1EF-82D9CC020624}" dt="2024-01-04T10:35:39.755" v="3698" actId="20577"/>
+        <pc:sldMkLst>
+          <pc:docMk/>
+          <pc:sldMk cId="870065810" sldId="286"/>
+        </pc:sldMkLst>
+        <pc:spChg chg="mod">
+          <ac:chgData name="Hein van Wanrooij" userId="ebcdd4c57331f9b2" providerId="LiveId" clId="{0F2F5874-EF55-4B1D-B1EF-82D9CC020624}" dt="2024-01-04T10:31:08.114" v="3197" actId="20577"/>
+          <ac:spMkLst>
+            <pc:docMk/>
+            <pc:sldMk cId="870065810" sldId="286"/>
+            <ac:spMk id="2" creationId="{C2F5861A-BCDE-D2A4-C355-05C8119ED351}"/>
+          </ac:spMkLst>
+        </pc:spChg>
+        <pc:spChg chg="mod">
+          <ac:chgData name="Hein van Wanrooij" userId="ebcdd4c57331f9b2" providerId="LiveId" clId="{0F2F5874-EF55-4B1D-B1EF-82D9CC020624}" dt="2024-01-04T10:35:39.755" v="3698" actId="20577"/>
+          <ac:spMkLst>
+            <pc:docMk/>
+            <pc:sldMk cId="870065810" sldId="286"/>
+            <ac:spMk id="6" creationId="{6D9B39CE-FD5E-EBF7-47C7-30A62A12EA8D}"/>
+          </ac:spMkLst>
+        </pc:spChg>
+        <pc:spChg chg="del">
+          <ac:chgData name="Hein van Wanrooij" userId="ebcdd4c57331f9b2" providerId="LiveId" clId="{0F2F5874-EF55-4B1D-B1EF-82D9CC020624}" dt="2024-01-04T10:26:01.829" v="2859" actId="478"/>
+          <ac:spMkLst>
+            <pc:docMk/>
+            <pc:sldMk cId="870065810" sldId="286"/>
+            <ac:spMk id="7" creationId="{07B414E2-2801-31B5-5D16-CD7FB9842203}"/>
+          </ac:spMkLst>
+        </pc:spChg>
+      </pc:sldChg>
+      <pc:sldChg chg="modSp add mod">
+        <pc:chgData name="Hein van Wanrooij" userId="ebcdd4c57331f9b2" providerId="LiveId" clId="{0F2F5874-EF55-4B1D-B1EF-82D9CC020624}" dt="2024-01-04T10:41:20.575" v="3760" actId="20577"/>
+        <pc:sldMkLst>
+          <pc:docMk/>
+          <pc:sldMk cId="1608787423" sldId="287"/>
+        </pc:sldMkLst>
+        <pc:spChg chg="mod">
+          <ac:chgData name="Hein van Wanrooij" userId="ebcdd4c57331f9b2" providerId="LiveId" clId="{0F2F5874-EF55-4B1D-B1EF-82D9CC020624}" dt="2024-01-04T10:41:20.575" v="3760" actId="20577"/>
+          <ac:spMkLst>
+            <pc:docMk/>
+            <pc:sldMk cId="1608787423" sldId="287"/>
+            <ac:spMk id="4" creationId="{61ED484A-E87E-7D07-D06C-3D405D336CC2}"/>
+          </ac:spMkLst>
+        </pc:spChg>
+      </pc:sldChg>
+      <pc:sldChg chg="modSp add mod">
+        <pc:chgData name="Hein van Wanrooij" userId="ebcdd4c57331f9b2" providerId="LiveId" clId="{0F2F5874-EF55-4B1D-B1EF-82D9CC020624}" dt="2024-01-04T10:41:51.396" v="3861" actId="20577"/>
+        <pc:sldMkLst>
+          <pc:docMk/>
+          <pc:sldMk cId="2882090153" sldId="288"/>
+        </pc:sldMkLst>
+        <pc:spChg chg="mod">
+          <ac:chgData name="Hein van Wanrooij" userId="ebcdd4c57331f9b2" providerId="LiveId" clId="{0F2F5874-EF55-4B1D-B1EF-82D9CC020624}" dt="2024-01-04T10:41:27.741" v="3774" actId="20577"/>
+          <ac:spMkLst>
+            <pc:docMk/>
+            <pc:sldMk cId="2882090153" sldId="288"/>
+            <ac:spMk id="2" creationId="{C2F5861A-BCDE-D2A4-C355-05C8119ED351}"/>
+          </ac:spMkLst>
+        </pc:spChg>
+        <pc:spChg chg="mod">
+          <ac:chgData name="Hein van Wanrooij" userId="ebcdd4c57331f9b2" providerId="LiveId" clId="{0F2F5874-EF55-4B1D-B1EF-82D9CC020624}" dt="2024-01-04T10:41:51.396" v="3861" actId="20577"/>
+          <ac:spMkLst>
+            <pc:docMk/>
+            <pc:sldMk cId="2882090153" sldId="288"/>
+            <ac:spMk id="3" creationId="{7988AA68-FB88-7C7C-5E47-2AE86A2EFD72}"/>
+          </ac:spMkLst>
+        </pc:spChg>
+      </pc:sldChg>
+      <pc:sldChg chg="modSp add mod">
+        <pc:chgData name="Hein van Wanrooij" userId="ebcdd4c57331f9b2" providerId="LiveId" clId="{0F2F5874-EF55-4B1D-B1EF-82D9CC020624}" dt="2024-01-04T10:41:34.198" v="3795" actId="27636"/>
+        <pc:sldMkLst>
+          <pc:docMk/>
+          <pc:sldMk cId="4105687425" sldId="289"/>
+        </pc:sldMkLst>
+        <pc:spChg chg="mod">
+          <ac:chgData name="Hein van Wanrooij" userId="ebcdd4c57331f9b2" providerId="LiveId" clId="{0F2F5874-EF55-4B1D-B1EF-82D9CC020624}" dt="2024-01-04T10:41:34.198" v="3795" actId="27636"/>
+          <ac:spMkLst>
+            <pc:docMk/>
+            <pc:sldMk cId="4105687425" sldId="289"/>
+            <ac:spMk id="2" creationId="{C2F5861A-BCDE-D2A4-C355-05C8119ED351}"/>
+          </ac:spMkLst>
+        </pc:spChg>
       </pc:sldChg>
     </pc:docChg>
   </pc:docChgLst>
@@ -3713,7 +4316,7 @@
           <a:p>
             <a:fld id="{89AFD366-9D87-47C8-9C04-02D6655FA638}" type="datetimeFigureOut">
               <a:rPr lang="nl-NL" smtClean="0"/>
-              <a:t>7-11-2023</a:t>
+              <a:t>4-1-2024</a:t>
             </a:fld>
             <a:endParaRPr lang="nl-NL"/>
           </a:p>
@@ -3911,7 +4514,7 @@
           <a:p>
             <a:fld id="{89AFD366-9D87-47C8-9C04-02D6655FA638}" type="datetimeFigureOut">
               <a:rPr lang="nl-NL" smtClean="0"/>
-              <a:t>7-11-2023</a:t>
+              <a:t>4-1-2024</a:t>
             </a:fld>
             <a:endParaRPr lang="nl-NL"/>
           </a:p>
@@ -4119,7 +4722,7 @@
           <a:p>
             <a:fld id="{89AFD366-9D87-47C8-9C04-02D6655FA638}" type="datetimeFigureOut">
               <a:rPr lang="nl-NL" smtClean="0"/>
-              <a:t>7-11-2023</a:t>
+              <a:t>4-1-2024</a:t>
             </a:fld>
             <a:endParaRPr lang="nl-NL"/>
           </a:p>
@@ -4317,7 +4920,7 @@
           <a:p>
             <a:fld id="{89AFD366-9D87-47C8-9C04-02D6655FA638}" type="datetimeFigureOut">
               <a:rPr lang="nl-NL" smtClean="0"/>
-              <a:t>7-11-2023</a:t>
+              <a:t>4-1-2024</a:t>
             </a:fld>
             <a:endParaRPr lang="nl-NL"/>
           </a:p>
@@ -4592,7 +5195,7 @@
           <a:p>
             <a:fld id="{89AFD366-9D87-47C8-9C04-02D6655FA638}" type="datetimeFigureOut">
               <a:rPr lang="nl-NL" smtClean="0"/>
-              <a:t>7-11-2023</a:t>
+              <a:t>4-1-2024</a:t>
             </a:fld>
             <a:endParaRPr lang="nl-NL"/>
           </a:p>
@@ -4857,7 +5460,7 @@
           <a:p>
             <a:fld id="{89AFD366-9D87-47C8-9C04-02D6655FA638}" type="datetimeFigureOut">
               <a:rPr lang="nl-NL" smtClean="0"/>
-              <a:t>7-11-2023</a:t>
+              <a:t>4-1-2024</a:t>
             </a:fld>
             <a:endParaRPr lang="nl-NL"/>
           </a:p>
@@ -5269,7 +5872,7 @@
           <a:p>
             <a:fld id="{89AFD366-9D87-47C8-9C04-02D6655FA638}" type="datetimeFigureOut">
               <a:rPr lang="nl-NL" smtClean="0"/>
-              <a:t>7-11-2023</a:t>
+              <a:t>4-1-2024</a:t>
             </a:fld>
             <a:endParaRPr lang="nl-NL"/>
           </a:p>
@@ -5410,7 +6013,7 @@
           <a:p>
             <a:fld id="{89AFD366-9D87-47C8-9C04-02D6655FA638}" type="datetimeFigureOut">
               <a:rPr lang="nl-NL" smtClean="0"/>
-              <a:t>7-11-2023</a:t>
+              <a:t>4-1-2024</a:t>
             </a:fld>
             <a:endParaRPr lang="nl-NL"/>
           </a:p>
@@ -5523,7 +6126,7 @@
           <a:p>
             <a:fld id="{89AFD366-9D87-47C8-9C04-02D6655FA638}" type="datetimeFigureOut">
               <a:rPr lang="nl-NL" smtClean="0"/>
-              <a:t>7-11-2023</a:t>
+              <a:t>4-1-2024</a:t>
             </a:fld>
             <a:endParaRPr lang="nl-NL"/>
           </a:p>
@@ -5834,7 +6437,7 @@
           <a:p>
             <a:fld id="{89AFD366-9D87-47C8-9C04-02D6655FA638}" type="datetimeFigureOut">
               <a:rPr lang="nl-NL" smtClean="0"/>
-              <a:t>7-11-2023</a:t>
+              <a:t>4-1-2024</a:t>
             </a:fld>
             <a:endParaRPr lang="nl-NL"/>
           </a:p>
@@ -6122,7 +6725,7 @@
           <a:p>
             <a:fld id="{89AFD366-9D87-47C8-9C04-02D6655FA638}" type="datetimeFigureOut">
               <a:rPr lang="nl-NL" smtClean="0"/>
-              <a:t>7-11-2023</a:t>
+              <a:t>4-1-2024</a:t>
             </a:fld>
             <a:endParaRPr lang="nl-NL"/>
           </a:p>
@@ -6363,7 +6966,7 @@
           <a:p>
             <a:fld id="{89AFD366-9D87-47C8-9C04-02D6655FA638}" type="datetimeFigureOut">
               <a:rPr lang="nl-NL" smtClean="0"/>
-              <a:t>7-11-2023</a:t>
+              <a:t>4-1-2024</a:t>
             </a:fld>
             <a:endParaRPr lang="nl-NL"/>
           </a:p>
@@ -6858,7 +7461,7 @@
             <a:pPr algn="ctr"/>
             <a:r>
               <a:rPr lang="nl-NL" sz="9000" b="1" dirty="0"/>
-              <a:t>Ribben</a:t>
+              <a:t>(Grafische) Rekenmachine</a:t>
             </a:r>
           </a:p>
         </p:txBody>
@@ -6866,7 +7469,1376 @@
     </p:spTree>
     <p:extLst>
       <p:ext uri="{BB962C8B-B14F-4D97-AF65-F5344CB8AC3E}">
-        <p14:creationId xmlns:p14="http://schemas.microsoft.com/office/powerpoint/2010/main" val="3650281463"/>
+        <p14:creationId xmlns:p14="http://schemas.microsoft.com/office/powerpoint/2010/main" val="1608787423"/>
+      </p:ext>
+    </p:extLst>
+  </p:cSld>
+  <p:clrMapOvr>
+    <a:masterClrMapping/>
+  </p:clrMapOvr>
+</p:sld>
+</file>
+
+<file path=ppt/slides/slide10.xml><?xml version="1.0" encoding="utf-8"?>
+<p:sld xmlns:a="http://schemas.openxmlformats.org/drawingml/2006/main" xmlns:r="http://schemas.openxmlformats.org/officeDocument/2006/relationships" xmlns:p="http://schemas.openxmlformats.org/presentationml/2006/main">
+  <p:cSld>
+    <p:spTree>
+      <p:nvGrpSpPr>
+        <p:cNvPr id="1" name=""/>
+        <p:cNvGrpSpPr/>
+        <p:nvPr/>
+      </p:nvGrpSpPr>
+      <p:grpSpPr>
+        <a:xfrm>
+          <a:off x="0" y="0"/>
+          <a:ext cx="0" cy="0"/>
+          <a:chOff x="0" y="0"/>
+          <a:chExt cx="0" cy="0"/>
+        </a:xfrm>
+      </p:grpSpPr>
+      <p:sp>
+        <p:nvSpPr>
+          <p:cNvPr id="2" name="Titel 1">
+            <a:extLst>
+              <a:ext uri="{FF2B5EF4-FFF2-40B4-BE49-F238E27FC236}">
+                <a16:creationId xmlns:a16="http://schemas.microsoft.com/office/drawing/2014/main" id="{73168B85-7905-DEBC-34BC-B73EB909DDCD}"/>
+              </a:ext>
+            </a:extLst>
+          </p:cNvPr>
+          <p:cNvSpPr>
+            <a:spLocks noGrp="1"/>
+          </p:cNvSpPr>
+          <p:nvPr>
+            <p:ph type="title"/>
+          </p:nvPr>
+        </p:nvSpPr>
+        <p:spPr/>
+        <p:txBody>
+          <a:bodyPr/>
+          <a:lstStyle/>
+          <a:p>
+            <a:r>
+              <a:rPr lang="nl-NL" dirty="0"/>
+              <a:t>Wiskunde Termen</a:t>
+            </a:r>
+          </a:p>
+        </p:txBody>
+      </p:sp>
+      <p:sp>
+        <p:nvSpPr>
+          <p:cNvPr id="4" name="Titel 1">
+            <a:extLst>
+              <a:ext uri="{FF2B5EF4-FFF2-40B4-BE49-F238E27FC236}">
+                <a16:creationId xmlns:a16="http://schemas.microsoft.com/office/drawing/2014/main" id="{61ED484A-E87E-7D07-D06C-3D405D336CC2}"/>
+              </a:ext>
+            </a:extLst>
+          </p:cNvPr>
+          <p:cNvSpPr txBox="1">
+            <a:spLocks/>
+          </p:cNvSpPr>
+          <p:nvPr/>
+        </p:nvSpPr>
+        <p:spPr>
+          <a:xfrm>
+            <a:off x="1524000" y="2105897"/>
+            <a:ext cx="9144000" cy="2646206"/>
+          </a:xfrm>
+          <a:prstGeom prst="rect">
+            <a:avLst/>
+          </a:prstGeom>
+        </p:spPr>
+        <p:txBody>
+          <a:bodyPr vert="horz" lIns="91440" tIns="45720" rIns="91440" bIns="45720" rtlCol="0" anchor="ctr">
+            <a:normAutofit fontScale="97500"/>
+          </a:bodyPr>
+          <a:lstStyle>
+            <a:lvl1pPr algn="l" defTabSz="914400" rtl="0" eaLnBrk="1" latinLnBrk="0" hangingPunct="1">
+              <a:lnSpc>
+                <a:spcPct val="90000"/>
+              </a:lnSpc>
+              <a:spcBef>
+                <a:spcPct val="0"/>
+              </a:spcBef>
+              <a:buNone/>
+              <a:defRPr sz="4400" kern="1200">
+                <a:solidFill>
+                  <a:schemeClr val="tx1"/>
+                </a:solidFill>
+                <a:latin typeface="+mj-lt"/>
+                <a:ea typeface="+mj-ea"/>
+                <a:cs typeface="+mj-cs"/>
+              </a:defRPr>
+            </a:lvl1pPr>
+          </a:lstStyle>
+          <a:p>
+            <a:pPr algn="ctr"/>
+            <a:r>
+              <a:rPr lang="nl-NL" sz="9000" b="1" dirty="0"/>
+              <a:t>Afronden</a:t>
+            </a:r>
+          </a:p>
+        </p:txBody>
+      </p:sp>
+    </p:spTree>
+    <p:extLst>
+      <p:ext uri="{BB962C8B-B14F-4D97-AF65-F5344CB8AC3E}">
+        <p14:creationId xmlns:p14="http://schemas.microsoft.com/office/powerpoint/2010/main" val="2595439381"/>
+      </p:ext>
+    </p:extLst>
+  </p:cSld>
+  <p:clrMapOvr>
+    <a:masterClrMapping/>
+  </p:clrMapOvr>
+</p:sld>
+</file>
+
+<file path=ppt/slides/slide11.xml><?xml version="1.0" encoding="utf-8"?>
+<p:sld xmlns:a="http://schemas.openxmlformats.org/drawingml/2006/main" xmlns:r="http://schemas.openxmlformats.org/officeDocument/2006/relationships" xmlns:p="http://schemas.openxmlformats.org/presentationml/2006/main">
+  <p:cSld>
+    <p:spTree>
+      <p:nvGrpSpPr>
+        <p:cNvPr id="1" name=""/>
+        <p:cNvGrpSpPr/>
+        <p:nvPr/>
+      </p:nvGrpSpPr>
+      <p:grpSpPr>
+        <a:xfrm>
+          <a:off x="0" y="0"/>
+          <a:ext cx="0" cy="0"/>
+          <a:chOff x="0" y="0"/>
+          <a:chExt cx="0" cy="0"/>
+        </a:xfrm>
+      </p:grpSpPr>
+      <p:sp>
+        <p:nvSpPr>
+          <p:cNvPr id="2" name="Titel 1">
+            <a:extLst>
+              <a:ext uri="{FF2B5EF4-FFF2-40B4-BE49-F238E27FC236}">
+                <a16:creationId xmlns:a16="http://schemas.microsoft.com/office/drawing/2014/main" id="{C2F5861A-BCDE-D2A4-C355-05C8119ED351}"/>
+              </a:ext>
+            </a:extLst>
+          </p:cNvPr>
+          <p:cNvSpPr>
+            <a:spLocks noGrp="1"/>
+          </p:cNvSpPr>
+          <p:nvPr>
+            <p:ph type="ctrTitle"/>
+          </p:nvPr>
+        </p:nvSpPr>
+        <p:spPr>
+          <a:xfrm>
+            <a:off x="101599" y="236482"/>
+            <a:ext cx="11988800" cy="892887"/>
+          </a:xfrm>
+        </p:spPr>
+        <p:txBody>
+          <a:bodyPr>
+            <a:normAutofit fontScale="90000"/>
+          </a:bodyPr>
+          <a:lstStyle/>
+          <a:p>
+            <a:r>
+              <a:rPr lang="nl-NL" dirty="0"/>
+              <a:t>Afronden</a:t>
+            </a:r>
+          </a:p>
+        </p:txBody>
+      </p:sp>
+      <p:sp>
+        <p:nvSpPr>
+          <p:cNvPr id="3" name="Ondertitel 2">
+            <a:extLst>
+              <a:ext uri="{FF2B5EF4-FFF2-40B4-BE49-F238E27FC236}">
+                <a16:creationId xmlns:a16="http://schemas.microsoft.com/office/drawing/2014/main" id="{7988AA68-FB88-7C7C-5E47-2AE86A2EFD72}"/>
+              </a:ext>
+            </a:extLst>
+          </p:cNvPr>
+          <p:cNvSpPr>
+            <a:spLocks noGrp="1"/>
+          </p:cNvSpPr>
+          <p:nvPr>
+            <p:ph type="subTitle" idx="1"/>
+          </p:nvPr>
+        </p:nvSpPr>
+        <p:spPr>
+          <a:xfrm>
+            <a:off x="351724" y="1342364"/>
+            <a:ext cx="11488549" cy="2530747"/>
+          </a:xfrm>
+        </p:spPr>
+        <p:txBody>
+          <a:bodyPr>
+            <a:normAutofit/>
+          </a:bodyPr>
+          <a:lstStyle/>
+          <a:p>
+            <a:r>
+              <a:rPr lang="nl-NL" dirty="0"/>
+              <a:t>Afronden wordt gebruikt wanneer </a:t>
+            </a:r>
+            <a:r>
+              <a:rPr lang="nl-NL" dirty="0">
+                <a:solidFill>
+                  <a:srgbClr val="7030A0"/>
+                </a:solidFill>
+              </a:rPr>
+              <a:t>getallen</a:t>
+            </a:r>
+            <a:r>
+              <a:rPr lang="nl-NL" dirty="0"/>
+              <a:t> te veel </a:t>
+            </a:r>
+            <a:r>
+              <a:rPr lang="nl-NL" dirty="0">
+                <a:solidFill>
+                  <a:srgbClr val="7030A0"/>
+                </a:solidFill>
+              </a:rPr>
+              <a:t>decimalen</a:t>
+            </a:r>
+            <a:r>
+              <a:rPr lang="nl-NL" dirty="0"/>
+              <a:t> hebben om op te schrijven.</a:t>
+            </a:r>
+          </a:p>
+          <a:p>
+            <a:r>
+              <a:rPr lang="nl-NL" dirty="0"/>
+              <a:t>Door af te ronden worden getallen minder nauwkeurig.</a:t>
+            </a:r>
+          </a:p>
+          <a:p>
+            <a:r>
+              <a:rPr lang="nl-NL" dirty="0"/>
+              <a:t>Bij afronden is het altijd belangrijk rekening te houden waar je mee bezig bent.</a:t>
+            </a:r>
+          </a:p>
+          <a:p>
+            <a:endParaRPr lang="nl-NL" dirty="0"/>
+          </a:p>
+          <a:p>
+            <a:endParaRPr lang="nl-NL" dirty="0"/>
+          </a:p>
+          <a:p>
+            <a:endParaRPr lang="nl-NL" dirty="0"/>
+          </a:p>
+        </p:txBody>
+      </p:sp>
+    </p:spTree>
+    <p:extLst>
+      <p:ext uri="{BB962C8B-B14F-4D97-AF65-F5344CB8AC3E}">
+        <p14:creationId xmlns:p14="http://schemas.microsoft.com/office/powerpoint/2010/main" val="457220940"/>
+      </p:ext>
+    </p:extLst>
+  </p:cSld>
+  <p:clrMapOvr>
+    <a:masterClrMapping/>
+  </p:clrMapOvr>
+</p:sld>
+</file>
+
+<file path=ppt/slides/slide12.xml><?xml version="1.0" encoding="utf-8"?>
+<p:sld xmlns:a="http://schemas.openxmlformats.org/drawingml/2006/main" xmlns:r="http://schemas.openxmlformats.org/officeDocument/2006/relationships" xmlns:p="http://schemas.openxmlformats.org/presentationml/2006/main">
+  <p:cSld>
+    <p:spTree>
+      <p:nvGrpSpPr>
+        <p:cNvPr id="1" name=""/>
+        <p:cNvGrpSpPr/>
+        <p:nvPr/>
+      </p:nvGrpSpPr>
+      <p:grpSpPr>
+        <a:xfrm>
+          <a:off x="0" y="0"/>
+          <a:ext cx="0" cy="0"/>
+          <a:chOff x="0" y="0"/>
+          <a:chExt cx="0" cy="0"/>
+        </a:xfrm>
+      </p:grpSpPr>
+      <p:sp>
+        <p:nvSpPr>
+          <p:cNvPr id="2" name="Titel 1">
+            <a:extLst>
+              <a:ext uri="{FF2B5EF4-FFF2-40B4-BE49-F238E27FC236}">
+                <a16:creationId xmlns:a16="http://schemas.microsoft.com/office/drawing/2014/main" id="{C2F5861A-BCDE-D2A4-C355-05C8119ED351}"/>
+              </a:ext>
+            </a:extLst>
+          </p:cNvPr>
+          <p:cNvSpPr>
+            <a:spLocks noGrp="1"/>
+          </p:cNvSpPr>
+          <p:nvPr>
+            <p:ph type="ctrTitle"/>
+          </p:nvPr>
+        </p:nvSpPr>
+        <p:spPr>
+          <a:xfrm>
+            <a:off x="431532" y="386224"/>
+            <a:ext cx="11328934" cy="963493"/>
+          </a:xfrm>
+        </p:spPr>
+        <p:txBody>
+          <a:bodyPr>
+            <a:normAutofit/>
+          </a:bodyPr>
+          <a:lstStyle/>
+          <a:p>
+            <a:r>
+              <a:rPr lang="nl-NL" dirty="0"/>
+              <a:t>Voorbeeld Afronden</a:t>
+            </a:r>
+          </a:p>
+        </p:txBody>
+      </p:sp>
+      <mc:AlternateContent xmlns:mc="http://schemas.openxmlformats.org/markup-compatibility/2006">
+        <mc:Choice xmlns:a14="http://schemas.microsoft.com/office/drawing/2010/main" Requires="a14">
+          <p:sp>
+            <p:nvSpPr>
+              <p:cNvPr id="6" name="Ondertitel 2">
+                <a:extLst>
+                  <a:ext uri="{FF2B5EF4-FFF2-40B4-BE49-F238E27FC236}">
+                    <a16:creationId xmlns:a16="http://schemas.microsoft.com/office/drawing/2014/main" id="{6D9B39CE-FD5E-EBF7-47C7-30A62A12EA8D}"/>
+                  </a:ext>
+                </a:extLst>
+              </p:cNvPr>
+              <p:cNvSpPr>
+                <a:spLocks noGrp="1"/>
+              </p:cNvSpPr>
+              <p:nvPr>
+                <p:ph type="subTitle" idx="1"/>
+              </p:nvPr>
+            </p:nvSpPr>
+            <p:spPr>
+              <a:xfrm>
+                <a:off x="1390584" y="1905977"/>
+                <a:ext cx="9410830" cy="2530747"/>
+              </a:xfrm>
+            </p:spPr>
+            <p:txBody>
+              <a:bodyPr>
+                <a:normAutofit/>
+              </a:bodyPr>
+              <a:lstStyle/>
+              <a:p>
+                <a:r>
+                  <a:rPr lang="nl-NL" dirty="0"/>
+                  <a:t>6 personen en 5 kunnen er in een boot</a:t>
+                </a:r>
+              </a:p>
+              <a:p>
+                <a14:m>
+                  <m:oMath xmlns:m="http://schemas.openxmlformats.org/officeDocument/2006/math">
+                    <m:r>
+                      <a:rPr lang="nl-NL" b="0" i="1" smtClean="0">
+                        <a:latin typeface="Cambria Math" panose="02040503050406030204" pitchFamily="18" charset="0"/>
+                      </a:rPr>
+                      <m:t>6:5=1,2</m:t>
+                    </m:r>
+                  </m:oMath>
+                </a14:m>
+                <a:r>
+                  <a:rPr lang="nl-NL" dirty="0"/>
+                  <a:t>	dus 2 boten</a:t>
+                </a:r>
+              </a:p>
+              <a:p>
+                <a:endParaRPr lang="nl-NL" dirty="0"/>
+              </a:p>
+              <a:p>
+                <a:r>
+                  <a:rPr lang="nl-NL" dirty="0"/>
+                  <a:t>Rond af op gehele</a:t>
+                </a:r>
+              </a:p>
+              <a:p>
+                <a14:m>
+                  <m:oMath xmlns:m="http://schemas.openxmlformats.org/officeDocument/2006/math">
+                    <m:r>
+                      <a:rPr lang="nl-NL" b="0" i="1" smtClean="0">
+                        <a:latin typeface="Cambria Math" panose="02040503050406030204" pitchFamily="18" charset="0"/>
+                      </a:rPr>
+                      <m:t>6:5=1,2</m:t>
+                    </m:r>
+                  </m:oMath>
+                </a14:m>
+                <a:r>
+                  <a:rPr lang="nl-NL" dirty="0"/>
+                  <a:t>	dus 1</a:t>
+                </a:r>
+              </a:p>
+            </p:txBody>
+          </p:sp>
+        </mc:Choice>
+        <mc:Fallback>
+          <p:sp>
+            <p:nvSpPr>
+              <p:cNvPr id="6" name="Ondertitel 2">
+                <a:extLst>
+                  <a:ext uri="{FF2B5EF4-FFF2-40B4-BE49-F238E27FC236}">
+                    <a16:creationId xmlns:a16="http://schemas.microsoft.com/office/drawing/2014/main" id="{6D9B39CE-FD5E-EBF7-47C7-30A62A12EA8D}"/>
+                  </a:ext>
+                </a:extLst>
+              </p:cNvPr>
+              <p:cNvSpPr>
+                <a:spLocks noGrp="1" noRot="1" noChangeAspect="1" noMove="1" noResize="1" noEditPoints="1" noAdjustHandles="1" noChangeArrowheads="1" noChangeShapeType="1" noTextEdit="1"/>
+              </p:cNvSpPr>
+              <p:nvPr>
+                <p:ph type="subTitle" idx="1"/>
+              </p:nvPr>
+            </p:nvSpPr>
+            <p:spPr>
+              <a:xfrm>
+                <a:off x="1390584" y="1905977"/>
+                <a:ext cx="9410830" cy="2530747"/>
+              </a:xfrm>
+              <a:blipFill>
+                <a:blip r:embed="rId2"/>
+                <a:stretch>
+                  <a:fillRect t="-3373"/>
+                </a:stretch>
+              </a:blipFill>
+            </p:spPr>
+            <p:txBody>
+              <a:bodyPr/>
+              <a:lstStyle/>
+              <a:p>
+                <a:r>
+                  <a:rPr lang="nl-NL">
+                    <a:noFill/>
+                  </a:rPr>
+                  <a:t> </a:t>
+                </a:r>
+              </a:p>
+            </p:txBody>
+          </p:sp>
+        </mc:Fallback>
+      </mc:AlternateContent>
+    </p:spTree>
+    <p:extLst>
+      <p:ext uri="{BB962C8B-B14F-4D97-AF65-F5344CB8AC3E}">
+        <p14:creationId xmlns:p14="http://schemas.microsoft.com/office/powerpoint/2010/main" val="2001967233"/>
+      </p:ext>
+    </p:extLst>
+  </p:cSld>
+  <p:clrMapOvr>
+    <a:masterClrMapping/>
+  </p:clrMapOvr>
+</p:sld>
+</file>
+
+<file path=ppt/slides/slide13.xml><?xml version="1.0" encoding="utf-8"?>
+<p:sld xmlns:a="http://schemas.openxmlformats.org/drawingml/2006/main" xmlns:r="http://schemas.openxmlformats.org/officeDocument/2006/relationships" xmlns:p="http://schemas.openxmlformats.org/presentationml/2006/main">
+  <p:cSld>
+    <p:spTree>
+      <p:nvGrpSpPr>
+        <p:cNvPr id="1" name=""/>
+        <p:cNvGrpSpPr/>
+        <p:nvPr/>
+      </p:nvGrpSpPr>
+      <p:grpSpPr>
+        <a:xfrm>
+          <a:off x="0" y="0"/>
+          <a:ext cx="0" cy="0"/>
+          <a:chOff x="0" y="0"/>
+          <a:chExt cx="0" cy="0"/>
+        </a:xfrm>
+      </p:grpSpPr>
+      <p:sp>
+        <p:nvSpPr>
+          <p:cNvPr id="2" name="Titel 1">
+            <a:extLst>
+              <a:ext uri="{FF2B5EF4-FFF2-40B4-BE49-F238E27FC236}">
+                <a16:creationId xmlns:a16="http://schemas.microsoft.com/office/drawing/2014/main" id="{73168B85-7905-DEBC-34BC-B73EB909DDCD}"/>
+              </a:ext>
+            </a:extLst>
+          </p:cNvPr>
+          <p:cNvSpPr>
+            <a:spLocks noGrp="1"/>
+          </p:cNvSpPr>
+          <p:nvPr>
+            <p:ph type="title"/>
+          </p:nvPr>
+        </p:nvSpPr>
+        <p:spPr/>
+        <p:txBody>
+          <a:bodyPr/>
+          <a:lstStyle/>
+          <a:p>
+            <a:r>
+              <a:rPr lang="nl-NL" dirty="0"/>
+              <a:t>Wiskunde Termen</a:t>
+            </a:r>
+          </a:p>
+        </p:txBody>
+      </p:sp>
+      <p:sp>
+        <p:nvSpPr>
+          <p:cNvPr id="4" name="Titel 1">
+            <a:extLst>
+              <a:ext uri="{FF2B5EF4-FFF2-40B4-BE49-F238E27FC236}">
+                <a16:creationId xmlns:a16="http://schemas.microsoft.com/office/drawing/2014/main" id="{61ED484A-E87E-7D07-D06C-3D405D336CC2}"/>
+              </a:ext>
+            </a:extLst>
+          </p:cNvPr>
+          <p:cNvSpPr txBox="1">
+            <a:spLocks/>
+          </p:cNvSpPr>
+          <p:nvPr/>
+        </p:nvSpPr>
+        <p:spPr>
+          <a:xfrm>
+            <a:off x="1524000" y="2105897"/>
+            <a:ext cx="9144000" cy="2646206"/>
+          </a:xfrm>
+          <a:prstGeom prst="rect">
+            <a:avLst/>
+          </a:prstGeom>
+        </p:spPr>
+        <p:txBody>
+          <a:bodyPr vert="horz" lIns="91440" tIns="45720" rIns="91440" bIns="45720" rtlCol="0" anchor="ctr">
+            <a:normAutofit fontScale="97500"/>
+          </a:bodyPr>
+          <a:lstStyle>
+            <a:lvl1pPr algn="l" defTabSz="914400" rtl="0" eaLnBrk="1" latinLnBrk="0" hangingPunct="1">
+              <a:lnSpc>
+                <a:spcPct val="90000"/>
+              </a:lnSpc>
+              <a:spcBef>
+                <a:spcPct val="0"/>
+              </a:spcBef>
+              <a:buNone/>
+              <a:defRPr sz="4400" kern="1200">
+                <a:solidFill>
+                  <a:schemeClr val="tx1"/>
+                </a:solidFill>
+                <a:latin typeface="+mj-lt"/>
+                <a:ea typeface="+mj-ea"/>
+                <a:cs typeface="+mj-cs"/>
+              </a:defRPr>
+            </a:lvl1pPr>
+          </a:lstStyle>
+          <a:p>
+            <a:pPr algn="ctr"/>
+            <a:r>
+              <a:rPr lang="nl-NL" sz="9000" b="1" dirty="0"/>
+              <a:t>Gehele getallen</a:t>
+            </a:r>
+          </a:p>
+        </p:txBody>
+      </p:sp>
+    </p:spTree>
+    <p:extLst>
+      <p:ext uri="{BB962C8B-B14F-4D97-AF65-F5344CB8AC3E}">
+        <p14:creationId xmlns:p14="http://schemas.microsoft.com/office/powerpoint/2010/main" val="2106154238"/>
+      </p:ext>
+    </p:extLst>
+  </p:cSld>
+  <p:clrMapOvr>
+    <a:masterClrMapping/>
+  </p:clrMapOvr>
+</p:sld>
+</file>
+
+<file path=ppt/slides/slide14.xml><?xml version="1.0" encoding="utf-8"?>
+<p:sld xmlns:a="http://schemas.openxmlformats.org/drawingml/2006/main" xmlns:r="http://schemas.openxmlformats.org/officeDocument/2006/relationships" xmlns:p="http://schemas.openxmlformats.org/presentationml/2006/main">
+  <p:cSld>
+    <p:spTree>
+      <p:nvGrpSpPr>
+        <p:cNvPr id="1" name=""/>
+        <p:cNvGrpSpPr/>
+        <p:nvPr/>
+      </p:nvGrpSpPr>
+      <p:grpSpPr>
+        <a:xfrm>
+          <a:off x="0" y="0"/>
+          <a:ext cx="0" cy="0"/>
+          <a:chOff x="0" y="0"/>
+          <a:chExt cx="0" cy="0"/>
+        </a:xfrm>
+      </p:grpSpPr>
+      <p:sp>
+        <p:nvSpPr>
+          <p:cNvPr id="2" name="Titel 1">
+            <a:extLst>
+              <a:ext uri="{FF2B5EF4-FFF2-40B4-BE49-F238E27FC236}">
+                <a16:creationId xmlns:a16="http://schemas.microsoft.com/office/drawing/2014/main" id="{C2F5861A-BCDE-D2A4-C355-05C8119ED351}"/>
+              </a:ext>
+            </a:extLst>
+          </p:cNvPr>
+          <p:cNvSpPr>
+            <a:spLocks noGrp="1"/>
+          </p:cNvSpPr>
+          <p:nvPr>
+            <p:ph type="ctrTitle"/>
+          </p:nvPr>
+        </p:nvSpPr>
+        <p:spPr>
+          <a:xfrm>
+            <a:off x="101599" y="236482"/>
+            <a:ext cx="11988800" cy="892887"/>
+          </a:xfrm>
+        </p:spPr>
+        <p:txBody>
+          <a:bodyPr>
+            <a:normAutofit fontScale="90000"/>
+          </a:bodyPr>
+          <a:lstStyle/>
+          <a:p>
+            <a:r>
+              <a:rPr lang="nl-NL" dirty="0"/>
+              <a:t>Gehele getallen</a:t>
+            </a:r>
+          </a:p>
+        </p:txBody>
+      </p:sp>
+      <mc:AlternateContent xmlns:mc="http://schemas.openxmlformats.org/markup-compatibility/2006" xmlns:a14="http://schemas.microsoft.com/office/drawing/2010/main">
+        <mc:Choice Requires="a14">
+          <p:sp>
+            <p:nvSpPr>
+              <p:cNvPr id="3" name="Ondertitel 2">
+                <a:extLst>
+                  <a:ext uri="{FF2B5EF4-FFF2-40B4-BE49-F238E27FC236}">
+                    <a16:creationId xmlns:a16="http://schemas.microsoft.com/office/drawing/2014/main" id="{7988AA68-FB88-7C7C-5E47-2AE86A2EFD72}"/>
+                  </a:ext>
+                </a:extLst>
+              </p:cNvPr>
+              <p:cNvSpPr>
+                <a:spLocks noGrp="1"/>
+              </p:cNvSpPr>
+              <p:nvPr>
+                <p:ph type="subTitle" idx="1"/>
+              </p:nvPr>
+            </p:nvSpPr>
+            <p:spPr>
+              <a:xfrm>
+                <a:off x="351724" y="1342364"/>
+                <a:ext cx="11488549" cy="2530747"/>
+              </a:xfrm>
+            </p:spPr>
+            <p:txBody>
+              <a:bodyPr>
+                <a:normAutofit/>
+              </a:bodyPr>
+              <a:lstStyle/>
+              <a:p>
+                <a:r>
+                  <a:rPr lang="nl-NL" dirty="0"/>
+                  <a:t>Gehele getallen wordt geschreven zonder </a:t>
+                </a:r>
+                <a:r>
+                  <a:rPr lang="nl-NL" dirty="0">
+                    <a:solidFill>
+                      <a:srgbClr val="7030A0"/>
+                    </a:solidFill>
+                  </a:rPr>
+                  <a:t>cijfers</a:t>
+                </a:r>
+                <a:r>
+                  <a:rPr lang="nl-NL" dirty="0"/>
+                  <a:t> achter de </a:t>
+                </a:r>
+                <a:r>
+                  <a:rPr lang="nl-NL" dirty="0">
+                    <a:solidFill>
+                      <a:srgbClr val="7030A0"/>
+                    </a:solidFill>
+                  </a:rPr>
+                  <a:t>komma</a:t>
+                </a:r>
+                <a:r>
+                  <a:rPr lang="nl-NL" dirty="0"/>
+                  <a:t> en ook zonder </a:t>
+                </a:r>
+                <a:r>
+                  <a:rPr lang="nl-NL" dirty="0">
+                    <a:solidFill>
+                      <a:srgbClr val="7030A0"/>
+                    </a:solidFill>
+                  </a:rPr>
+                  <a:t>breuken.</a:t>
+                </a:r>
+              </a:p>
+              <a:p>
+                <a:r>
+                  <a:rPr lang="nl-NL" dirty="0">
+                    <a:solidFill>
+                      <a:srgbClr val="7030A0"/>
+                    </a:solidFill>
+                  </a:rPr>
+                  <a:t>Negatieve getallen </a:t>
+                </a:r>
+                <a:r>
+                  <a:rPr lang="nl-NL" dirty="0"/>
+                  <a:t>zijn ook gehele getallen.</a:t>
+                </a:r>
+              </a:p>
+              <a:p>
+                <a:r>
+                  <a:rPr lang="nl-NL" dirty="0"/>
+                  <a:t>Gehele getallen worden vaak aangegeven met een </a:t>
+                </a:r>
+                <a14:m>
+                  <m:oMath xmlns:m="http://schemas.openxmlformats.org/officeDocument/2006/math">
+                    <m:r>
+                      <a:rPr lang="nl-NL" i="1" smtClean="0">
+                        <a:latin typeface="Cambria Math" panose="02040503050406030204" pitchFamily="18" charset="0"/>
+                        <a:ea typeface="Cambria Math" panose="02040503050406030204" pitchFamily="18" charset="0"/>
+                      </a:rPr>
+                      <m:t>𝕫</m:t>
+                    </m:r>
+                  </m:oMath>
+                </a14:m>
+                <a:r>
+                  <a:rPr lang="nl-NL" dirty="0"/>
+                  <a:t>.</a:t>
+                </a:r>
+              </a:p>
+              <a:p>
+                <a:endParaRPr lang="nl-NL" dirty="0"/>
+              </a:p>
+              <a:p>
+                <a:endParaRPr lang="nl-NL" dirty="0"/>
+              </a:p>
+              <a:p>
+                <a:endParaRPr lang="nl-NL" dirty="0"/>
+              </a:p>
+              <a:p>
+                <a:endParaRPr lang="nl-NL" dirty="0"/>
+              </a:p>
+            </p:txBody>
+          </p:sp>
+        </mc:Choice>
+        <mc:Fallback xmlns="">
+          <p:sp>
+            <p:nvSpPr>
+              <p:cNvPr id="3" name="Ondertitel 2">
+                <a:extLst>
+                  <a:ext uri="{FF2B5EF4-FFF2-40B4-BE49-F238E27FC236}">
+                    <a16:creationId xmlns:a16="http://schemas.microsoft.com/office/drawing/2014/main" id="{7988AA68-FB88-7C7C-5E47-2AE86A2EFD72}"/>
+                  </a:ext>
+                </a:extLst>
+              </p:cNvPr>
+              <p:cNvSpPr>
+                <a:spLocks noGrp="1" noRot="1" noChangeAspect="1" noMove="1" noResize="1" noEditPoints="1" noAdjustHandles="1" noChangeArrowheads="1" noChangeShapeType="1" noTextEdit="1"/>
+              </p:cNvSpPr>
+              <p:nvPr>
+                <p:ph type="subTitle" idx="1"/>
+              </p:nvPr>
+            </p:nvSpPr>
+            <p:spPr>
+              <a:xfrm>
+                <a:off x="351724" y="1342364"/>
+                <a:ext cx="11488549" cy="2530747"/>
+              </a:xfrm>
+              <a:blipFill>
+                <a:blip r:embed="rId2"/>
+                <a:stretch>
+                  <a:fillRect l="-159" t="-3373" r="-106"/>
+                </a:stretch>
+              </a:blipFill>
+            </p:spPr>
+            <p:txBody>
+              <a:bodyPr/>
+              <a:lstStyle/>
+              <a:p>
+                <a:r>
+                  <a:rPr lang="nl-NL">
+                    <a:noFill/>
+                  </a:rPr>
+                  <a:t> </a:t>
+                </a:r>
+              </a:p>
+            </p:txBody>
+          </p:sp>
+        </mc:Fallback>
+      </mc:AlternateContent>
+    </p:spTree>
+    <p:extLst>
+      <p:ext uri="{BB962C8B-B14F-4D97-AF65-F5344CB8AC3E}">
+        <p14:creationId xmlns:p14="http://schemas.microsoft.com/office/powerpoint/2010/main" val="1564398448"/>
+      </p:ext>
+    </p:extLst>
+  </p:cSld>
+  <p:clrMapOvr>
+    <a:masterClrMapping/>
+  </p:clrMapOvr>
+</p:sld>
+</file>
+
+<file path=ppt/slides/slide15.xml><?xml version="1.0" encoding="utf-8"?>
+<p:sld xmlns:a="http://schemas.openxmlformats.org/drawingml/2006/main" xmlns:r="http://schemas.openxmlformats.org/officeDocument/2006/relationships" xmlns:p="http://schemas.openxmlformats.org/presentationml/2006/main">
+  <p:cSld>
+    <p:spTree>
+      <p:nvGrpSpPr>
+        <p:cNvPr id="1" name=""/>
+        <p:cNvGrpSpPr/>
+        <p:nvPr/>
+      </p:nvGrpSpPr>
+      <p:grpSpPr>
+        <a:xfrm>
+          <a:off x="0" y="0"/>
+          <a:ext cx="0" cy="0"/>
+          <a:chOff x="0" y="0"/>
+          <a:chExt cx="0" cy="0"/>
+        </a:xfrm>
+      </p:grpSpPr>
+      <p:sp>
+        <p:nvSpPr>
+          <p:cNvPr id="2" name="Titel 1">
+            <a:extLst>
+              <a:ext uri="{FF2B5EF4-FFF2-40B4-BE49-F238E27FC236}">
+                <a16:creationId xmlns:a16="http://schemas.microsoft.com/office/drawing/2014/main" id="{C2F5861A-BCDE-D2A4-C355-05C8119ED351}"/>
+              </a:ext>
+            </a:extLst>
+          </p:cNvPr>
+          <p:cNvSpPr>
+            <a:spLocks noGrp="1"/>
+          </p:cNvSpPr>
+          <p:nvPr>
+            <p:ph type="ctrTitle"/>
+          </p:nvPr>
+        </p:nvSpPr>
+        <p:spPr>
+          <a:xfrm>
+            <a:off x="431532" y="386224"/>
+            <a:ext cx="11328934" cy="963493"/>
+          </a:xfrm>
+        </p:spPr>
+        <p:txBody>
+          <a:bodyPr>
+            <a:normAutofit/>
+          </a:bodyPr>
+          <a:lstStyle/>
+          <a:p>
+            <a:r>
+              <a:rPr lang="nl-NL" dirty="0"/>
+              <a:t>Voorbeeld Gehele getallen</a:t>
+            </a:r>
+          </a:p>
+        </p:txBody>
+      </p:sp>
+      <p:sp>
+        <p:nvSpPr>
+          <p:cNvPr id="6" name="Ondertitel 2">
+            <a:extLst>
+              <a:ext uri="{FF2B5EF4-FFF2-40B4-BE49-F238E27FC236}">
+                <a16:creationId xmlns:a16="http://schemas.microsoft.com/office/drawing/2014/main" id="{6D9B39CE-FD5E-EBF7-47C7-30A62A12EA8D}"/>
+              </a:ext>
+            </a:extLst>
+          </p:cNvPr>
+          <p:cNvSpPr>
+            <a:spLocks noGrp="1"/>
+          </p:cNvSpPr>
+          <p:nvPr>
+            <p:ph type="subTitle" idx="1"/>
+          </p:nvPr>
+        </p:nvSpPr>
+        <p:spPr>
+          <a:xfrm>
+            <a:off x="1390584" y="1905977"/>
+            <a:ext cx="9410830" cy="2530747"/>
+          </a:xfrm>
+        </p:spPr>
+        <p:txBody>
+          <a:bodyPr>
+            <a:normAutofit/>
+          </a:bodyPr>
+          <a:lstStyle/>
+          <a:p>
+            <a:r>
+              <a:rPr lang="nl-NL" dirty="0"/>
+              <a:t>159</a:t>
+            </a:r>
+          </a:p>
+          <a:p>
+            <a:r>
+              <a:rPr lang="nl-NL" dirty="0"/>
+              <a:t>6</a:t>
+            </a:r>
+          </a:p>
+          <a:p>
+            <a:r>
+              <a:rPr lang="nl-NL" dirty="0"/>
+              <a:t>-45</a:t>
+            </a:r>
+          </a:p>
+          <a:p>
+            <a:r>
+              <a:rPr lang="nl-NL"/>
+              <a:t>845</a:t>
+            </a:r>
+          </a:p>
+          <a:p>
+            <a:endParaRPr lang="nl-NL" dirty="0"/>
+          </a:p>
+        </p:txBody>
+      </p:sp>
+    </p:spTree>
+    <p:extLst>
+      <p:ext uri="{BB962C8B-B14F-4D97-AF65-F5344CB8AC3E}">
+        <p14:creationId xmlns:p14="http://schemas.microsoft.com/office/powerpoint/2010/main" val="691050699"/>
+      </p:ext>
+    </p:extLst>
+  </p:cSld>
+  <p:clrMapOvr>
+    <a:masterClrMapping/>
+  </p:clrMapOvr>
+</p:sld>
+</file>
+
+<file path=ppt/slides/slide16.xml><?xml version="1.0" encoding="utf-8"?>
+<p:sld xmlns:a="http://schemas.openxmlformats.org/drawingml/2006/main" xmlns:r="http://schemas.openxmlformats.org/officeDocument/2006/relationships" xmlns:p="http://schemas.openxmlformats.org/presentationml/2006/main">
+  <p:cSld>
+    <p:spTree>
+      <p:nvGrpSpPr>
+        <p:cNvPr id="1" name=""/>
+        <p:cNvGrpSpPr/>
+        <p:nvPr/>
+      </p:nvGrpSpPr>
+      <p:grpSpPr>
+        <a:xfrm>
+          <a:off x="0" y="0"/>
+          <a:ext cx="0" cy="0"/>
+          <a:chOff x="0" y="0"/>
+          <a:chExt cx="0" cy="0"/>
+        </a:xfrm>
+      </p:grpSpPr>
+      <p:sp>
+        <p:nvSpPr>
+          <p:cNvPr id="2" name="Titel 1">
+            <a:extLst>
+              <a:ext uri="{FF2B5EF4-FFF2-40B4-BE49-F238E27FC236}">
+                <a16:creationId xmlns:a16="http://schemas.microsoft.com/office/drawing/2014/main" id="{73168B85-7905-DEBC-34BC-B73EB909DDCD}"/>
+              </a:ext>
+            </a:extLst>
+          </p:cNvPr>
+          <p:cNvSpPr>
+            <a:spLocks noGrp="1"/>
+          </p:cNvSpPr>
+          <p:nvPr>
+            <p:ph type="title"/>
+          </p:nvPr>
+        </p:nvSpPr>
+        <p:spPr/>
+        <p:txBody>
+          <a:bodyPr/>
+          <a:lstStyle/>
+          <a:p>
+            <a:r>
+              <a:rPr lang="nl-NL" dirty="0"/>
+              <a:t>Wiskunde Termen</a:t>
+            </a:r>
+          </a:p>
+        </p:txBody>
+      </p:sp>
+      <p:sp>
+        <p:nvSpPr>
+          <p:cNvPr id="4" name="Titel 1">
+            <a:extLst>
+              <a:ext uri="{FF2B5EF4-FFF2-40B4-BE49-F238E27FC236}">
+                <a16:creationId xmlns:a16="http://schemas.microsoft.com/office/drawing/2014/main" id="{61ED484A-E87E-7D07-D06C-3D405D336CC2}"/>
+              </a:ext>
+            </a:extLst>
+          </p:cNvPr>
+          <p:cNvSpPr txBox="1">
+            <a:spLocks/>
+          </p:cNvSpPr>
+          <p:nvPr/>
+        </p:nvSpPr>
+        <p:spPr>
+          <a:xfrm>
+            <a:off x="1524000" y="2105897"/>
+            <a:ext cx="9144000" cy="2646206"/>
+          </a:xfrm>
+          <a:prstGeom prst="rect">
+            <a:avLst/>
+          </a:prstGeom>
+        </p:spPr>
+        <p:txBody>
+          <a:bodyPr vert="horz" lIns="91440" tIns="45720" rIns="91440" bIns="45720" rtlCol="0" anchor="ctr">
+            <a:normAutofit fontScale="97500"/>
+          </a:bodyPr>
+          <a:lstStyle>
+            <a:lvl1pPr algn="l" defTabSz="914400" rtl="0" eaLnBrk="1" latinLnBrk="0" hangingPunct="1">
+              <a:lnSpc>
+                <a:spcPct val="90000"/>
+              </a:lnSpc>
+              <a:spcBef>
+                <a:spcPct val="0"/>
+              </a:spcBef>
+              <a:buNone/>
+              <a:defRPr sz="4400" kern="1200">
+                <a:solidFill>
+                  <a:schemeClr val="tx1"/>
+                </a:solidFill>
+                <a:latin typeface="+mj-lt"/>
+                <a:ea typeface="+mj-ea"/>
+                <a:cs typeface="+mj-cs"/>
+              </a:defRPr>
+            </a:lvl1pPr>
+          </a:lstStyle>
+          <a:p>
+            <a:pPr algn="ctr"/>
+            <a:r>
+              <a:rPr lang="nl-NL" sz="9000" b="1" dirty="0"/>
+              <a:t>Cijfer</a:t>
+            </a:r>
+          </a:p>
+        </p:txBody>
+      </p:sp>
+    </p:spTree>
+    <p:extLst>
+      <p:ext uri="{BB962C8B-B14F-4D97-AF65-F5344CB8AC3E}">
+        <p14:creationId xmlns:p14="http://schemas.microsoft.com/office/powerpoint/2010/main" val="1118541029"/>
+      </p:ext>
+    </p:extLst>
+  </p:cSld>
+  <p:clrMapOvr>
+    <a:masterClrMapping/>
+  </p:clrMapOvr>
+</p:sld>
+</file>
+
+<file path=ppt/slides/slide17.xml><?xml version="1.0" encoding="utf-8"?>
+<p:sld xmlns:a="http://schemas.openxmlformats.org/drawingml/2006/main" xmlns:r="http://schemas.openxmlformats.org/officeDocument/2006/relationships" xmlns:p="http://schemas.openxmlformats.org/presentationml/2006/main">
+  <p:cSld>
+    <p:spTree>
+      <p:nvGrpSpPr>
+        <p:cNvPr id="1" name=""/>
+        <p:cNvGrpSpPr/>
+        <p:nvPr/>
+      </p:nvGrpSpPr>
+      <p:grpSpPr>
+        <a:xfrm>
+          <a:off x="0" y="0"/>
+          <a:ext cx="0" cy="0"/>
+          <a:chOff x="0" y="0"/>
+          <a:chExt cx="0" cy="0"/>
+        </a:xfrm>
+      </p:grpSpPr>
+      <p:sp>
+        <p:nvSpPr>
+          <p:cNvPr id="2" name="Titel 1">
+            <a:extLst>
+              <a:ext uri="{FF2B5EF4-FFF2-40B4-BE49-F238E27FC236}">
+                <a16:creationId xmlns:a16="http://schemas.microsoft.com/office/drawing/2014/main" id="{C2F5861A-BCDE-D2A4-C355-05C8119ED351}"/>
+              </a:ext>
+            </a:extLst>
+          </p:cNvPr>
+          <p:cNvSpPr>
+            <a:spLocks noGrp="1"/>
+          </p:cNvSpPr>
+          <p:nvPr>
+            <p:ph type="ctrTitle"/>
+          </p:nvPr>
+        </p:nvSpPr>
+        <p:spPr>
+          <a:xfrm>
+            <a:off x="101599" y="236482"/>
+            <a:ext cx="11988800" cy="892887"/>
+          </a:xfrm>
+        </p:spPr>
+        <p:txBody>
+          <a:bodyPr>
+            <a:normAutofit fontScale="90000"/>
+          </a:bodyPr>
+          <a:lstStyle/>
+          <a:p>
+            <a:r>
+              <a:rPr lang="nl-NL" dirty="0"/>
+              <a:t>Cijfer</a:t>
+            </a:r>
+          </a:p>
+        </p:txBody>
+      </p:sp>
+      <p:sp>
+        <p:nvSpPr>
+          <p:cNvPr id="3" name="Ondertitel 2">
+            <a:extLst>
+              <a:ext uri="{FF2B5EF4-FFF2-40B4-BE49-F238E27FC236}">
+                <a16:creationId xmlns:a16="http://schemas.microsoft.com/office/drawing/2014/main" id="{7988AA68-FB88-7C7C-5E47-2AE86A2EFD72}"/>
+              </a:ext>
+            </a:extLst>
+          </p:cNvPr>
+          <p:cNvSpPr>
+            <a:spLocks noGrp="1"/>
+          </p:cNvSpPr>
+          <p:nvPr>
+            <p:ph type="subTitle" idx="1"/>
+          </p:nvPr>
+        </p:nvSpPr>
+        <p:spPr>
+          <a:xfrm>
+            <a:off x="351724" y="1342364"/>
+            <a:ext cx="11488549" cy="2530747"/>
+          </a:xfrm>
+        </p:spPr>
+        <p:txBody>
+          <a:bodyPr>
+            <a:normAutofit/>
+          </a:bodyPr>
+          <a:lstStyle/>
+          <a:p>
+            <a:r>
+              <a:rPr lang="nl-NL" dirty="0"/>
+              <a:t>Cijfers worden gebruikt om </a:t>
+            </a:r>
+            <a:r>
+              <a:rPr lang="nl-NL" dirty="0">
+                <a:solidFill>
+                  <a:srgbClr val="7030A0"/>
+                </a:solidFill>
+              </a:rPr>
+              <a:t>getallen</a:t>
+            </a:r>
+            <a:r>
+              <a:rPr lang="nl-NL" dirty="0"/>
+              <a:t> mee te maken.</a:t>
+            </a:r>
+          </a:p>
+          <a:p>
+            <a:r>
+              <a:rPr lang="nl-NL" dirty="0"/>
+              <a:t>We kennen tien verschillende cijfers.</a:t>
+            </a:r>
+          </a:p>
+          <a:p>
+            <a:endParaRPr lang="nl-NL" dirty="0"/>
+          </a:p>
+          <a:p>
+            <a:endParaRPr lang="nl-NL" dirty="0"/>
+          </a:p>
+          <a:p>
+            <a:endParaRPr lang="nl-NL" dirty="0"/>
+          </a:p>
+          <a:p>
+            <a:endParaRPr lang="nl-NL" dirty="0"/>
+          </a:p>
+        </p:txBody>
+      </p:sp>
+    </p:spTree>
+    <p:extLst>
+      <p:ext uri="{BB962C8B-B14F-4D97-AF65-F5344CB8AC3E}">
+        <p14:creationId xmlns:p14="http://schemas.microsoft.com/office/powerpoint/2010/main" val="1771678081"/>
+      </p:ext>
+    </p:extLst>
+  </p:cSld>
+  <p:clrMapOvr>
+    <a:masterClrMapping/>
+  </p:clrMapOvr>
+</p:sld>
+</file>
+
+<file path=ppt/slides/slide18.xml><?xml version="1.0" encoding="utf-8"?>
+<p:sld xmlns:a="http://schemas.openxmlformats.org/drawingml/2006/main" xmlns:r="http://schemas.openxmlformats.org/officeDocument/2006/relationships" xmlns:p="http://schemas.openxmlformats.org/presentationml/2006/main">
+  <p:cSld>
+    <p:spTree>
+      <p:nvGrpSpPr>
+        <p:cNvPr id="1" name=""/>
+        <p:cNvGrpSpPr/>
+        <p:nvPr/>
+      </p:nvGrpSpPr>
+      <p:grpSpPr>
+        <a:xfrm>
+          <a:off x="0" y="0"/>
+          <a:ext cx="0" cy="0"/>
+          <a:chOff x="0" y="0"/>
+          <a:chExt cx="0" cy="0"/>
+        </a:xfrm>
+      </p:grpSpPr>
+      <p:sp>
+        <p:nvSpPr>
+          <p:cNvPr id="2" name="Titel 1">
+            <a:extLst>
+              <a:ext uri="{FF2B5EF4-FFF2-40B4-BE49-F238E27FC236}">
+                <a16:creationId xmlns:a16="http://schemas.microsoft.com/office/drawing/2014/main" id="{C2F5861A-BCDE-D2A4-C355-05C8119ED351}"/>
+              </a:ext>
+            </a:extLst>
+          </p:cNvPr>
+          <p:cNvSpPr>
+            <a:spLocks noGrp="1"/>
+          </p:cNvSpPr>
+          <p:nvPr>
+            <p:ph type="ctrTitle"/>
+          </p:nvPr>
+        </p:nvSpPr>
+        <p:spPr>
+          <a:xfrm>
+            <a:off x="431532" y="386224"/>
+            <a:ext cx="11328934" cy="963493"/>
+          </a:xfrm>
+        </p:spPr>
+        <p:txBody>
+          <a:bodyPr>
+            <a:normAutofit/>
+          </a:bodyPr>
+          <a:lstStyle/>
+          <a:p>
+            <a:r>
+              <a:rPr lang="nl-NL" dirty="0"/>
+              <a:t>Voorbeeld cijfer</a:t>
+            </a:r>
+          </a:p>
+        </p:txBody>
+      </p:sp>
+      <p:sp>
+        <p:nvSpPr>
+          <p:cNvPr id="6" name="Ondertitel 2">
+            <a:extLst>
+              <a:ext uri="{FF2B5EF4-FFF2-40B4-BE49-F238E27FC236}">
+                <a16:creationId xmlns:a16="http://schemas.microsoft.com/office/drawing/2014/main" id="{6D9B39CE-FD5E-EBF7-47C7-30A62A12EA8D}"/>
+              </a:ext>
+            </a:extLst>
+          </p:cNvPr>
+          <p:cNvSpPr>
+            <a:spLocks noGrp="1"/>
+          </p:cNvSpPr>
+          <p:nvPr>
+            <p:ph type="subTitle" idx="1"/>
+          </p:nvPr>
+        </p:nvSpPr>
+        <p:spPr>
+          <a:xfrm>
+            <a:off x="1390584" y="1905977"/>
+            <a:ext cx="9410830" cy="2530747"/>
+          </a:xfrm>
+        </p:spPr>
+        <p:txBody>
+          <a:bodyPr>
+            <a:normAutofit/>
+          </a:bodyPr>
+          <a:lstStyle/>
+          <a:p>
+            <a:endParaRPr lang="nl-NL" dirty="0"/>
+          </a:p>
+          <a:p>
+            <a:endParaRPr lang="nl-NL" dirty="0"/>
+          </a:p>
+          <a:p>
+            <a:r>
+              <a:rPr lang="nl-NL" sz="2400" dirty="0"/>
+              <a:t>0	1	2	3	4	5	6	7	8	9			</a:t>
+            </a:r>
+            <a:endParaRPr lang="nl-NL" dirty="0"/>
+          </a:p>
+        </p:txBody>
+      </p:sp>
+    </p:spTree>
+    <p:extLst>
+      <p:ext uri="{BB962C8B-B14F-4D97-AF65-F5344CB8AC3E}">
+        <p14:creationId xmlns:p14="http://schemas.microsoft.com/office/powerpoint/2010/main" val="3022350527"/>
+      </p:ext>
+    </p:extLst>
+  </p:cSld>
+  <p:clrMapOvr>
+    <a:masterClrMapping/>
+  </p:clrMapOvr>
+</p:sld>
+</file>
+
+<file path=ppt/slides/slide19.xml><?xml version="1.0" encoding="utf-8"?>
+<p:sld xmlns:a="http://schemas.openxmlformats.org/drawingml/2006/main" xmlns:r="http://schemas.openxmlformats.org/officeDocument/2006/relationships" xmlns:p="http://schemas.openxmlformats.org/presentationml/2006/main">
+  <p:cSld>
+    <p:spTree>
+      <p:nvGrpSpPr>
+        <p:cNvPr id="1" name=""/>
+        <p:cNvGrpSpPr/>
+        <p:nvPr/>
+      </p:nvGrpSpPr>
+      <p:grpSpPr>
+        <a:xfrm>
+          <a:off x="0" y="0"/>
+          <a:ext cx="0" cy="0"/>
+          <a:chOff x="0" y="0"/>
+          <a:chExt cx="0" cy="0"/>
+        </a:xfrm>
+      </p:grpSpPr>
+      <p:sp>
+        <p:nvSpPr>
+          <p:cNvPr id="2" name="Titel 1">
+            <a:extLst>
+              <a:ext uri="{FF2B5EF4-FFF2-40B4-BE49-F238E27FC236}">
+                <a16:creationId xmlns:a16="http://schemas.microsoft.com/office/drawing/2014/main" id="{73168B85-7905-DEBC-34BC-B73EB909DDCD}"/>
+              </a:ext>
+            </a:extLst>
+          </p:cNvPr>
+          <p:cNvSpPr>
+            <a:spLocks noGrp="1"/>
+          </p:cNvSpPr>
+          <p:nvPr>
+            <p:ph type="title"/>
+          </p:nvPr>
+        </p:nvSpPr>
+        <p:spPr/>
+        <p:txBody>
+          <a:bodyPr/>
+          <a:lstStyle/>
+          <a:p>
+            <a:r>
+              <a:rPr lang="nl-NL" dirty="0"/>
+              <a:t>Wiskunde Termen</a:t>
+            </a:r>
+          </a:p>
+        </p:txBody>
+      </p:sp>
+      <p:sp>
+        <p:nvSpPr>
+          <p:cNvPr id="4" name="Titel 1">
+            <a:extLst>
+              <a:ext uri="{FF2B5EF4-FFF2-40B4-BE49-F238E27FC236}">
+                <a16:creationId xmlns:a16="http://schemas.microsoft.com/office/drawing/2014/main" id="{61ED484A-E87E-7D07-D06C-3D405D336CC2}"/>
+              </a:ext>
+            </a:extLst>
+          </p:cNvPr>
+          <p:cNvSpPr txBox="1">
+            <a:spLocks/>
+          </p:cNvSpPr>
+          <p:nvPr/>
+        </p:nvSpPr>
+        <p:spPr>
+          <a:xfrm>
+            <a:off x="1524000" y="2105897"/>
+            <a:ext cx="9144000" cy="2646206"/>
+          </a:xfrm>
+          <a:prstGeom prst="rect">
+            <a:avLst/>
+          </a:prstGeom>
+        </p:spPr>
+        <p:txBody>
+          <a:bodyPr vert="horz" lIns="91440" tIns="45720" rIns="91440" bIns="45720" rtlCol="0" anchor="ctr">
+            <a:normAutofit fontScale="97500"/>
+          </a:bodyPr>
+          <a:lstStyle>
+            <a:lvl1pPr algn="l" defTabSz="914400" rtl="0" eaLnBrk="1" latinLnBrk="0" hangingPunct="1">
+              <a:lnSpc>
+                <a:spcPct val="90000"/>
+              </a:lnSpc>
+              <a:spcBef>
+                <a:spcPct val="0"/>
+              </a:spcBef>
+              <a:buNone/>
+              <a:defRPr sz="4400" kern="1200">
+                <a:solidFill>
+                  <a:schemeClr val="tx1"/>
+                </a:solidFill>
+                <a:latin typeface="+mj-lt"/>
+                <a:ea typeface="+mj-ea"/>
+                <a:cs typeface="+mj-cs"/>
+              </a:defRPr>
+            </a:lvl1pPr>
+          </a:lstStyle>
+          <a:p>
+            <a:pPr algn="ctr"/>
+            <a:r>
+              <a:rPr lang="nl-NL" sz="9000" b="1" dirty="0"/>
+              <a:t>Komma</a:t>
+            </a:r>
+          </a:p>
+        </p:txBody>
+      </p:sp>
+    </p:spTree>
+    <p:extLst>
+      <p:ext uri="{BB962C8B-B14F-4D97-AF65-F5344CB8AC3E}">
+        <p14:creationId xmlns:p14="http://schemas.microsoft.com/office/powerpoint/2010/main" val="2949255087"/>
       </p:ext>
     </p:extLst>
   </p:cSld>
@@ -6911,8 +8883,8 @@
         </p:nvSpPr>
         <p:spPr>
           <a:xfrm>
-            <a:off x="1524000" y="236482"/>
-            <a:ext cx="9144000" cy="892887"/>
+            <a:off x="101599" y="236482"/>
+            <a:ext cx="11988800" cy="892887"/>
           </a:xfrm>
         </p:spPr>
         <p:txBody>
@@ -6923,7 +8895,702 @@
           <a:p>
             <a:r>
               <a:rPr lang="nl-NL" dirty="0"/>
-              <a:t>Ribben</a:t>
+              <a:t>(Grafische) Rekenmachine</a:t>
+            </a:r>
+          </a:p>
+        </p:txBody>
+      </p:sp>
+      <p:sp>
+        <p:nvSpPr>
+          <p:cNvPr id="3" name="Ondertitel 2">
+            <a:extLst>
+              <a:ext uri="{FF2B5EF4-FFF2-40B4-BE49-F238E27FC236}">
+                <a16:creationId xmlns:a16="http://schemas.microsoft.com/office/drawing/2014/main" id="{7988AA68-FB88-7C7C-5E47-2AE86A2EFD72}"/>
+              </a:ext>
+            </a:extLst>
+          </p:cNvPr>
+          <p:cNvSpPr>
+            <a:spLocks noGrp="1"/>
+          </p:cNvSpPr>
+          <p:nvPr>
+            <p:ph type="subTitle" idx="1"/>
+          </p:nvPr>
+        </p:nvSpPr>
+        <p:spPr>
+          <a:xfrm>
+            <a:off x="390029" y="1342364"/>
+            <a:ext cx="11200120" cy="2530747"/>
+          </a:xfrm>
+        </p:spPr>
+        <p:txBody>
+          <a:bodyPr>
+            <a:normAutofit/>
+          </a:bodyPr>
+          <a:lstStyle/>
+          <a:p>
+            <a:r>
+              <a:rPr lang="nl-NL" dirty="0"/>
+              <a:t>De rekenmachine </a:t>
+            </a:r>
+            <a:r>
+              <a:rPr lang="nl-NL"/>
+              <a:t>wordt gebruikt om </a:t>
+            </a:r>
+            <a:endParaRPr lang="nl-NL" dirty="0"/>
+          </a:p>
+          <a:p>
+            <a:endParaRPr lang="nl-NL" dirty="0"/>
+          </a:p>
+          <a:p>
+            <a:endParaRPr lang="nl-NL" dirty="0"/>
+          </a:p>
+          <a:p>
+            <a:endParaRPr lang="nl-NL" dirty="0"/>
+          </a:p>
+        </p:txBody>
+      </p:sp>
+    </p:spTree>
+    <p:extLst>
+      <p:ext uri="{BB962C8B-B14F-4D97-AF65-F5344CB8AC3E}">
+        <p14:creationId xmlns:p14="http://schemas.microsoft.com/office/powerpoint/2010/main" val="2882090153"/>
+      </p:ext>
+    </p:extLst>
+  </p:cSld>
+  <p:clrMapOvr>
+    <a:masterClrMapping/>
+  </p:clrMapOvr>
+</p:sld>
+</file>
+
+<file path=ppt/slides/slide20.xml><?xml version="1.0" encoding="utf-8"?>
+<p:sld xmlns:a="http://schemas.openxmlformats.org/drawingml/2006/main" xmlns:r="http://schemas.openxmlformats.org/officeDocument/2006/relationships" xmlns:p="http://schemas.openxmlformats.org/presentationml/2006/main">
+  <p:cSld>
+    <p:spTree>
+      <p:nvGrpSpPr>
+        <p:cNvPr id="1" name=""/>
+        <p:cNvGrpSpPr/>
+        <p:nvPr/>
+      </p:nvGrpSpPr>
+      <p:grpSpPr>
+        <a:xfrm>
+          <a:off x="0" y="0"/>
+          <a:ext cx="0" cy="0"/>
+          <a:chOff x="0" y="0"/>
+          <a:chExt cx="0" cy="0"/>
+        </a:xfrm>
+      </p:grpSpPr>
+      <p:sp>
+        <p:nvSpPr>
+          <p:cNvPr id="2" name="Titel 1">
+            <a:extLst>
+              <a:ext uri="{FF2B5EF4-FFF2-40B4-BE49-F238E27FC236}">
+                <a16:creationId xmlns:a16="http://schemas.microsoft.com/office/drawing/2014/main" id="{C2F5861A-BCDE-D2A4-C355-05C8119ED351}"/>
+              </a:ext>
+            </a:extLst>
+          </p:cNvPr>
+          <p:cNvSpPr>
+            <a:spLocks noGrp="1"/>
+          </p:cNvSpPr>
+          <p:nvPr>
+            <p:ph type="ctrTitle"/>
+          </p:nvPr>
+        </p:nvSpPr>
+        <p:spPr>
+          <a:xfrm>
+            <a:off x="101599" y="236482"/>
+            <a:ext cx="11988800" cy="892887"/>
+          </a:xfrm>
+        </p:spPr>
+        <p:txBody>
+          <a:bodyPr>
+            <a:normAutofit fontScale="90000"/>
+          </a:bodyPr>
+          <a:lstStyle/>
+          <a:p>
+            <a:r>
+              <a:rPr lang="nl-NL" dirty="0"/>
+              <a:t>Komma</a:t>
+            </a:r>
+          </a:p>
+        </p:txBody>
+      </p:sp>
+      <p:sp>
+        <p:nvSpPr>
+          <p:cNvPr id="3" name="Ondertitel 2">
+            <a:extLst>
+              <a:ext uri="{FF2B5EF4-FFF2-40B4-BE49-F238E27FC236}">
+                <a16:creationId xmlns:a16="http://schemas.microsoft.com/office/drawing/2014/main" id="{7988AA68-FB88-7C7C-5E47-2AE86A2EFD72}"/>
+              </a:ext>
+            </a:extLst>
+          </p:cNvPr>
+          <p:cNvSpPr>
+            <a:spLocks noGrp="1"/>
+          </p:cNvSpPr>
+          <p:nvPr>
+            <p:ph type="subTitle" idx="1"/>
+          </p:nvPr>
+        </p:nvSpPr>
+        <p:spPr>
+          <a:xfrm>
+            <a:off x="351724" y="1342364"/>
+            <a:ext cx="11488549" cy="2530747"/>
+          </a:xfrm>
+        </p:spPr>
+        <p:txBody>
+          <a:bodyPr>
+            <a:normAutofit/>
+          </a:bodyPr>
+          <a:lstStyle/>
+          <a:p>
+            <a:r>
+              <a:rPr lang="nl-NL" dirty="0"/>
+              <a:t>De Komma wordt gebruikt als scheiding tussen de </a:t>
+            </a:r>
+            <a:r>
+              <a:rPr lang="nl-NL" dirty="0">
+                <a:solidFill>
+                  <a:srgbClr val="7030A0"/>
+                </a:solidFill>
+              </a:rPr>
+              <a:t>decimalen getallen </a:t>
+            </a:r>
+            <a:r>
+              <a:rPr lang="nl-NL" dirty="0"/>
+              <a:t>en de </a:t>
+            </a:r>
+            <a:r>
+              <a:rPr lang="nl-NL" dirty="0">
+                <a:solidFill>
+                  <a:srgbClr val="7030A0"/>
+                </a:solidFill>
+              </a:rPr>
+              <a:t>gehele getallen</a:t>
+            </a:r>
+          </a:p>
+          <a:p>
+            <a:r>
+              <a:rPr lang="nl-NL" dirty="0"/>
+              <a:t>Ook zie je de komma terug bij </a:t>
+            </a:r>
+            <a:r>
+              <a:rPr lang="nl-NL" dirty="0">
+                <a:solidFill>
+                  <a:srgbClr val="7030A0"/>
+                </a:solidFill>
+              </a:rPr>
+              <a:t>coördinaten</a:t>
+            </a:r>
+            <a:r>
+              <a:rPr lang="nl-NL" dirty="0"/>
+              <a:t>.</a:t>
+            </a:r>
+            <a:endParaRPr lang="nl-NL" dirty="0">
+              <a:solidFill>
+                <a:srgbClr val="7030A0"/>
+              </a:solidFill>
+            </a:endParaRPr>
+          </a:p>
+          <a:p>
+            <a:endParaRPr lang="nl-NL" dirty="0"/>
+          </a:p>
+          <a:p>
+            <a:endParaRPr lang="nl-NL" dirty="0"/>
+          </a:p>
+          <a:p>
+            <a:endParaRPr lang="nl-NL" dirty="0"/>
+          </a:p>
+          <a:p>
+            <a:endParaRPr lang="nl-NL" dirty="0"/>
+          </a:p>
+        </p:txBody>
+      </p:sp>
+    </p:spTree>
+    <p:extLst>
+      <p:ext uri="{BB962C8B-B14F-4D97-AF65-F5344CB8AC3E}">
+        <p14:creationId xmlns:p14="http://schemas.microsoft.com/office/powerpoint/2010/main" val="1650077504"/>
+      </p:ext>
+    </p:extLst>
+  </p:cSld>
+  <p:clrMapOvr>
+    <a:masterClrMapping/>
+  </p:clrMapOvr>
+</p:sld>
+</file>
+
+<file path=ppt/slides/slide21.xml><?xml version="1.0" encoding="utf-8"?>
+<p:sld xmlns:a="http://schemas.openxmlformats.org/drawingml/2006/main" xmlns:r="http://schemas.openxmlformats.org/officeDocument/2006/relationships" xmlns:p="http://schemas.openxmlformats.org/presentationml/2006/main">
+  <p:cSld>
+    <p:spTree>
+      <p:nvGrpSpPr>
+        <p:cNvPr id="1" name=""/>
+        <p:cNvGrpSpPr/>
+        <p:nvPr/>
+      </p:nvGrpSpPr>
+      <p:grpSpPr>
+        <a:xfrm>
+          <a:off x="0" y="0"/>
+          <a:ext cx="0" cy="0"/>
+          <a:chOff x="0" y="0"/>
+          <a:chExt cx="0" cy="0"/>
+        </a:xfrm>
+      </p:grpSpPr>
+      <p:sp>
+        <p:nvSpPr>
+          <p:cNvPr id="2" name="Titel 1">
+            <a:extLst>
+              <a:ext uri="{FF2B5EF4-FFF2-40B4-BE49-F238E27FC236}">
+                <a16:creationId xmlns:a16="http://schemas.microsoft.com/office/drawing/2014/main" id="{C2F5861A-BCDE-D2A4-C355-05C8119ED351}"/>
+              </a:ext>
+            </a:extLst>
+          </p:cNvPr>
+          <p:cNvSpPr>
+            <a:spLocks noGrp="1"/>
+          </p:cNvSpPr>
+          <p:nvPr>
+            <p:ph type="ctrTitle"/>
+          </p:nvPr>
+        </p:nvSpPr>
+        <p:spPr>
+          <a:xfrm>
+            <a:off x="431532" y="386224"/>
+            <a:ext cx="11328934" cy="963493"/>
+          </a:xfrm>
+        </p:spPr>
+        <p:txBody>
+          <a:bodyPr>
+            <a:normAutofit/>
+          </a:bodyPr>
+          <a:lstStyle/>
+          <a:p>
+            <a:r>
+              <a:rPr lang="nl-NL" dirty="0"/>
+              <a:t>Voorbeeld Komma</a:t>
+            </a:r>
+          </a:p>
+        </p:txBody>
+      </p:sp>
+      <mc:AlternateContent xmlns:mc="http://schemas.openxmlformats.org/markup-compatibility/2006" xmlns:a14="http://schemas.microsoft.com/office/drawing/2010/main">
+        <mc:Choice Requires="a14">
+          <p:sp>
+            <p:nvSpPr>
+              <p:cNvPr id="6" name="Ondertitel 2">
+                <a:extLst>
+                  <a:ext uri="{FF2B5EF4-FFF2-40B4-BE49-F238E27FC236}">
+                    <a16:creationId xmlns:a16="http://schemas.microsoft.com/office/drawing/2014/main" id="{6D9B39CE-FD5E-EBF7-47C7-30A62A12EA8D}"/>
+                  </a:ext>
+                </a:extLst>
+              </p:cNvPr>
+              <p:cNvSpPr>
+                <a:spLocks noGrp="1"/>
+              </p:cNvSpPr>
+              <p:nvPr>
+                <p:ph type="subTitle" idx="1"/>
+              </p:nvPr>
+            </p:nvSpPr>
+            <p:spPr>
+              <a:xfrm>
+                <a:off x="601850" y="2163626"/>
+                <a:ext cx="10988297" cy="2530747"/>
+              </a:xfrm>
+            </p:spPr>
+            <p:txBody>
+              <a:bodyPr>
+                <a:normAutofit/>
+              </a:bodyPr>
+              <a:lstStyle/>
+              <a:p>
+                <a:endParaRPr lang="nl-NL" dirty="0"/>
+              </a:p>
+              <a:p>
+                <a:endParaRPr lang="nl-NL" dirty="0"/>
+              </a:p>
+              <a:p>
+                <a:pPr/>
+                <a14:m>
+                  <m:oMathPara xmlns:m="http://schemas.openxmlformats.org/officeDocument/2006/math">
+                    <m:oMathParaPr>
+                      <m:jc m:val="centerGroup"/>
+                    </m:oMathParaPr>
+                    <m:oMath xmlns:m="http://schemas.openxmlformats.org/officeDocument/2006/math">
+                      <m:r>
+                        <a:rPr lang="nl-NL" i="1" dirty="0" smtClean="0">
+                          <a:latin typeface="Cambria Math" panose="02040503050406030204" pitchFamily="18" charset="0"/>
+                        </a:rPr>
+                        <m:t>(5,1)</m:t>
+                      </m:r>
+                    </m:oMath>
+                  </m:oMathPara>
+                </a14:m>
+                <a:endParaRPr lang="nl-NL" dirty="0"/>
+              </a:p>
+              <a:p>
+                <a:r>
+                  <a:rPr lang="nl-NL" sz="2400" dirty="0"/>
+                  <a:t>								</a:t>
+                </a:r>
+                <a:endParaRPr lang="nl-NL" dirty="0"/>
+              </a:p>
+            </p:txBody>
+          </p:sp>
+        </mc:Choice>
+        <mc:Fallback xmlns="">
+          <p:sp>
+            <p:nvSpPr>
+              <p:cNvPr id="6" name="Ondertitel 2">
+                <a:extLst>
+                  <a:ext uri="{FF2B5EF4-FFF2-40B4-BE49-F238E27FC236}">
+                    <a16:creationId xmlns:a16="http://schemas.microsoft.com/office/drawing/2014/main" id="{6D9B39CE-FD5E-EBF7-47C7-30A62A12EA8D}"/>
+                  </a:ext>
+                </a:extLst>
+              </p:cNvPr>
+              <p:cNvSpPr>
+                <a:spLocks noGrp="1" noRot="1" noChangeAspect="1" noMove="1" noResize="1" noEditPoints="1" noAdjustHandles="1" noChangeArrowheads="1" noChangeShapeType="1" noTextEdit="1"/>
+              </p:cNvSpPr>
+              <p:nvPr>
+                <p:ph type="subTitle" idx="1"/>
+              </p:nvPr>
+            </p:nvSpPr>
+            <p:spPr>
+              <a:xfrm>
+                <a:off x="601850" y="2163626"/>
+                <a:ext cx="10988297" cy="2530747"/>
+              </a:xfrm>
+              <a:blipFill>
+                <a:blip r:embed="rId2"/>
+                <a:stretch>
+                  <a:fillRect/>
+                </a:stretch>
+              </a:blipFill>
+            </p:spPr>
+            <p:txBody>
+              <a:bodyPr/>
+              <a:lstStyle/>
+              <a:p>
+                <a:r>
+                  <a:rPr lang="nl-NL">
+                    <a:noFill/>
+                  </a:rPr>
+                  <a:t> </a:t>
+                </a:r>
+              </a:p>
+            </p:txBody>
+          </p:sp>
+        </mc:Fallback>
+      </mc:AlternateContent>
+      <mc:AlternateContent xmlns:mc="http://schemas.openxmlformats.org/markup-compatibility/2006" xmlns:a14="http://schemas.microsoft.com/office/drawing/2010/main">
+        <mc:Choice Requires="a14">
+          <p:sp>
+            <p:nvSpPr>
+              <p:cNvPr id="7" name="Tekstvak 6">
+                <a:extLst>
+                  <a:ext uri="{FF2B5EF4-FFF2-40B4-BE49-F238E27FC236}">
+                    <a16:creationId xmlns:a16="http://schemas.microsoft.com/office/drawing/2014/main" id="{07B414E2-2801-31B5-5D16-CD7FB9842203}"/>
+                  </a:ext>
+                </a:extLst>
+              </p:cNvPr>
+              <p:cNvSpPr txBox="1"/>
+              <p:nvPr/>
+            </p:nvSpPr>
+            <p:spPr>
+              <a:xfrm>
+                <a:off x="2770576" y="2244934"/>
+                <a:ext cx="5516254" cy="506742"/>
+              </a:xfrm>
+              <a:prstGeom prst="rect">
+                <a:avLst/>
+              </a:prstGeom>
+              <a:noFill/>
+            </p:spPr>
+            <p:txBody>
+              <a:bodyPr wrap="none" rtlCol="0">
+                <a:spAutoFit/>
+              </a:bodyPr>
+              <a:lstStyle/>
+              <a:p>
+                <a:pPr/>
+                <a14:m>
+                  <m:oMathPara xmlns:m="http://schemas.openxmlformats.org/officeDocument/2006/math">
+                    <m:oMathParaPr>
+                      <m:jc m:val="centerGroup"/>
+                    </m:oMathParaPr>
+                    <m:oMath xmlns:m="http://schemas.openxmlformats.org/officeDocument/2006/math">
+                      <m:r>
+                        <a:rPr lang="nl-NL" sz="2400" b="0" i="1" dirty="0" smtClean="0">
+                          <a:latin typeface="Cambria Math" panose="02040503050406030204" pitchFamily="18" charset="0"/>
+                        </a:rPr>
+                        <m:t>2,56</m:t>
+                      </m:r>
+                      <m:r>
+                        <a:rPr lang="nl-NL" sz="2400" i="1" dirty="0" smtClean="0">
+                          <a:latin typeface="Cambria Math" panose="02040503050406030204" pitchFamily="18" charset="0"/>
+                        </a:rPr>
+                        <m:t>	</m:t>
+                      </m:r>
+                      <m:r>
+                        <a:rPr lang="nl-NL" sz="2400" b="0" i="1" dirty="0" smtClean="0">
+                          <a:latin typeface="Cambria Math" panose="02040503050406030204" pitchFamily="18" charset="0"/>
+                        </a:rPr>
+                        <m:t>             </m:t>
+                      </m:r>
+                      <m:r>
+                        <a:rPr lang="nl-NL" sz="2400" i="1" dirty="0" smtClean="0">
+                          <a:latin typeface="Cambria Math" panose="02040503050406030204" pitchFamily="18" charset="0"/>
+                        </a:rPr>
+                        <m:t>	15,845		</m:t>
+                      </m:r>
+                      <m:r>
+                        <a:rPr lang="nl-NL" sz="2400" b="0" i="1" dirty="0" smtClean="0">
+                          <a:latin typeface="Cambria Math" panose="02040503050406030204" pitchFamily="18" charset="0"/>
+                        </a:rPr>
+                        <m:t>                    </m:t>
+                      </m:r>
+                      <m:r>
+                        <a:rPr lang="nl-NL" sz="2400" i="1" dirty="0" smtClean="0">
+                          <a:latin typeface="Cambria Math" panose="02040503050406030204" pitchFamily="18" charset="0"/>
+                        </a:rPr>
+                        <m:t>165,48125		</m:t>
+                      </m:r>
+                    </m:oMath>
+                  </m:oMathPara>
+                </a14:m>
+                <a:endParaRPr lang="nl-NL" sz="2400" dirty="0"/>
+              </a:p>
+            </p:txBody>
+          </p:sp>
+        </mc:Choice>
+        <mc:Fallback xmlns="">
+          <p:sp>
+            <p:nvSpPr>
+              <p:cNvPr id="7" name="Tekstvak 6">
+                <a:extLst>
+                  <a:ext uri="{FF2B5EF4-FFF2-40B4-BE49-F238E27FC236}">
+                    <a16:creationId xmlns:a16="http://schemas.microsoft.com/office/drawing/2014/main" id="{07B414E2-2801-31B5-5D16-CD7FB9842203}"/>
+                  </a:ext>
+                </a:extLst>
+              </p:cNvPr>
+              <p:cNvSpPr txBox="1">
+                <a:spLocks noRot="1" noChangeAspect="1" noMove="1" noResize="1" noEditPoints="1" noAdjustHandles="1" noChangeArrowheads="1" noChangeShapeType="1" noTextEdit="1"/>
+              </p:cNvSpPr>
+              <p:nvPr/>
+            </p:nvSpPr>
+            <p:spPr>
+              <a:xfrm>
+                <a:off x="2770576" y="2244934"/>
+                <a:ext cx="5516254" cy="506742"/>
+              </a:xfrm>
+              <a:prstGeom prst="rect">
+                <a:avLst/>
+              </a:prstGeom>
+              <a:blipFill>
+                <a:blip r:embed="rId3"/>
+                <a:stretch>
+                  <a:fillRect/>
+                </a:stretch>
+              </a:blipFill>
+            </p:spPr>
+            <p:txBody>
+              <a:bodyPr/>
+              <a:lstStyle/>
+              <a:p>
+                <a:r>
+                  <a:rPr lang="nl-NL">
+                    <a:noFill/>
+                  </a:rPr>
+                  <a:t> </a:t>
+                </a:r>
+              </a:p>
+            </p:txBody>
+          </p:sp>
+        </mc:Fallback>
+      </mc:AlternateContent>
+    </p:spTree>
+    <p:extLst>
+      <p:ext uri="{BB962C8B-B14F-4D97-AF65-F5344CB8AC3E}">
+        <p14:creationId xmlns:p14="http://schemas.microsoft.com/office/powerpoint/2010/main" val="59977844"/>
+      </p:ext>
+    </p:extLst>
+  </p:cSld>
+  <p:clrMapOvr>
+    <a:masterClrMapping/>
+  </p:clrMapOvr>
+</p:sld>
+</file>
+
+<file path=ppt/slides/slide22.xml><?xml version="1.0" encoding="utf-8"?>
+<p:sld xmlns:a="http://schemas.openxmlformats.org/drawingml/2006/main" xmlns:r="http://schemas.openxmlformats.org/officeDocument/2006/relationships" xmlns:p="http://schemas.openxmlformats.org/presentationml/2006/main">
+  <p:cSld>
+    <p:spTree>
+      <p:nvGrpSpPr>
+        <p:cNvPr id="1" name=""/>
+        <p:cNvGrpSpPr/>
+        <p:nvPr/>
+      </p:nvGrpSpPr>
+      <p:grpSpPr>
+        <a:xfrm>
+          <a:off x="0" y="0"/>
+          <a:ext cx="0" cy="0"/>
+          <a:chOff x="0" y="0"/>
+          <a:chExt cx="0" cy="0"/>
+        </a:xfrm>
+      </p:grpSpPr>
+      <p:sp>
+        <p:nvSpPr>
+          <p:cNvPr id="2" name="Titel 1">
+            <a:extLst>
+              <a:ext uri="{FF2B5EF4-FFF2-40B4-BE49-F238E27FC236}">
+                <a16:creationId xmlns:a16="http://schemas.microsoft.com/office/drawing/2014/main" id="{73168B85-7905-DEBC-34BC-B73EB909DDCD}"/>
+              </a:ext>
+            </a:extLst>
+          </p:cNvPr>
+          <p:cNvSpPr>
+            <a:spLocks noGrp="1"/>
+          </p:cNvSpPr>
+          <p:nvPr>
+            <p:ph type="title"/>
+          </p:nvPr>
+        </p:nvSpPr>
+        <p:spPr/>
+        <p:txBody>
+          <a:bodyPr/>
+          <a:lstStyle/>
+          <a:p>
+            <a:r>
+              <a:rPr lang="nl-NL" dirty="0"/>
+              <a:t>Wiskunde Termen</a:t>
+            </a:r>
+          </a:p>
+        </p:txBody>
+      </p:sp>
+      <p:sp>
+        <p:nvSpPr>
+          <p:cNvPr id="4" name="Titel 1">
+            <a:extLst>
+              <a:ext uri="{FF2B5EF4-FFF2-40B4-BE49-F238E27FC236}">
+                <a16:creationId xmlns:a16="http://schemas.microsoft.com/office/drawing/2014/main" id="{61ED484A-E87E-7D07-D06C-3D405D336CC2}"/>
+              </a:ext>
+            </a:extLst>
+          </p:cNvPr>
+          <p:cNvSpPr txBox="1">
+            <a:spLocks/>
+          </p:cNvSpPr>
+          <p:nvPr/>
+        </p:nvSpPr>
+        <p:spPr>
+          <a:xfrm>
+            <a:off x="1524000" y="2105897"/>
+            <a:ext cx="9144000" cy="2646206"/>
+          </a:xfrm>
+          <a:prstGeom prst="rect">
+            <a:avLst/>
+          </a:prstGeom>
+        </p:spPr>
+        <p:txBody>
+          <a:bodyPr vert="horz" lIns="91440" tIns="45720" rIns="91440" bIns="45720" rtlCol="0" anchor="ctr">
+            <a:normAutofit fontScale="82500" lnSpcReduction="20000"/>
+          </a:bodyPr>
+          <a:lstStyle>
+            <a:lvl1pPr algn="l" defTabSz="914400" rtl="0" eaLnBrk="1" latinLnBrk="0" hangingPunct="1">
+              <a:lnSpc>
+                <a:spcPct val="90000"/>
+              </a:lnSpc>
+              <a:spcBef>
+                <a:spcPct val="0"/>
+              </a:spcBef>
+              <a:buNone/>
+              <a:defRPr sz="4400" kern="1200">
+                <a:solidFill>
+                  <a:schemeClr val="tx1"/>
+                </a:solidFill>
+                <a:latin typeface="+mj-lt"/>
+                <a:ea typeface="+mj-ea"/>
+                <a:cs typeface="+mj-cs"/>
+              </a:defRPr>
+            </a:lvl1pPr>
+          </a:lstStyle>
+          <a:p>
+            <a:pPr algn="ctr"/>
+            <a:r>
+              <a:rPr lang="nl-NL" sz="9000" b="1" dirty="0"/>
+              <a:t>Decimalen getallen</a:t>
+            </a:r>
+          </a:p>
+          <a:p>
+            <a:pPr algn="ctr"/>
+            <a:r>
+              <a:rPr lang="nl-NL" sz="9000" b="1" dirty="0"/>
+              <a:t>&amp;</a:t>
+            </a:r>
+          </a:p>
+          <a:p>
+            <a:pPr algn="ctr"/>
+            <a:r>
+              <a:rPr lang="nl-NL" sz="9000" b="1" dirty="0"/>
+              <a:t>Kommagetallen</a:t>
+            </a:r>
+          </a:p>
+        </p:txBody>
+      </p:sp>
+    </p:spTree>
+    <p:extLst>
+      <p:ext uri="{BB962C8B-B14F-4D97-AF65-F5344CB8AC3E}">
+        <p14:creationId xmlns:p14="http://schemas.microsoft.com/office/powerpoint/2010/main" val="3650281463"/>
+      </p:ext>
+    </p:extLst>
+  </p:cSld>
+  <p:clrMapOvr>
+    <a:masterClrMapping/>
+  </p:clrMapOvr>
+</p:sld>
+</file>
+
+<file path=ppt/slides/slide23.xml><?xml version="1.0" encoding="utf-8"?>
+<p:sld xmlns:a="http://schemas.openxmlformats.org/drawingml/2006/main" xmlns:r="http://schemas.openxmlformats.org/officeDocument/2006/relationships" xmlns:p="http://schemas.openxmlformats.org/presentationml/2006/main">
+  <p:cSld>
+    <p:spTree>
+      <p:nvGrpSpPr>
+        <p:cNvPr id="1" name=""/>
+        <p:cNvGrpSpPr/>
+        <p:nvPr/>
+      </p:nvGrpSpPr>
+      <p:grpSpPr>
+        <a:xfrm>
+          <a:off x="0" y="0"/>
+          <a:ext cx="0" cy="0"/>
+          <a:chOff x="0" y="0"/>
+          <a:chExt cx="0" cy="0"/>
+        </a:xfrm>
+      </p:grpSpPr>
+      <p:sp>
+        <p:nvSpPr>
+          <p:cNvPr id="2" name="Titel 1">
+            <a:extLst>
+              <a:ext uri="{FF2B5EF4-FFF2-40B4-BE49-F238E27FC236}">
+                <a16:creationId xmlns:a16="http://schemas.microsoft.com/office/drawing/2014/main" id="{C2F5861A-BCDE-D2A4-C355-05C8119ED351}"/>
+              </a:ext>
+            </a:extLst>
+          </p:cNvPr>
+          <p:cNvSpPr>
+            <a:spLocks noGrp="1"/>
+          </p:cNvSpPr>
+          <p:nvPr>
+            <p:ph type="ctrTitle"/>
+          </p:nvPr>
+        </p:nvSpPr>
+        <p:spPr>
+          <a:xfrm>
+            <a:off x="101599" y="236482"/>
+            <a:ext cx="11988800" cy="892887"/>
+          </a:xfrm>
+        </p:spPr>
+        <p:txBody>
+          <a:bodyPr>
+            <a:normAutofit fontScale="90000"/>
+          </a:bodyPr>
+          <a:lstStyle/>
+          <a:p>
+            <a:r>
+              <a:rPr lang="nl-NL" dirty="0"/>
+              <a:t>Decimalen getallen &amp; Kommagetallen</a:t>
             </a:r>
           </a:p>
         </p:txBody>
@@ -6958,7 +9625,7 @@
           <a:p>
             <a:r>
               <a:rPr lang="nl-NL" dirty="0"/>
-              <a:t>Ribben zijn de randen van een </a:t>
+              <a:t>Decimalen getallen gebruik je wanneer het geen </a:t>
             </a:r>
             <a:r>
               <a:rPr lang="nl-NL" dirty="0">
@@ -6966,11 +9633,17 @@
                   <a:srgbClr val="7030A0"/>
                 </a:solidFill>
               </a:rPr>
-              <a:t>ruimtelijkfiguur</a:t>
+              <a:t>geheel getal </a:t>
             </a:r>
             <a:r>
               <a:rPr lang="nl-NL" dirty="0"/>
-              <a:t>, zo komen niet voor bij </a:t>
+              <a:t>is.</a:t>
+            </a:r>
+          </a:p>
+          <a:p>
+            <a:r>
+              <a:rPr lang="nl-NL" dirty="0"/>
+              <a:t>De decimalen getallen herken je door een </a:t>
             </a:r>
             <a:r>
               <a:rPr lang="nl-NL" dirty="0">
@@ -6978,17 +9651,13 @@
                   <a:srgbClr val="7030A0"/>
                 </a:solidFill>
               </a:rPr>
-              <a:t>vlakke figuren</a:t>
-            </a:r>
+              <a:t>komma.</a:t>
+            </a:r>
+          </a:p>
+          <a:p>
             <a:r>
               <a:rPr lang="nl-NL" dirty="0"/>
-              <a:t>.</a:t>
-            </a:r>
-          </a:p>
-          <a:p>
-            <a:r>
-              <a:rPr lang="nl-NL" dirty="0"/>
-              <a:t>Een ribbe is de </a:t>
+              <a:t>Het aantal </a:t>
             </a:r>
             <a:r>
               <a:rPr lang="nl-NL" dirty="0">
@@ -6996,57 +9665,12 @@
                   <a:srgbClr val="7030A0"/>
                 </a:solidFill>
               </a:rPr>
-              <a:t>lijn</a:t>
+              <a:t>cijfers</a:t>
             </a:r>
             <a:r>
               <a:rPr lang="nl-NL" dirty="0"/>
-              <a:t> die twee </a:t>
-            </a:r>
-            <a:r>
-              <a:rPr lang="nl-NL" dirty="0">
-                <a:solidFill>
-                  <a:srgbClr val="7030A0"/>
-                </a:solidFill>
-              </a:rPr>
-              <a:t>hoekpunten</a:t>
-            </a:r>
-            <a:r>
-              <a:rPr lang="nl-NL" dirty="0"/>
-              <a:t> met elkaar verbind.</a:t>
-            </a:r>
-          </a:p>
-          <a:p>
-            <a:r>
-              <a:rPr lang="nl-NL" dirty="0"/>
-              <a:t>Het is ook de </a:t>
-            </a:r>
-            <a:r>
-              <a:rPr lang="nl-NL" dirty="0">
-                <a:solidFill>
-                  <a:srgbClr val="7030A0"/>
-                </a:solidFill>
-              </a:rPr>
-              <a:t>lijn</a:t>
-            </a:r>
-            <a:r>
-              <a:rPr lang="nl-NL" dirty="0"/>
-              <a:t> waar twee </a:t>
-            </a:r>
-            <a:r>
-              <a:rPr lang="nl-NL" dirty="0">
-                <a:solidFill>
-                  <a:srgbClr val="7030A0"/>
-                </a:solidFill>
-              </a:rPr>
-              <a:t>zijvlakken</a:t>
-            </a:r>
-            <a:r>
-              <a:rPr lang="nl-NL" dirty="0"/>
-              <a:t> samenkomen.</a:t>
-            </a:r>
-          </a:p>
-          <a:p>
-            <a:endParaRPr lang="nl-NL" dirty="0"/>
+              <a:t> achter de komma zijn ook het aantal decimalen.</a:t>
+            </a:r>
           </a:p>
           <a:p>
             <a:endParaRPr lang="nl-NL" dirty="0"/>
@@ -7066,6 +9690,311 @@
     <p:extLst>
       <p:ext uri="{BB962C8B-B14F-4D97-AF65-F5344CB8AC3E}">
         <p14:creationId xmlns:p14="http://schemas.microsoft.com/office/powerpoint/2010/main" val="1009432102"/>
+      </p:ext>
+    </p:extLst>
+  </p:cSld>
+  <p:clrMapOvr>
+    <a:masterClrMapping/>
+  </p:clrMapOvr>
+</p:sld>
+</file>
+
+<file path=ppt/slides/slide24.xml><?xml version="1.0" encoding="utf-8"?>
+<p:sld xmlns:a="http://schemas.openxmlformats.org/drawingml/2006/main" xmlns:r="http://schemas.openxmlformats.org/officeDocument/2006/relationships" xmlns:p="http://schemas.openxmlformats.org/presentationml/2006/main">
+  <p:cSld>
+    <p:spTree>
+      <p:nvGrpSpPr>
+        <p:cNvPr id="1" name=""/>
+        <p:cNvGrpSpPr/>
+        <p:nvPr/>
+      </p:nvGrpSpPr>
+      <p:grpSpPr>
+        <a:xfrm>
+          <a:off x="0" y="0"/>
+          <a:ext cx="0" cy="0"/>
+          <a:chOff x="0" y="0"/>
+          <a:chExt cx="0" cy="0"/>
+        </a:xfrm>
+      </p:grpSpPr>
+      <p:sp>
+        <p:nvSpPr>
+          <p:cNvPr id="2" name="Titel 1">
+            <a:extLst>
+              <a:ext uri="{FF2B5EF4-FFF2-40B4-BE49-F238E27FC236}">
+                <a16:creationId xmlns:a16="http://schemas.microsoft.com/office/drawing/2014/main" id="{C2F5861A-BCDE-D2A4-C355-05C8119ED351}"/>
+              </a:ext>
+            </a:extLst>
+          </p:cNvPr>
+          <p:cNvSpPr>
+            <a:spLocks noGrp="1"/>
+          </p:cNvSpPr>
+          <p:nvPr>
+            <p:ph type="ctrTitle"/>
+          </p:nvPr>
+        </p:nvSpPr>
+        <p:spPr>
+          <a:xfrm>
+            <a:off x="431533" y="599584"/>
+            <a:ext cx="11328934" cy="963493"/>
+          </a:xfrm>
+        </p:spPr>
+        <p:txBody>
+          <a:bodyPr>
+            <a:normAutofit fontScale="90000"/>
+          </a:bodyPr>
+          <a:lstStyle/>
+          <a:p>
+            <a:r>
+              <a:rPr lang="nl-NL" dirty="0"/>
+              <a:t>Voorbeeld Decimalen getallen &amp; Kommagetallen</a:t>
+            </a:r>
+          </a:p>
+        </p:txBody>
+      </p:sp>
+      <mc:AlternateContent xmlns:mc="http://schemas.openxmlformats.org/markup-compatibility/2006" xmlns:a14="http://schemas.microsoft.com/office/drawing/2010/main">
+        <mc:Choice Requires="a14">
+          <p:sp>
+            <p:nvSpPr>
+              <p:cNvPr id="6" name="Ondertitel 2">
+                <a:extLst>
+                  <a:ext uri="{FF2B5EF4-FFF2-40B4-BE49-F238E27FC236}">
+                    <a16:creationId xmlns:a16="http://schemas.microsoft.com/office/drawing/2014/main" id="{6D9B39CE-FD5E-EBF7-47C7-30A62A12EA8D}"/>
+                  </a:ext>
+                </a:extLst>
+              </p:cNvPr>
+              <p:cNvSpPr>
+                <a:spLocks noGrp="1"/>
+              </p:cNvSpPr>
+              <p:nvPr>
+                <p:ph type="subTitle" idx="1"/>
+              </p:nvPr>
+            </p:nvSpPr>
+            <p:spPr>
+              <a:xfrm>
+                <a:off x="601851" y="1740948"/>
+                <a:ext cx="10988297" cy="2530747"/>
+              </a:xfrm>
+            </p:spPr>
+            <p:txBody>
+              <a:bodyPr>
+                <a:normAutofit/>
+              </a:bodyPr>
+              <a:lstStyle/>
+              <a:p>
+                <a:endParaRPr lang="nl-NL" dirty="0"/>
+              </a:p>
+              <a:p>
+                <a:endParaRPr lang="nl-NL" dirty="0"/>
+              </a:p>
+              <a:p>
+                <a:endParaRPr lang="nl-NL" dirty="0"/>
+              </a:p>
+              <a:p>
+                <a:r>
+                  <a:rPr lang="nl-NL" sz="2400" dirty="0"/>
+                  <a:t>								        </a:t>
+                </a:r>
+                <a14:m>
+                  <m:oMath xmlns:m="http://schemas.openxmlformats.org/officeDocument/2006/math">
+                    <m:r>
+                      <a:rPr lang="nl-NL" sz="2400" i="1" dirty="0" smtClean="0">
+                        <a:latin typeface="Cambria Math" panose="02040503050406030204" pitchFamily="18" charset="0"/>
+                      </a:rPr>
+                      <m:t>1 568</m:t>
+                    </m:r>
+                  </m:oMath>
+                </a14:m>
+                <a:endParaRPr lang="nl-NL" dirty="0"/>
+              </a:p>
+            </p:txBody>
+          </p:sp>
+        </mc:Choice>
+        <mc:Fallback xmlns="">
+          <p:sp>
+            <p:nvSpPr>
+              <p:cNvPr id="6" name="Ondertitel 2">
+                <a:extLst>
+                  <a:ext uri="{FF2B5EF4-FFF2-40B4-BE49-F238E27FC236}">
+                    <a16:creationId xmlns:a16="http://schemas.microsoft.com/office/drawing/2014/main" id="{6D9B39CE-FD5E-EBF7-47C7-30A62A12EA8D}"/>
+                  </a:ext>
+                </a:extLst>
+              </p:cNvPr>
+              <p:cNvSpPr>
+                <a:spLocks noGrp="1" noRot="1" noChangeAspect="1" noMove="1" noResize="1" noEditPoints="1" noAdjustHandles="1" noChangeArrowheads="1" noChangeShapeType="1" noTextEdit="1"/>
+              </p:cNvSpPr>
+              <p:nvPr>
+                <p:ph type="subTitle" idx="1"/>
+              </p:nvPr>
+            </p:nvSpPr>
+            <p:spPr>
+              <a:xfrm>
+                <a:off x="601851" y="1740948"/>
+                <a:ext cx="10988297" cy="2530747"/>
+              </a:xfrm>
+              <a:blipFill>
+                <a:blip r:embed="rId2"/>
+                <a:stretch>
+                  <a:fillRect/>
+                </a:stretch>
+              </a:blipFill>
+            </p:spPr>
+            <p:txBody>
+              <a:bodyPr/>
+              <a:lstStyle/>
+              <a:p>
+                <a:r>
+                  <a:rPr lang="nl-NL">
+                    <a:noFill/>
+                  </a:rPr>
+                  <a:t> </a:t>
+                </a:r>
+              </a:p>
+            </p:txBody>
+          </p:sp>
+        </mc:Fallback>
+      </mc:AlternateContent>
+      <mc:AlternateContent xmlns:mc="http://schemas.openxmlformats.org/markup-compatibility/2006" xmlns:a14="http://schemas.microsoft.com/office/drawing/2010/main">
+        <mc:Choice Requires="a14">
+          <p:sp>
+            <p:nvSpPr>
+              <p:cNvPr id="7" name="Tekstvak 6">
+                <a:extLst>
+                  <a:ext uri="{FF2B5EF4-FFF2-40B4-BE49-F238E27FC236}">
+                    <a16:creationId xmlns:a16="http://schemas.microsoft.com/office/drawing/2014/main" id="{07B414E2-2801-31B5-5D16-CD7FB9842203}"/>
+                  </a:ext>
+                </a:extLst>
+              </p:cNvPr>
+              <p:cNvSpPr txBox="1"/>
+              <p:nvPr/>
+            </p:nvSpPr>
+            <p:spPr>
+              <a:xfrm>
+                <a:off x="2770576" y="2244934"/>
+                <a:ext cx="7739619" cy="506742"/>
+              </a:xfrm>
+              <a:prstGeom prst="rect">
+                <a:avLst/>
+              </a:prstGeom>
+              <a:noFill/>
+            </p:spPr>
+            <p:txBody>
+              <a:bodyPr wrap="none" rtlCol="0">
+                <a:spAutoFit/>
+              </a:bodyPr>
+              <a:lstStyle/>
+              <a:p>
+                <a:pPr/>
+                <a14:m>
+                  <m:oMathPara xmlns:m="http://schemas.openxmlformats.org/officeDocument/2006/math">
+                    <m:oMathParaPr>
+                      <m:jc m:val="centerGroup"/>
+                    </m:oMathParaPr>
+                    <m:oMath xmlns:m="http://schemas.openxmlformats.org/officeDocument/2006/math">
+                      <m:r>
+                        <a:rPr lang="nl-NL" sz="2400" b="0" i="1" dirty="0" smtClean="0">
+                          <a:latin typeface="Cambria Math" panose="02040503050406030204" pitchFamily="18" charset="0"/>
+                        </a:rPr>
+                        <m:t>2,56</m:t>
+                      </m:r>
+                      <m:r>
+                        <a:rPr lang="nl-NL" sz="2400" i="1" dirty="0" smtClean="0">
+                          <a:latin typeface="Cambria Math" panose="02040503050406030204" pitchFamily="18" charset="0"/>
+                        </a:rPr>
+                        <m:t>	</m:t>
+                      </m:r>
+                      <m:r>
+                        <a:rPr lang="nl-NL" sz="2400" b="0" i="1" dirty="0" smtClean="0">
+                          <a:latin typeface="Cambria Math" panose="02040503050406030204" pitchFamily="18" charset="0"/>
+                        </a:rPr>
+                        <m:t>             </m:t>
+                      </m:r>
+                      <m:r>
+                        <a:rPr lang="nl-NL" sz="2400" i="1" dirty="0" smtClean="0">
+                          <a:latin typeface="Cambria Math" panose="02040503050406030204" pitchFamily="18" charset="0"/>
+                        </a:rPr>
+                        <m:t>	15,845		</m:t>
+                      </m:r>
+                      <m:r>
+                        <a:rPr lang="nl-NL" sz="2400" b="0" i="1" dirty="0" smtClean="0">
+                          <a:latin typeface="Cambria Math" panose="02040503050406030204" pitchFamily="18" charset="0"/>
+                        </a:rPr>
+                        <m:t>                    </m:t>
+                      </m:r>
+                      <m:r>
+                        <a:rPr lang="nl-NL" sz="2400" i="1" dirty="0" smtClean="0">
+                          <a:latin typeface="Cambria Math" panose="02040503050406030204" pitchFamily="18" charset="0"/>
+                        </a:rPr>
+                        <m:t>165,48125		</m:t>
+                      </m:r>
+                      <m:r>
+                        <a:rPr lang="nl-NL" sz="2400" b="0" i="1" dirty="0" smtClean="0">
+                          <a:latin typeface="Cambria Math" panose="02040503050406030204" pitchFamily="18" charset="0"/>
+                        </a:rPr>
+                        <m:t>                       </m:t>
+                      </m:r>
+                      <m:r>
+                        <a:rPr lang="nl-NL" sz="2400" i="1" dirty="0" smtClean="0">
+                          <a:latin typeface="Cambria Math" panose="02040503050406030204" pitchFamily="18" charset="0"/>
+                        </a:rPr>
+                        <m:t>1.568</m:t>
+                      </m:r>
+                    </m:oMath>
+                  </m:oMathPara>
+                </a14:m>
+                <a:endParaRPr lang="nl-NL" sz="2400" dirty="0"/>
+              </a:p>
+            </p:txBody>
+          </p:sp>
+        </mc:Choice>
+        <mc:Fallback xmlns="">
+          <p:sp>
+            <p:nvSpPr>
+              <p:cNvPr id="7" name="Tekstvak 6">
+                <a:extLst>
+                  <a:ext uri="{FF2B5EF4-FFF2-40B4-BE49-F238E27FC236}">
+                    <a16:creationId xmlns:a16="http://schemas.microsoft.com/office/drawing/2014/main" id="{07B414E2-2801-31B5-5D16-CD7FB9842203}"/>
+                  </a:ext>
+                </a:extLst>
+              </p:cNvPr>
+              <p:cNvSpPr txBox="1">
+                <a:spLocks noRot="1" noChangeAspect="1" noMove="1" noResize="1" noEditPoints="1" noAdjustHandles="1" noChangeArrowheads="1" noChangeShapeType="1" noTextEdit="1"/>
+              </p:cNvSpPr>
+              <p:nvPr/>
+            </p:nvSpPr>
+            <p:spPr>
+              <a:xfrm>
+                <a:off x="2770576" y="2244934"/>
+                <a:ext cx="7739619" cy="506742"/>
+              </a:xfrm>
+              <a:prstGeom prst="rect">
+                <a:avLst/>
+              </a:prstGeom>
+              <a:blipFill>
+                <a:blip r:embed="rId3"/>
+                <a:stretch>
+                  <a:fillRect/>
+                </a:stretch>
+              </a:blipFill>
+            </p:spPr>
+            <p:txBody>
+              <a:bodyPr/>
+              <a:lstStyle/>
+              <a:p>
+                <a:r>
+                  <a:rPr lang="nl-NL">
+                    <a:noFill/>
+                  </a:rPr>
+                  <a:t> </a:t>
+                </a:r>
+              </a:p>
+            </p:txBody>
+          </p:sp>
+        </mc:Fallback>
+      </mc:AlternateContent>
+    </p:spTree>
+    <p:extLst>
+      <p:ext uri="{BB962C8B-B14F-4D97-AF65-F5344CB8AC3E}">
+        <p14:creationId xmlns:p14="http://schemas.microsoft.com/office/powerpoint/2010/main" val="3404872855"/>
       </p:ext>
     </p:extLst>
   </p:cSld>
@@ -7110,8 +10039,8 @@
         </p:nvSpPr>
         <p:spPr>
           <a:xfrm>
-            <a:off x="431533" y="258609"/>
-            <a:ext cx="11328934" cy="892887"/>
+            <a:off x="431533" y="599584"/>
+            <a:ext cx="11328934" cy="963493"/>
           </a:xfrm>
         </p:spPr>
         <p:txBody>
@@ -7122,177 +10051,41 @@
           <a:p>
             <a:r>
               <a:rPr lang="nl-NL" dirty="0"/>
-              <a:t>Voorbeeld Ribben</a:t>
+              <a:t>Voorbeeld (Grafische) Rekenmachine</a:t>
             </a:r>
           </a:p>
         </p:txBody>
       </p:sp>
-      <p:sp>
-        <p:nvSpPr>
-          <p:cNvPr id="3" name="AutoShape 2" descr="Ruimtelijke figuren">
-            <a:extLst>
-              <a:ext uri="{FF2B5EF4-FFF2-40B4-BE49-F238E27FC236}">
-                <a16:creationId xmlns:a16="http://schemas.microsoft.com/office/drawing/2014/main" id="{35816B3A-C1C1-A387-7798-2FFF4CAA28A9}"/>
-              </a:ext>
-            </a:extLst>
-          </p:cNvPr>
-          <p:cNvSpPr>
-            <a:spLocks noChangeAspect="1" noChangeArrowheads="1"/>
-          </p:cNvSpPr>
-          <p:nvPr/>
-        </p:nvSpPr>
-        <p:spPr bwMode="auto">
-          <a:xfrm>
-            <a:off x="5943600" y="3276600"/>
-            <a:ext cx="304800" cy="304800"/>
-          </a:xfrm>
-          <a:prstGeom prst="rect">
-            <a:avLst/>
-          </a:prstGeom>
-          <a:noFill/>
-          <a:extLst>
-            <a:ext uri="{909E8E84-426E-40DD-AFC4-6F175D3DCCD1}">
-              <a14:hiddenFill xmlns:a14="http://schemas.microsoft.com/office/drawing/2010/main">
-                <a:solidFill>
-                  <a:srgbClr val="FFFFFF"/>
-                </a:solidFill>
-              </a14:hiddenFill>
-            </a:ext>
-          </a:extLst>
-        </p:spPr>
-        <p:txBody>
-          <a:bodyPr vert="horz" wrap="square" lIns="91440" tIns="45720" rIns="91440" bIns="45720" numCol="1" anchor="t" anchorCtr="0" compatLnSpc="1">
-            <a:prstTxWarp prst="textNoShape">
-              <a:avLst/>
-            </a:prstTxWarp>
-          </a:bodyPr>
-          <a:lstStyle/>
-          <a:p>
-            <a:endParaRPr lang="nl-NL"/>
-          </a:p>
-        </p:txBody>
-      </p:sp>
-      <p:sp>
-        <p:nvSpPr>
-          <p:cNvPr id="4" name="AutoShape 4" descr="Ruimtelijke figuren">
-            <a:extLst>
-              <a:ext uri="{FF2B5EF4-FFF2-40B4-BE49-F238E27FC236}">
-                <a16:creationId xmlns:a16="http://schemas.microsoft.com/office/drawing/2014/main" id="{B82310C2-292E-F815-60F6-3FFD0672F290}"/>
-              </a:ext>
-            </a:extLst>
-          </p:cNvPr>
-          <p:cNvSpPr>
-            <a:spLocks noChangeAspect="1" noChangeArrowheads="1"/>
-          </p:cNvSpPr>
-          <p:nvPr/>
-        </p:nvSpPr>
-        <p:spPr bwMode="auto">
-          <a:xfrm>
-            <a:off x="6096000" y="3429000"/>
-            <a:ext cx="304800" cy="304800"/>
-          </a:xfrm>
-          <a:prstGeom prst="rect">
-            <a:avLst/>
-          </a:prstGeom>
-          <a:noFill/>
-          <a:extLst>
-            <a:ext uri="{909E8E84-426E-40DD-AFC4-6F175D3DCCD1}">
-              <a14:hiddenFill xmlns:a14="http://schemas.microsoft.com/office/drawing/2010/main">
-                <a:solidFill>
-                  <a:srgbClr val="FFFFFF"/>
-                </a:solidFill>
-              </a14:hiddenFill>
-            </a:ext>
-          </a:extLst>
-        </p:spPr>
-        <p:txBody>
-          <a:bodyPr vert="horz" wrap="square" lIns="91440" tIns="45720" rIns="91440" bIns="45720" numCol="1" anchor="t" anchorCtr="0" compatLnSpc="1">
-            <a:prstTxWarp prst="textNoShape">
-              <a:avLst/>
-            </a:prstTxWarp>
-          </a:bodyPr>
-          <a:lstStyle/>
-          <a:p>
-            <a:endParaRPr lang="nl-NL"/>
-          </a:p>
-        </p:txBody>
-      </p:sp>
-      <p:pic>
-        <p:nvPicPr>
-          <p:cNvPr id="3074" name="Picture 2" descr="Ruimtelijke figuren">
-            <a:extLst>
-              <a:ext uri="{FF2B5EF4-FFF2-40B4-BE49-F238E27FC236}">
-                <a16:creationId xmlns:a16="http://schemas.microsoft.com/office/drawing/2014/main" id="{307F16C8-3A66-8D20-5118-E1F8536AD9DC}"/>
-              </a:ext>
-            </a:extLst>
-          </p:cNvPr>
-          <p:cNvPicPr>
-            <a:picLocks noChangeAspect="1" noChangeArrowheads="1"/>
-          </p:cNvPicPr>
-          <p:nvPr/>
-        </p:nvPicPr>
-        <p:blipFill rotWithShape="1">
-          <a:blip r:embed="rId2">
-            <a:extLst>
-              <a:ext uri="{28A0092B-C50C-407E-A947-70E740481C1C}">
-                <a14:useLocalDpi xmlns:a14="http://schemas.microsoft.com/office/drawing/2010/main" val="0"/>
-              </a:ext>
-            </a:extLst>
-          </a:blip>
-          <a:srcRect b="12167"/>
-          <a:stretch/>
-        </p:blipFill>
-        <p:spPr bwMode="auto">
-          <a:xfrm>
-            <a:off x="3221648" y="1209184"/>
-            <a:ext cx="5748704" cy="5049232"/>
-          </a:xfrm>
-          <a:prstGeom prst="rect">
-            <a:avLst/>
-          </a:prstGeom>
-          <a:noFill/>
-          <a:extLst>
-            <a:ext uri="{909E8E84-426E-40DD-AFC4-6F175D3DCCD1}">
-              <a14:hiddenFill xmlns:a14="http://schemas.microsoft.com/office/drawing/2010/main">
-                <a:solidFill>
-                  <a:srgbClr val="FFFFFF"/>
-                </a:solidFill>
-              </a14:hiddenFill>
-            </a:ext>
-          </a:extLst>
-        </p:spPr>
-      </p:pic>
-      <mc:AlternateContent xmlns:mc="http://schemas.openxmlformats.org/markup-compatibility/2006" xmlns:a14="http://schemas.microsoft.com/office/drawing/2010/main">
-        <mc:Choice Requires="a14">
+      <mc:AlternateContent xmlns:mc="http://schemas.openxmlformats.org/markup-compatibility/2006">
+        <mc:Choice xmlns:a14="http://schemas.microsoft.com/office/drawing/2010/main" Requires="a14">
           <p:sp>
             <p:nvSpPr>
-              <p:cNvPr id="5" name="Tekstvak 4">
+              <p:cNvPr id="6" name="Ondertitel 2">
                 <a:extLst>
                   <a:ext uri="{FF2B5EF4-FFF2-40B4-BE49-F238E27FC236}">
-                    <a16:creationId xmlns:a16="http://schemas.microsoft.com/office/drawing/2014/main" id="{AB836C08-B18B-8E2D-75E4-D1CE9AB32B0F}"/>
+                    <a16:creationId xmlns:a16="http://schemas.microsoft.com/office/drawing/2014/main" id="{6D9B39CE-FD5E-EBF7-47C7-30A62A12EA8D}"/>
                   </a:ext>
                 </a:extLst>
               </p:cNvPr>
-              <p:cNvSpPr txBox="1"/>
-              <p:nvPr/>
+              <p:cNvSpPr>
+                <a:spLocks noGrp="1"/>
+              </p:cNvSpPr>
+              <p:nvPr>
+                <p:ph type="subTitle" idx="1"/>
+              </p:nvPr>
             </p:nvSpPr>
             <p:spPr>
               <a:xfrm>
-                <a:off x="1153304" y="3668939"/>
-                <a:ext cx="859380" cy="646331"/>
+                <a:off x="601851" y="1740948"/>
+                <a:ext cx="10988297" cy="2530747"/>
               </a:xfrm>
-              <a:prstGeom prst="rect">
-                <a:avLst/>
-              </a:prstGeom>
-              <a:noFill/>
             </p:spPr>
             <p:txBody>
-              <a:bodyPr wrap="square" rtlCol="0">
-                <a:spAutoFit/>
+              <a:bodyPr>
+                <a:normAutofit/>
               </a:bodyPr>
               <a:lstStyle/>
               <a:p>
-                <a:pPr/>
                 <a14:m>
                   <m:oMathPara xmlns:m="http://schemas.openxmlformats.org/officeDocument/2006/math">
                     <m:oMathParaPr>
@@ -7300,44 +10093,91 @@
                     </m:oMathParaPr>
                     <m:oMath xmlns:m="http://schemas.openxmlformats.org/officeDocument/2006/math">
                       <m:r>
-                        <a:rPr lang="nl-NL" sz="3600" i="1" dirty="0" smtClean="0">
+                        <a:rPr lang="nl-NL" b="0" i="1" smtClean="0">
                           <a:latin typeface="Cambria Math" panose="02040503050406030204" pitchFamily="18" charset="0"/>
                         </a:rPr>
-                        <m:t>𝐸𝐹</m:t>
+                        <m:t>−5</m:t>
                       </m:r>
                     </m:oMath>
                   </m:oMathPara>
                 </a14:m>
-                <a:endParaRPr lang="nl-NL" sz="3600" dirty="0"/>
+                <a:endParaRPr lang="nl-NL" b="0" dirty="0"/>
+              </a:p>
+              <a:p>
+                <a:endParaRPr lang="nl-NL" b="0" dirty="0"/>
+              </a:p>
+              <a:p>
+                <a14:m>
+                  <m:oMathPara xmlns:m="http://schemas.openxmlformats.org/officeDocument/2006/math">
+                    <m:oMathParaPr>
+                      <m:jc m:val="centerGroup"/>
+                    </m:oMathParaPr>
+                    <m:oMath xmlns:m="http://schemas.openxmlformats.org/officeDocument/2006/math">
+                      <m:r>
+                        <a:rPr lang="nl-NL" b="0" i="1" smtClean="0">
+                          <a:latin typeface="Cambria Math" panose="02040503050406030204" pitchFamily="18" charset="0"/>
+                        </a:rPr>
+                        <m:t>9−3=6</m:t>
+                      </m:r>
+                    </m:oMath>
+                  </m:oMathPara>
+                </a14:m>
+                <a:endParaRPr lang="nl-NL" b="0" dirty="0"/>
+              </a:p>
+              <a:p>
+                <a:endParaRPr lang="nl-NL" b="0" dirty="0"/>
+              </a:p>
+              <a:p>
+                <a14:m>
+                  <m:oMathPara xmlns:m="http://schemas.openxmlformats.org/officeDocument/2006/math">
+                    <m:oMathParaPr>
+                      <m:jc m:val="centerGroup"/>
+                    </m:oMathParaPr>
+                    <m:oMath xmlns:m="http://schemas.openxmlformats.org/officeDocument/2006/math">
+                      <m:r>
+                        <a:rPr lang="nl-NL" b="0" i="1" smtClean="0">
+                          <a:latin typeface="Cambria Math" panose="02040503050406030204" pitchFamily="18" charset="0"/>
+                        </a:rPr>
+                        <m:t>8−−2=8+2=10</m:t>
+                      </m:r>
+                    </m:oMath>
+                  </m:oMathPara>
+                </a14:m>
+                <a:endParaRPr lang="nl-NL" b="0" dirty="0"/>
+              </a:p>
+              <a:p>
+                <a:r>
+                  <a:rPr lang="nl-NL" dirty="0"/>
+                  <a:t>	</a:t>
+                </a:r>
               </a:p>
             </p:txBody>
           </p:sp>
         </mc:Choice>
-        <mc:Fallback xmlns="">
+        <mc:Fallback>
           <p:sp>
             <p:nvSpPr>
-              <p:cNvPr id="5" name="Tekstvak 4">
+              <p:cNvPr id="6" name="Ondertitel 2">
                 <a:extLst>
                   <a:ext uri="{FF2B5EF4-FFF2-40B4-BE49-F238E27FC236}">
-                    <a16:creationId xmlns:a16="http://schemas.microsoft.com/office/drawing/2014/main" id="{AB836C08-B18B-8E2D-75E4-D1CE9AB32B0F}"/>
+                    <a16:creationId xmlns:a16="http://schemas.microsoft.com/office/drawing/2014/main" id="{6D9B39CE-FD5E-EBF7-47C7-30A62A12EA8D}"/>
                   </a:ext>
                 </a:extLst>
               </p:cNvPr>
-              <p:cNvSpPr txBox="1">
-                <a:spLocks noRot="1" noChangeAspect="1" noMove="1" noResize="1" noEditPoints="1" noAdjustHandles="1" noChangeArrowheads="1" noChangeShapeType="1" noTextEdit="1"/>
+              <p:cNvSpPr>
+                <a:spLocks noGrp="1" noRot="1" noChangeAspect="1" noMove="1" noResize="1" noEditPoints="1" noAdjustHandles="1" noChangeArrowheads="1" noChangeShapeType="1" noTextEdit="1"/>
               </p:cNvSpPr>
-              <p:nvPr/>
+              <p:nvPr>
+                <p:ph type="subTitle" idx="1"/>
+              </p:nvPr>
             </p:nvSpPr>
             <p:spPr>
               <a:xfrm>
-                <a:off x="1153304" y="3668939"/>
-                <a:ext cx="859380" cy="646331"/>
+                <a:off x="601851" y="1740948"/>
+                <a:ext cx="10988297" cy="2530747"/>
               </a:xfrm>
-              <a:prstGeom prst="rect">
-                <a:avLst/>
-              </a:prstGeom>
               <a:blipFill>
-                <a:blip r:embed="rId3"/>
+                <a:blip r:embed="rId2"/>
                 <a:stretch>
                   <a:fillRect/>
                 </a:stretch>
@@ -7361,7 +10201,968 @@
     </p:spTree>
     <p:extLst>
       <p:ext uri="{BB962C8B-B14F-4D97-AF65-F5344CB8AC3E}">
-        <p14:creationId xmlns:p14="http://schemas.microsoft.com/office/powerpoint/2010/main" val="3404872855"/>
+        <p14:creationId xmlns:p14="http://schemas.microsoft.com/office/powerpoint/2010/main" val="4105687425"/>
+      </p:ext>
+    </p:extLst>
+  </p:cSld>
+  <p:clrMapOvr>
+    <a:masterClrMapping/>
+  </p:clrMapOvr>
+</p:sld>
+</file>
+
+<file path=ppt/slides/slide4.xml><?xml version="1.0" encoding="utf-8"?>
+<p:sld xmlns:a="http://schemas.openxmlformats.org/drawingml/2006/main" xmlns:r="http://schemas.openxmlformats.org/officeDocument/2006/relationships" xmlns:p="http://schemas.openxmlformats.org/presentationml/2006/main">
+  <p:cSld>
+    <p:spTree>
+      <p:nvGrpSpPr>
+        <p:cNvPr id="1" name=""/>
+        <p:cNvGrpSpPr/>
+        <p:nvPr/>
+      </p:nvGrpSpPr>
+      <p:grpSpPr>
+        <a:xfrm>
+          <a:off x="0" y="0"/>
+          <a:ext cx="0" cy="0"/>
+          <a:chOff x="0" y="0"/>
+          <a:chExt cx="0" cy="0"/>
+        </a:xfrm>
+      </p:grpSpPr>
+      <p:sp>
+        <p:nvSpPr>
+          <p:cNvPr id="2" name="Titel 1">
+            <a:extLst>
+              <a:ext uri="{FF2B5EF4-FFF2-40B4-BE49-F238E27FC236}">
+                <a16:creationId xmlns:a16="http://schemas.microsoft.com/office/drawing/2014/main" id="{73168B85-7905-DEBC-34BC-B73EB909DDCD}"/>
+              </a:ext>
+            </a:extLst>
+          </p:cNvPr>
+          <p:cNvSpPr>
+            <a:spLocks noGrp="1"/>
+          </p:cNvSpPr>
+          <p:nvPr>
+            <p:ph type="title"/>
+          </p:nvPr>
+        </p:nvSpPr>
+        <p:spPr/>
+        <p:txBody>
+          <a:bodyPr/>
+          <a:lstStyle/>
+          <a:p>
+            <a:r>
+              <a:rPr lang="nl-NL" dirty="0"/>
+              <a:t>Wiskunde Termen</a:t>
+            </a:r>
+          </a:p>
+        </p:txBody>
+      </p:sp>
+      <p:sp>
+        <p:nvSpPr>
+          <p:cNvPr id="4" name="Titel 1">
+            <a:extLst>
+              <a:ext uri="{FF2B5EF4-FFF2-40B4-BE49-F238E27FC236}">
+                <a16:creationId xmlns:a16="http://schemas.microsoft.com/office/drawing/2014/main" id="{61ED484A-E87E-7D07-D06C-3D405D336CC2}"/>
+              </a:ext>
+            </a:extLst>
+          </p:cNvPr>
+          <p:cNvSpPr txBox="1">
+            <a:spLocks/>
+          </p:cNvSpPr>
+          <p:nvPr/>
+        </p:nvSpPr>
+        <p:spPr>
+          <a:xfrm>
+            <a:off x="1524000" y="2105897"/>
+            <a:ext cx="9144000" cy="2646206"/>
+          </a:xfrm>
+          <a:prstGeom prst="rect">
+            <a:avLst/>
+          </a:prstGeom>
+        </p:spPr>
+        <p:txBody>
+          <a:bodyPr vert="horz" lIns="91440" tIns="45720" rIns="91440" bIns="45720" rtlCol="0" anchor="ctr">
+            <a:normAutofit fontScale="97500"/>
+          </a:bodyPr>
+          <a:lstStyle>
+            <a:lvl1pPr algn="l" defTabSz="914400" rtl="0" eaLnBrk="1" latinLnBrk="0" hangingPunct="1">
+              <a:lnSpc>
+                <a:spcPct val="90000"/>
+              </a:lnSpc>
+              <a:spcBef>
+                <a:spcPct val="0"/>
+              </a:spcBef>
+              <a:buNone/>
+              <a:defRPr sz="4400" kern="1200">
+                <a:solidFill>
+                  <a:schemeClr val="tx1"/>
+                </a:solidFill>
+                <a:latin typeface="+mj-lt"/>
+                <a:ea typeface="+mj-ea"/>
+                <a:cs typeface="+mj-cs"/>
+              </a:defRPr>
+            </a:lvl1pPr>
+          </a:lstStyle>
+          <a:p>
+            <a:pPr algn="ctr"/>
+            <a:r>
+              <a:rPr lang="nl-NL" sz="9000" b="1" dirty="0"/>
+              <a:t>Minteken</a:t>
+            </a:r>
+          </a:p>
+        </p:txBody>
+      </p:sp>
+    </p:spTree>
+    <p:extLst>
+      <p:ext uri="{BB962C8B-B14F-4D97-AF65-F5344CB8AC3E}">
+        <p14:creationId xmlns:p14="http://schemas.microsoft.com/office/powerpoint/2010/main" val="4185682276"/>
+      </p:ext>
+    </p:extLst>
+  </p:cSld>
+  <p:clrMapOvr>
+    <a:masterClrMapping/>
+  </p:clrMapOvr>
+</p:sld>
+</file>
+
+<file path=ppt/slides/slide5.xml><?xml version="1.0" encoding="utf-8"?>
+<p:sld xmlns:a="http://schemas.openxmlformats.org/drawingml/2006/main" xmlns:r="http://schemas.openxmlformats.org/officeDocument/2006/relationships" xmlns:p="http://schemas.openxmlformats.org/presentationml/2006/main">
+  <p:cSld>
+    <p:spTree>
+      <p:nvGrpSpPr>
+        <p:cNvPr id="1" name=""/>
+        <p:cNvGrpSpPr/>
+        <p:nvPr/>
+      </p:nvGrpSpPr>
+      <p:grpSpPr>
+        <a:xfrm>
+          <a:off x="0" y="0"/>
+          <a:ext cx="0" cy="0"/>
+          <a:chOff x="0" y="0"/>
+          <a:chExt cx="0" cy="0"/>
+        </a:xfrm>
+      </p:grpSpPr>
+      <p:sp>
+        <p:nvSpPr>
+          <p:cNvPr id="2" name="Titel 1">
+            <a:extLst>
+              <a:ext uri="{FF2B5EF4-FFF2-40B4-BE49-F238E27FC236}">
+                <a16:creationId xmlns:a16="http://schemas.microsoft.com/office/drawing/2014/main" id="{C2F5861A-BCDE-D2A4-C355-05C8119ED351}"/>
+              </a:ext>
+            </a:extLst>
+          </p:cNvPr>
+          <p:cNvSpPr>
+            <a:spLocks noGrp="1"/>
+          </p:cNvSpPr>
+          <p:nvPr>
+            <p:ph type="ctrTitle"/>
+          </p:nvPr>
+        </p:nvSpPr>
+        <p:spPr>
+          <a:xfrm>
+            <a:off x="101599" y="236482"/>
+            <a:ext cx="11988800" cy="892887"/>
+          </a:xfrm>
+        </p:spPr>
+        <p:txBody>
+          <a:bodyPr>
+            <a:normAutofit fontScale="90000"/>
+          </a:bodyPr>
+          <a:lstStyle/>
+          <a:p>
+            <a:r>
+              <a:rPr lang="nl-NL" dirty="0"/>
+              <a:t>Minteken</a:t>
+            </a:r>
+          </a:p>
+        </p:txBody>
+      </p:sp>
+      <mc:AlternateContent xmlns:mc="http://schemas.openxmlformats.org/markup-compatibility/2006">
+        <mc:Choice xmlns:a14="http://schemas.microsoft.com/office/drawing/2010/main" Requires="a14">
+          <p:sp>
+            <p:nvSpPr>
+              <p:cNvPr id="3" name="Ondertitel 2">
+                <a:extLst>
+                  <a:ext uri="{FF2B5EF4-FFF2-40B4-BE49-F238E27FC236}">
+                    <a16:creationId xmlns:a16="http://schemas.microsoft.com/office/drawing/2014/main" id="{7988AA68-FB88-7C7C-5E47-2AE86A2EFD72}"/>
+                  </a:ext>
+                </a:extLst>
+              </p:cNvPr>
+              <p:cNvSpPr>
+                <a:spLocks noGrp="1"/>
+              </p:cNvSpPr>
+              <p:nvPr>
+                <p:ph type="subTitle" idx="1"/>
+              </p:nvPr>
+            </p:nvSpPr>
+            <p:spPr>
+              <a:xfrm>
+                <a:off x="390029" y="1342364"/>
+                <a:ext cx="11200120" cy="2530747"/>
+              </a:xfrm>
+            </p:spPr>
+            <p:txBody>
+              <a:bodyPr>
+                <a:normAutofit/>
+              </a:bodyPr>
+              <a:lstStyle/>
+              <a:p>
+                <a:r>
+                  <a:rPr lang="nl-NL" dirty="0"/>
+                  <a:t>Het minteken wordt gebruikt om aan te geven dat een </a:t>
+                </a:r>
+                <a:r>
+                  <a:rPr lang="nl-NL" dirty="0">
+                    <a:solidFill>
+                      <a:srgbClr val="7030A0"/>
+                    </a:solidFill>
+                  </a:rPr>
+                  <a:t>getal negatief </a:t>
+                </a:r>
+                <a:r>
+                  <a:rPr lang="nl-NL" dirty="0"/>
+                  <a:t>is.</a:t>
+                </a:r>
+              </a:p>
+              <a:p>
+                <a:r>
+                  <a:rPr lang="nl-NL" dirty="0"/>
+                  <a:t>Wanneer het mintekens tussen twee getallen wordt gebruikt haal je deze van elkaar af.</a:t>
+                </a:r>
+              </a:p>
+              <a:p>
+                <a:r>
+                  <a:rPr lang="nl-NL" dirty="0"/>
+                  <a:t>Wanneer er twee min tekens achter elkaar staan haal je een negatief getal ergens vanaf.</a:t>
+                </a:r>
+              </a:p>
+              <a:p>
+                <a:r>
+                  <a:rPr lang="nl-NL" dirty="0"/>
+                  <a:t>Vaak wordt de regel: ‘’</a:t>
+                </a:r>
+                <a14:m>
+                  <m:oMath xmlns:m="http://schemas.openxmlformats.org/officeDocument/2006/math">
+                    <m:r>
+                      <a:rPr lang="nl-NL" b="0" i="1" smtClean="0">
+                        <a:latin typeface="Cambria Math" panose="02040503050406030204" pitchFamily="18" charset="0"/>
+                      </a:rPr>
+                      <m:t>−− = +</m:t>
+                    </m:r>
+                  </m:oMath>
+                </a14:m>
+                <a:r>
+                  <a:rPr lang="nl-NL" dirty="0"/>
+                  <a:t>’’ gebruikt.</a:t>
+                </a:r>
+              </a:p>
+              <a:p>
+                <a:endParaRPr lang="nl-NL" dirty="0"/>
+              </a:p>
+              <a:p>
+                <a:endParaRPr lang="nl-NL" dirty="0"/>
+              </a:p>
+              <a:p>
+                <a:endParaRPr lang="nl-NL" dirty="0"/>
+              </a:p>
+            </p:txBody>
+          </p:sp>
+        </mc:Choice>
+        <mc:Fallback>
+          <p:sp>
+            <p:nvSpPr>
+              <p:cNvPr id="3" name="Ondertitel 2">
+                <a:extLst>
+                  <a:ext uri="{FF2B5EF4-FFF2-40B4-BE49-F238E27FC236}">
+                    <a16:creationId xmlns:a16="http://schemas.microsoft.com/office/drawing/2014/main" id="{7988AA68-FB88-7C7C-5E47-2AE86A2EFD72}"/>
+                  </a:ext>
+                </a:extLst>
+              </p:cNvPr>
+              <p:cNvSpPr>
+                <a:spLocks noGrp="1" noRot="1" noChangeAspect="1" noMove="1" noResize="1" noEditPoints="1" noAdjustHandles="1" noChangeArrowheads="1" noChangeShapeType="1" noTextEdit="1"/>
+              </p:cNvSpPr>
+              <p:nvPr>
+                <p:ph type="subTitle" idx="1"/>
+              </p:nvPr>
+            </p:nvSpPr>
+            <p:spPr>
+              <a:xfrm>
+                <a:off x="390029" y="1342364"/>
+                <a:ext cx="11200120" cy="2530747"/>
+              </a:xfrm>
+              <a:blipFill>
+                <a:blip r:embed="rId2"/>
+                <a:stretch>
+                  <a:fillRect l="-109" t="-3373" r="-163"/>
+                </a:stretch>
+              </a:blipFill>
+            </p:spPr>
+            <p:txBody>
+              <a:bodyPr/>
+              <a:lstStyle/>
+              <a:p>
+                <a:r>
+                  <a:rPr lang="nl-NL">
+                    <a:noFill/>
+                  </a:rPr>
+                  <a:t> </a:t>
+                </a:r>
+              </a:p>
+            </p:txBody>
+          </p:sp>
+        </mc:Fallback>
+      </mc:AlternateContent>
+    </p:spTree>
+    <p:extLst>
+      <p:ext uri="{BB962C8B-B14F-4D97-AF65-F5344CB8AC3E}">
+        <p14:creationId xmlns:p14="http://schemas.microsoft.com/office/powerpoint/2010/main" val="3160930587"/>
+      </p:ext>
+    </p:extLst>
+  </p:cSld>
+  <p:clrMapOvr>
+    <a:masterClrMapping/>
+  </p:clrMapOvr>
+</p:sld>
+</file>
+
+<file path=ppt/slides/slide6.xml><?xml version="1.0" encoding="utf-8"?>
+<p:sld xmlns:a="http://schemas.openxmlformats.org/drawingml/2006/main" xmlns:r="http://schemas.openxmlformats.org/officeDocument/2006/relationships" xmlns:p="http://schemas.openxmlformats.org/presentationml/2006/main">
+  <p:cSld>
+    <p:spTree>
+      <p:nvGrpSpPr>
+        <p:cNvPr id="1" name=""/>
+        <p:cNvGrpSpPr/>
+        <p:nvPr/>
+      </p:nvGrpSpPr>
+      <p:grpSpPr>
+        <a:xfrm>
+          <a:off x="0" y="0"/>
+          <a:ext cx="0" cy="0"/>
+          <a:chOff x="0" y="0"/>
+          <a:chExt cx="0" cy="0"/>
+        </a:xfrm>
+      </p:grpSpPr>
+      <p:sp>
+        <p:nvSpPr>
+          <p:cNvPr id="2" name="Titel 1">
+            <a:extLst>
+              <a:ext uri="{FF2B5EF4-FFF2-40B4-BE49-F238E27FC236}">
+                <a16:creationId xmlns:a16="http://schemas.microsoft.com/office/drawing/2014/main" id="{C2F5861A-BCDE-D2A4-C355-05C8119ED351}"/>
+              </a:ext>
+            </a:extLst>
+          </p:cNvPr>
+          <p:cNvSpPr>
+            <a:spLocks noGrp="1"/>
+          </p:cNvSpPr>
+          <p:nvPr>
+            <p:ph type="ctrTitle"/>
+          </p:nvPr>
+        </p:nvSpPr>
+        <p:spPr>
+          <a:xfrm>
+            <a:off x="431533" y="599584"/>
+            <a:ext cx="11328934" cy="963493"/>
+          </a:xfrm>
+        </p:spPr>
+        <p:txBody>
+          <a:bodyPr>
+            <a:normAutofit/>
+          </a:bodyPr>
+          <a:lstStyle/>
+          <a:p>
+            <a:r>
+              <a:rPr lang="nl-NL" dirty="0"/>
+              <a:t>Voorbeeld Minteken</a:t>
+            </a:r>
+          </a:p>
+        </p:txBody>
+      </p:sp>
+      <mc:AlternateContent xmlns:mc="http://schemas.openxmlformats.org/markup-compatibility/2006">
+        <mc:Choice xmlns:a14="http://schemas.microsoft.com/office/drawing/2010/main" Requires="a14">
+          <p:sp>
+            <p:nvSpPr>
+              <p:cNvPr id="6" name="Ondertitel 2">
+                <a:extLst>
+                  <a:ext uri="{FF2B5EF4-FFF2-40B4-BE49-F238E27FC236}">
+                    <a16:creationId xmlns:a16="http://schemas.microsoft.com/office/drawing/2014/main" id="{6D9B39CE-FD5E-EBF7-47C7-30A62A12EA8D}"/>
+                  </a:ext>
+                </a:extLst>
+              </p:cNvPr>
+              <p:cNvSpPr>
+                <a:spLocks noGrp="1"/>
+              </p:cNvSpPr>
+              <p:nvPr>
+                <p:ph type="subTitle" idx="1"/>
+              </p:nvPr>
+            </p:nvSpPr>
+            <p:spPr>
+              <a:xfrm>
+                <a:off x="601851" y="1740948"/>
+                <a:ext cx="10988297" cy="2530747"/>
+              </a:xfrm>
+            </p:spPr>
+            <p:txBody>
+              <a:bodyPr>
+                <a:normAutofit/>
+              </a:bodyPr>
+              <a:lstStyle/>
+              <a:p>
+                <a14:m>
+                  <m:oMathPara xmlns:m="http://schemas.openxmlformats.org/officeDocument/2006/math">
+                    <m:oMathParaPr>
+                      <m:jc m:val="centerGroup"/>
+                    </m:oMathParaPr>
+                    <m:oMath xmlns:m="http://schemas.openxmlformats.org/officeDocument/2006/math">
+                      <m:r>
+                        <a:rPr lang="nl-NL" b="0" i="1" smtClean="0">
+                          <a:latin typeface="Cambria Math" panose="02040503050406030204" pitchFamily="18" charset="0"/>
+                        </a:rPr>
+                        <m:t>−5</m:t>
+                      </m:r>
+                    </m:oMath>
+                  </m:oMathPara>
+                </a14:m>
+                <a:endParaRPr lang="nl-NL" b="0" dirty="0"/>
+              </a:p>
+              <a:p>
+                <a:endParaRPr lang="nl-NL" b="0" dirty="0"/>
+              </a:p>
+              <a:p>
+                <a14:m>
+                  <m:oMathPara xmlns:m="http://schemas.openxmlformats.org/officeDocument/2006/math">
+                    <m:oMathParaPr>
+                      <m:jc m:val="centerGroup"/>
+                    </m:oMathParaPr>
+                    <m:oMath xmlns:m="http://schemas.openxmlformats.org/officeDocument/2006/math">
+                      <m:r>
+                        <a:rPr lang="nl-NL" b="0" i="1" smtClean="0">
+                          <a:latin typeface="Cambria Math" panose="02040503050406030204" pitchFamily="18" charset="0"/>
+                        </a:rPr>
+                        <m:t>9−3=6</m:t>
+                      </m:r>
+                    </m:oMath>
+                  </m:oMathPara>
+                </a14:m>
+                <a:endParaRPr lang="nl-NL" b="0" dirty="0"/>
+              </a:p>
+              <a:p>
+                <a:endParaRPr lang="nl-NL" b="0" dirty="0"/>
+              </a:p>
+              <a:p>
+                <a14:m>
+                  <m:oMathPara xmlns:m="http://schemas.openxmlformats.org/officeDocument/2006/math">
+                    <m:oMathParaPr>
+                      <m:jc m:val="centerGroup"/>
+                    </m:oMathParaPr>
+                    <m:oMath xmlns:m="http://schemas.openxmlformats.org/officeDocument/2006/math">
+                      <m:r>
+                        <a:rPr lang="nl-NL" b="0" i="1" smtClean="0">
+                          <a:latin typeface="Cambria Math" panose="02040503050406030204" pitchFamily="18" charset="0"/>
+                        </a:rPr>
+                        <m:t>8−−2=8+2=10</m:t>
+                      </m:r>
+                    </m:oMath>
+                  </m:oMathPara>
+                </a14:m>
+                <a:endParaRPr lang="nl-NL" b="0" dirty="0"/>
+              </a:p>
+              <a:p>
+                <a:r>
+                  <a:rPr lang="nl-NL" dirty="0"/>
+                  <a:t>	</a:t>
+                </a:r>
+              </a:p>
+            </p:txBody>
+          </p:sp>
+        </mc:Choice>
+        <mc:Fallback>
+          <p:sp>
+            <p:nvSpPr>
+              <p:cNvPr id="6" name="Ondertitel 2">
+                <a:extLst>
+                  <a:ext uri="{FF2B5EF4-FFF2-40B4-BE49-F238E27FC236}">
+                    <a16:creationId xmlns:a16="http://schemas.microsoft.com/office/drawing/2014/main" id="{6D9B39CE-FD5E-EBF7-47C7-30A62A12EA8D}"/>
+                  </a:ext>
+                </a:extLst>
+              </p:cNvPr>
+              <p:cNvSpPr>
+                <a:spLocks noGrp="1" noRot="1" noChangeAspect="1" noMove="1" noResize="1" noEditPoints="1" noAdjustHandles="1" noChangeArrowheads="1" noChangeShapeType="1" noTextEdit="1"/>
+              </p:cNvSpPr>
+              <p:nvPr>
+                <p:ph type="subTitle" idx="1"/>
+              </p:nvPr>
+            </p:nvSpPr>
+            <p:spPr>
+              <a:xfrm>
+                <a:off x="601851" y="1740948"/>
+                <a:ext cx="10988297" cy="2530747"/>
+              </a:xfrm>
+              <a:blipFill>
+                <a:blip r:embed="rId2"/>
+                <a:stretch>
+                  <a:fillRect/>
+                </a:stretch>
+              </a:blipFill>
+            </p:spPr>
+            <p:txBody>
+              <a:bodyPr/>
+              <a:lstStyle/>
+              <a:p>
+                <a:r>
+                  <a:rPr lang="nl-NL">
+                    <a:noFill/>
+                  </a:rPr>
+                  <a:t> </a:t>
+                </a:r>
+              </a:p>
+            </p:txBody>
+          </p:sp>
+        </mc:Fallback>
+      </mc:AlternateContent>
+    </p:spTree>
+    <p:extLst>
+      <p:ext uri="{BB962C8B-B14F-4D97-AF65-F5344CB8AC3E}">
+        <p14:creationId xmlns:p14="http://schemas.microsoft.com/office/powerpoint/2010/main" val="870065810"/>
+      </p:ext>
+    </p:extLst>
+  </p:cSld>
+  <p:clrMapOvr>
+    <a:masterClrMapping/>
+  </p:clrMapOvr>
+</p:sld>
+</file>
+
+<file path=ppt/slides/slide7.xml><?xml version="1.0" encoding="utf-8"?>
+<p:sld xmlns:a="http://schemas.openxmlformats.org/drawingml/2006/main" xmlns:r="http://schemas.openxmlformats.org/officeDocument/2006/relationships" xmlns:p="http://schemas.openxmlformats.org/presentationml/2006/main">
+  <p:cSld>
+    <p:spTree>
+      <p:nvGrpSpPr>
+        <p:cNvPr id="1" name=""/>
+        <p:cNvGrpSpPr/>
+        <p:nvPr/>
+      </p:nvGrpSpPr>
+      <p:grpSpPr>
+        <a:xfrm>
+          <a:off x="0" y="0"/>
+          <a:ext cx="0" cy="0"/>
+          <a:chOff x="0" y="0"/>
+          <a:chExt cx="0" cy="0"/>
+        </a:xfrm>
+      </p:grpSpPr>
+      <p:sp>
+        <p:nvSpPr>
+          <p:cNvPr id="2" name="Titel 1">
+            <a:extLst>
+              <a:ext uri="{FF2B5EF4-FFF2-40B4-BE49-F238E27FC236}">
+                <a16:creationId xmlns:a16="http://schemas.microsoft.com/office/drawing/2014/main" id="{73168B85-7905-DEBC-34BC-B73EB909DDCD}"/>
+              </a:ext>
+            </a:extLst>
+          </p:cNvPr>
+          <p:cNvSpPr>
+            <a:spLocks noGrp="1"/>
+          </p:cNvSpPr>
+          <p:nvPr>
+            <p:ph type="title"/>
+          </p:nvPr>
+        </p:nvSpPr>
+        <p:spPr/>
+        <p:txBody>
+          <a:bodyPr/>
+          <a:lstStyle/>
+          <a:p>
+            <a:r>
+              <a:rPr lang="nl-NL" dirty="0"/>
+              <a:t>Wiskunde Termen</a:t>
+            </a:r>
+          </a:p>
+        </p:txBody>
+      </p:sp>
+      <p:sp>
+        <p:nvSpPr>
+          <p:cNvPr id="4" name="Titel 1">
+            <a:extLst>
+              <a:ext uri="{FF2B5EF4-FFF2-40B4-BE49-F238E27FC236}">
+                <a16:creationId xmlns:a16="http://schemas.microsoft.com/office/drawing/2014/main" id="{61ED484A-E87E-7D07-D06C-3D405D336CC2}"/>
+              </a:ext>
+            </a:extLst>
+          </p:cNvPr>
+          <p:cNvSpPr txBox="1">
+            <a:spLocks/>
+          </p:cNvSpPr>
+          <p:nvPr/>
+        </p:nvSpPr>
+        <p:spPr>
+          <a:xfrm>
+            <a:off x="1524000" y="2105897"/>
+            <a:ext cx="9144000" cy="2646206"/>
+          </a:xfrm>
+          <a:prstGeom prst="rect">
+            <a:avLst/>
+          </a:prstGeom>
+        </p:spPr>
+        <p:txBody>
+          <a:bodyPr vert="horz" lIns="91440" tIns="45720" rIns="91440" bIns="45720" rtlCol="0" anchor="ctr">
+            <a:normAutofit fontScale="97500"/>
+          </a:bodyPr>
+          <a:lstStyle>
+            <a:lvl1pPr algn="l" defTabSz="914400" rtl="0" eaLnBrk="1" latinLnBrk="0" hangingPunct="1">
+              <a:lnSpc>
+                <a:spcPct val="90000"/>
+              </a:lnSpc>
+              <a:spcBef>
+                <a:spcPct val="0"/>
+              </a:spcBef>
+              <a:buNone/>
+              <a:defRPr sz="4400" kern="1200">
+                <a:solidFill>
+                  <a:schemeClr val="tx1"/>
+                </a:solidFill>
+                <a:latin typeface="+mj-lt"/>
+                <a:ea typeface="+mj-ea"/>
+                <a:cs typeface="+mj-cs"/>
+              </a:defRPr>
+            </a:lvl1pPr>
+          </a:lstStyle>
+          <a:p>
+            <a:pPr algn="ctr"/>
+            <a:r>
+              <a:rPr lang="nl-NL" sz="9000" b="1" dirty="0"/>
+              <a:t>Getallen</a:t>
+            </a:r>
+          </a:p>
+        </p:txBody>
+      </p:sp>
+    </p:spTree>
+    <p:extLst>
+      <p:ext uri="{BB962C8B-B14F-4D97-AF65-F5344CB8AC3E}">
+        <p14:creationId xmlns:p14="http://schemas.microsoft.com/office/powerpoint/2010/main" val="2984149347"/>
+      </p:ext>
+    </p:extLst>
+  </p:cSld>
+  <p:clrMapOvr>
+    <a:masterClrMapping/>
+  </p:clrMapOvr>
+</p:sld>
+</file>
+
+<file path=ppt/slides/slide8.xml><?xml version="1.0" encoding="utf-8"?>
+<p:sld xmlns:a="http://schemas.openxmlformats.org/drawingml/2006/main" xmlns:r="http://schemas.openxmlformats.org/officeDocument/2006/relationships" xmlns:p="http://schemas.openxmlformats.org/presentationml/2006/main">
+  <p:cSld>
+    <p:spTree>
+      <p:nvGrpSpPr>
+        <p:cNvPr id="1" name=""/>
+        <p:cNvGrpSpPr/>
+        <p:nvPr/>
+      </p:nvGrpSpPr>
+      <p:grpSpPr>
+        <a:xfrm>
+          <a:off x="0" y="0"/>
+          <a:ext cx="0" cy="0"/>
+          <a:chOff x="0" y="0"/>
+          <a:chExt cx="0" cy="0"/>
+        </a:xfrm>
+      </p:grpSpPr>
+      <p:sp>
+        <p:nvSpPr>
+          <p:cNvPr id="2" name="Titel 1">
+            <a:extLst>
+              <a:ext uri="{FF2B5EF4-FFF2-40B4-BE49-F238E27FC236}">
+                <a16:creationId xmlns:a16="http://schemas.microsoft.com/office/drawing/2014/main" id="{C2F5861A-BCDE-D2A4-C355-05C8119ED351}"/>
+              </a:ext>
+            </a:extLst>
+          </p:cNvPr>
+          <p:cNvSpPr>
+            <a:spLocks noGrp="1"/>
+          </p:cNvSpPr>
+          <p:nvPr>
+            <p:ph type="ctrTitle"/>
+          </p:nvPr>
+        </p:nvSpPr>
+        <p:spPr>
+          <a:xfrm>
+            <a:off x="101599" y="236482"/>
+            <a:ext cx="11988800" cy="892887"/>
+          </a:xfrm>
+        </p:spPr>
+        <p:txBody>
+          <a:bodyPr>
+            <a:normAutofit fontScale="90000"/>
+          </a:bodyPr>
+          <a:lstStyle/>
+          <a:p>
+            <a:r>
+              <a:rPr lang="nl-NL" dirty="0"/>
+              <a:t>Getallen</a:t>
+            </a:r>
+          </a:p>
+        </p:txBody>
+      </p:sp>
+      <p:sp>
+        <p:nvSpPr>
+          <p:cNvPr id="3" name="Ondertitel 2">
+            <a:extLst>
+              <a:ext uri="{FF2B5EF4-FFF2-40B4-BE49-F238E27FC236}">
+                <a16:creationId xmlns:a16="http://schemas.microsoft.com/office/drawing/2014/main" id="{7988AA68-FB88-7C7C-5E47-2AE86A2EFD72}"/>
+              </a:ext>
+            </a:extLst>
+          </p:cNvPr>
+          <p:cNvSpPr>
+            <a:spLocks noGrp="1"/>
+          </p:cNvSpPr>
+          <p:nvPr>
+            <p:ph type="subTitle" idx="1"/>
+          </p:nvPr>
+        </p:nvSpPr>
+        <p:spPr>
+          <a:xfrm>
+            <a:off x="351724" y="1342364"/>
+            <a:ext cx="11488549" cy="2530747"/>
+          </a:xfrm>
+        </p:spPr>
+        <p:txBody>
+          <a:bodyPr>
+            <a:normAutofit/>
+          </a:bodyPr>
+          <a:lstStyle/>
+          <a:p>
+            <a:r>
+              <a:rPr lang="nl-NL" dirty="0"/>
+              <a:t>Met getallen kun je een hoeveelheid aangeven.</a:t>
+            </a:r>
+          </a:p>
+          <a:p>
+            <a:r>
+              <a:rPr lang="nl-NL" dirty="0"/>
+              <a:t>Een getal bestaat uit </a:t>
+            </a:r>
+            <a:r>
+              <a:rPr lang="nl-NL" dirty="0">
+                <a:solidFill>
+                  <a:srgbClr val="7030A0"/>
+                </a:solidFill>
+              </a:rPr>
+              <a:t>cijfers.</a:t>
+            </a:r>
+          </a:p>
+          <a:p>
+            <a:r>
+              <a:rPr lang="nl-NL" dirty="0"/>
+              <a:t>Er zijn verschillende soorten getallen zoals </a:t>
+            </a:r>
+            <a:r>
+              <a:rPr lang="nl-NL" dirty="0">
+                <a:solidFill>
+                  <a:srgbClr val="7030A0"/>
+                </a:solidFill>
+              </a:rPr>
+              <a:t>negatieve getallen </a:t>
+            </a:r>
+            <a:r>
+              <a:rPr lang="nl-NL" dirty="0"/>
+              <a:t>of </a:t>
+            </a:r>
+            <a:r>
+              <a:rPr lang="nl-NL" dirty="0">
+                <a:solidFill>
+                  <a:srgbClr val="7030A0"/>
+                </a:solidFill>
+              </a:rPr>
+              <a:t>decimalen getallen</a:t>
+            </a:r>
+            <a:r>
+              <a:rPr lang="nl-NL" dirty="0"/>
+              <a:t>.</a:t>
+            </a:r>
+          </a:p>
+          <a:p>
+            <a:endParaRPr lang="nl-NL" dirty="0"/>
+          </a:p>
+          <a:p>
+            <a:endParaRPr lang="nl-NL" dirty="0"/>
+          </a:p>
+        </p:txBody>
+      </p:sp>
+    </p:spTree>
+    <p:extLst>
+      <p:ext uri="{BB962C8B-B14F-4D97-AF65-F5344CB8AC3E}">
+        <p14:creationId xmlns:p14="http://schemas.microsoft.com/office/powerpoint/2010/main" val="581594001"/>
+      </p:ext>
+    </p:extLst>
+  </p:cSld>
+  <p:clrMapOvr>
+    <a:masterClrMapping/>
+  </p:clrMapOvr>
+</p:sld>
+</file>
+
+<file path=ppt/slides/slide9.xml><?xml version="1.0" encoding="utf-8"?>
+<p:sld xmlns:a="http://schemas.openxmlformats.org/drawingml/2006/main" xmlns:r="http://schemas.openxmlformats.org/officeDocument/2006/relationships" xmlns:p="http://schemas.openxmlformats.org/presentationml/2006/main">
+  <p:cSld>
+    <p:spTree>
+      <p:nvGrpSpPr>
+        <p:cNvPr id="1" name=""/>
+        <p:cNvGrpSpPr/>
+        <p:nvPr/>
+      </p:nvGrpSpPr>
+      <p:grpSpPr>
+        <a:xfrm>
+          <a:off x="0" y="0"/>
+          <a:ext cx="0" cy="0"/>
+          <a:chOff x="0" y="0"/>
+          <a:chExt cx="0" cy="0"/>
+        </a:xfrm>
+      </p:grpSpPr>
+      <p:sp>
+        <p:nvSpPr>
+          <p:cNvPr id="2" name="Titel 1">
+            <a:extLst>
+              <a:ext uri="{FF2B5EF4-FFF2-40B4-BE49-F238E27FC236}">
+                <a16:creationId xmlns:a16="http://schemas.microsoft.com/office/drawing/2014/main" id="{C2F5861A-BCDE-D2A4-C355-05C8119ED351}"/>
+              </a:ext>
+            </a:extLst>
+          </p:cNvPr>
+          <p:cNvSpPr>
+            <a:spLocks noGrp="1"/>
+          </p:cNvSpPr>
+          <p:nvPr>
+            <p:ph type="ctrTitle"/>
+          </p:nvPr>
+        </p:nvSpPr>
+        <p:spPr>
+          <a:xfrm>
+            <a:off x="431532" y="386224"/>
+            <a:ext cx="11328934" cy="963493"/>
+          </a:xfrm>
+        </p:spPr>
+        <p:txBody>
+          <a:bodyPr>
+            <a:normAutofit/>
+          </a:bodyPr>
+          <a:lstStyle/>
+          <a:p>
+            <a:r>
+              <a:rPr lang="nl-NL" dirty="0"/>
+              <a:t>Voorbeeld Getallen</a:t>
+            </a:r>
+          </a:p>
+        </p:txBody>
+      </p:sp>
+      <mc:AlternateContent xmlns:mc="http://schemas.openxmlformats.org/markup-compatibility/2006">
+        <mc:Choice xmlns:a14="http://schemas.microsoft.com/office/drawing/2010/main" Requires="a14">
+          <p:sp>
+            <p:nvSpPr>
+              <p:cNvPr id="6" name="Ondertitel 2">
+                <a:extLst>
+                  <a:ext uri="{FF2B5EF4-FFF2-40B4-BE49-F238E27FC236}">
+                    <a16:creationId xmlns:a16="http://schemas.microsoft.com/office/drawing/2014/main" id="{6D9B39CE-FD5E-EBF7-47C7-30A62A12EA8D}"/>
+                  </a:ext>
+                </a:extLst>
+              </p:cNvPr>
+              <p:cNvSpPr>
+                <a:spLocks noGrp="1"/>
+              </p:cNvSpPr>
+              <p:nvPr>
+                <p:ph type="subTitle" idx="1"/>
+              </p:nvPr>
+            </p:nvSpPr>
+            <p:spPr>
+              <a:xfrm>
+                <a:off x="1390584" y="1905977"/>
+                <a:ext cx="9410830" cy="2530747"/>
+              </a:xfrm>
+            </p:spPr>
+            <p:txBody>
+              <a:bodyPr>
+                <a:normAutofit/>
+              </a:bodyPr>
+              <a:lstStyle/>
+              <a:p>
+                <a:r>
+                  <a:rPr lang="nl-NL" dirty="0"/>
+                  <a:t>3</a:t>
+                </a:r>
+              </a:p>
+              <a:p>
+                <a:r>
+                  <a:rPr lang="nl-NL" dirty="0"/>
+                  <a:t>-56</a:t>
+                </a:r>
+              </a:p>
+              <a:p>
+                <a:r>
+                  <a:rPr lang="nl-NL" dirty="0"/>
+                  <a:t>45,5</a:t>
+                </a:r>
+              </a:p>
+              <a:p>
+                <a14:m>
+                  <m:oMathPara xmlns:m="http://schemas.openxmlformats.org/officeDocument/2006/math">
+                    <m:oMathParaPr>
+                      <m:jc m:val="centerGroup"/>
+                    </m:oMathParaPr>
+                    <m:oMath xmlns:m="http://schemas.openxmlformats.org/officeDocument/2006/math">
+                      <m:r>
+                        <a:rPr lang="nl-NL" i="1" smtClean="0">
+                          <a:latin typeface="Cambria Math" panose="02040503050406030204" pitchFamily="18" charset="0"/>
+                          <a:ea typeface="Cambria Math" panose="02040503050406030204" pitchFamily="18" charset="0"/>
+                        </a:rPr>
+                        <m:t>𝜋</m:t>
+                      </m:r>
+                    </m:oMath>
+                  </m:oMathPara>
+                </a14:m>
+                <a:endParaRPr lang="nl-NL" dirty="0"/>
+              </a:p>
+            </p:txBody>
+          </p:sp>
+        </mc:Choice>
+        <mc:Fallback>
+          <p:sp>
+            <p:nvSpPr>
+              <p:cNvPr id="6" name="Ondertitel 2">
+                <a:extLst>
+                  <a:ext uri="{FF2B5EF4-FFF2-40B4-BE49-F238E27FC236}">
+                    <a16:creationId xmlns:a16="http://schemas.microsoft.com/office/drawing/2014/main" id="{6D9B39CE-FD5E-EBF7-47C7-30A62A12EA8D}"/>
+                  </a:ext>
+                </a:extLst>
+              </p:cNvPr>
+              <p:cNvSpPr>
+                <a:spLocks noGrp="1" noRot="1" noChangeAspect="1" noMove="1" noResize="1" noEditPoints="1" noAdjustHandles="1" noChangeArrowheads="1" noChangeShapeType="1" noTextEdit="1"/>
+              </p:cNvSpPr>
+              <p:nvPr>
+                <p:ph type="subTitle" idx="1"/>
+              </p:nvPr>
+            </p:nvSpPr>
+            <p:spPr>
+              <a:xfrm>
+                <a:off x="1390584" y="1905977"/>
+                <a:ext cx="9410830" cy="2530747"/>
+              </a:xfrm>
+              <a:blipFill>
+                <a:blip r:embed="rId2"/>
+                <a:stretch>
+                  <a:fillRect t="-3373"/>
+                </a:stretch>
+              </a:blipFill>
+            </p:spPr>
+            <p:txBody>
+              <a:bodyPr/>
+              <a:lstStyle/>
+              <a:p>
+                <a:r>
+                  <a:rPr lang="nl-NL">
+                    <a:noFill/>
+                  </a:rPr>
+                  <a:t> </a:t>
+                </a:r>
+              </a:p>
+            </p:txBody>
+          </p:sp>
+        </mc:Fallback>
+      </mc:AlternateContent>
+    </p:spTree>
+    <p:extLst>
+      <p:ext uri="{BB962C8B-B14F-4D97-AF65-F5344CB8AC3E}">
+        <p14:creationId xmlns:p14="http://schemas.microsoft.com/office/powerpoint/2010/main" val="2182118663"/>
       </p:ext>
     </p:extLst>
   </p:cSld>

--- a/getallen en variabelen/AAAAGetallen en variabelen.pptx
+++ b/getallen en variabelen/AAAAGetallen en variabelen.pptx
@@ -5,30 +5,33 @@
     <p:sldMasterId id="2147483648" r:id="rId1"/>
   </p:sldMasterIdLst>
   <p:sldIdLst>
-    <p:sldId id="287" r:id="rId2"/>
-    <p:sldId id="288" r:id="rId3"/>
-    <p:sldId id="289" r:id="rId4"/>
-    <p:sldId id="284" r:id="rId5"/>
-    <p:sldId id="285" r:id="rId6"/>
-    <p:sldId id="286" r:id="rId7"/>
-    <p:sldId id="281" r:id="rId8"/>
-    <p:sldId id="282" r:id="rId9"/>
-    <p:sldId id="283" r:id="rId10"/>
-    <p:sldId id="278" r:id="rId11"/>
-    <p:sldId id="279" r:id="rId12"/>
-    <p:sldId id="280" r:id="rId13"/>
-    <p:sldId id="275" r:id="rId14"/>
-    <p:sldId id="276" r:id="rId15"/>
-    <p:sldId id="277" r:id="rId16"/>
-    <p:sldId id="272" r:id="rId17"/>
-    <p:sldId id="273" r:id="rId18"/>
-    <p:sldId id="274" r:id="rId19"/>
-    <p:sldId id="269" r:id="rId20"/>
-    <p:sldId id="270" r:id="rId21"/>
-    <p:sldId id="271" r:id="rId22"/>
-    <p:sldId id="266" r:id="rId23"/>
-    <p:sldId id="267" r:id="rId24"/>
-    <p:sldId id="268" r:id="rId25"/>
+    <p:sldId id="293" r:id="rId2"/>
+    <p:sldId id="294" r:id="rId3"/>
+    <p:sldId id="295" r:id="rId4"/>
+    <p:sldId id="290" r:id="rId5"/>
+    <p:sldId id="291" r:id="rId6"/>
+    <p:sldId id="292" r:id="rId7"/>
+    <p:sldId id="284" r:id="rId8"/>
+    <p:sldId id="285" r:id="rId9"/>
+    <p:sldId id="286" r:id="rId10"/>
+    <p:sldId id="281" r:id="rId11"/>
+    <p:sldId id="282" r:id="rId12"/>
+    <p:sldId id="283" r:id="rId13"/>
+    <p:sldId id="278" r:id="rId14"/>
+    <p:sldId id="279" r:id="rId15"/>
+    <p:sldId id="280" r:id="rId16"/>
+    <p:sldId id="275" r:id="rId17"/>
+    <p:sldId id="276" r:id="rId18"/>
+    <p:sldId id="277" r:id="rId19"/>
+    <p:sldId id="272" r:id="rId20"/>
+    <p:sldId id="273" r:id="rId21"/>
+    <p:sldId id="274" r:id="rId22"/>
+    <p:sldId id="269" r:id="rId23"/>
+    <p:sldId id="270" r:id="rId24"/>
+    <p:sldId id="271" r:id="rId25"/>
+    <p:sldId id="266" r:id="rId26"/>
+    <p:sldId id="267" r:id="rId27"/>
+    <p:sldId id="268" r:id="rId28"/>
   </p:sldIdLst>
   <p:sldSz cx="12192000" cy="6858000"/>
   <p:notesSz cx="6858000" cy="9144000"/>
@@ -138,7 +141,7 @@
 <file path=ppt/revisionInfo.xml><?xml version="1.0" encoding="utf-8"?>
 <p1510:revInfo xmlns:a="http://schemas.openxmlformats.org/drawingml/2006/main" xmlns:r="http://schemas.openxmlformats.org/officeDocument/2006/relationships" xmlns:p1510="http://schemas.microsoft.com/office/powerpoint/2015/10/main">
   <p1510:revLst>
-    <p1510:client id="{0F2F5874-EF55-4B1D-B1EF-82D9CC020624}" v="336" dt="2024-01-04T10:40:06.346"/>
+    <p1510:client id="{0F2F5874-EF55-4B1D-B1EF-82D9CC020624}" v="596" dt="2024-02-15T14:55:54.211"/>
   </p1510:revLst>
 </p1510:revInfo>
 </file>
@@ -3595,7 +3598,7 @@
   <pc:docChgLst>
     <pc:chgData name="Hein van Wanrooij" userId="ebcdd4c57331f9b2" providerId="LiveId" clId="{0F2F5874-EF55-4B1D-B1EF-82D9CC020624}"/>
     <pc:docChg chg="undo custSel addSld delSld modSld">
-      <pc:chgData name="Hein van Wanrooij" userId="ebcdd4c57331f9b2" providerId="LiveId" clId="{0F2F5874-EF55-4B1D-B1EF-82D9CC020624}" dt="2024-01-04T10:41:51.396" v="3861" actId="20577"/>
+      <pc:chgData name="Hein van Wanrooij" userId="ebcdd4c57331f9b2" providerId="LiveId" clId="{0F2F5874-EF55-4B1D-B1EF-82D9CC020624}" dt="2024-02-15T14:56:38.038" v="4831" actId="20577"/>
       <pc:docMkLst>
         <pc:docMk/>
       </pc:docMkLst>
@@ -4111,8 +4114,8 @@
           </ac:spMkLst>
         </pc:spChg>
       </pc:sldChg>
-      <pc:sldChg chg="modSp add mod">
-        <pc:chgData name="Hein van Wanrooij" userId="ebcdd4c57331f9b2" providerId="LiveId" clId="{0F2F5874-EF55-4B1D-B1EF-82D9CC020624}" dt="2024-01-04T10:41:20.575" v="3760" actId="20577"/>
+      <pc:sldChg chg="modSp add del mod">
+        <pc:chgData name="Hein van Wanrooij" userId="ebcdd4c57331f9b2" providerId="LiveId" clId="{0F2F5874-EF55-4B1D-B1EF-82D9CC020624}" dt="2024-02-15T14:37:29.463" v="3863" actId="47"/>
         <pc:sldMkLst>
           <pc:docMk/>
           <pc:sldMk cId="1608787423" sldId="287"/>
@@ -4126,8 +4129,8 @@
           </ac:spMkLst>
         </pc:spChg>
       </pc:sldChg>
-      <pc:sldChg chg="modSp add mod">
-        <pc:chgData name="Hein van Wanrooij" userId="ebcdd4c57331f9b2" providerId="LiveId" clId="{0F2F5874-EF55-4B1D-B1EF-82D9CC020624}" dt="2024-01-04T10:41:51.396" v="3861" actId="20577"/>
+      <pc:sldChg chg="modSp add del mod">
+        <pc:chgData name="Hein van Wanrooij" userId="ebcdd4c57331f9b2" providerId="LiveId" clId="{0F2F5874-EF55-4B1D-B1EF-82D9CC020624}" dt="2024-02-15T14:37:30.153" v="3864" actId="47"/>
         <pc:sldMkLst>
           <pc:docMk/>
           <pc:sldMk cId="2882090153" sldId="288"/>
@@ -4149,8 +4152,8 @@
           </ac:spMkLst>
         </pc:spChg>
       </pc:sldChg>
-      <pc:sldChg chg="modSp add mod">
-        <pc:chgData name="Hein van Wanrooij" userId="ebcdd4c57331f9b2" providerId="LiveId" clId="{0F2F5874-EF55-4B1D-B1EF-82D9CC020624}" dt="2024-01-04T10:41:34.198" v="3795" actId="27636"/>
+      <pc:sldChg chg="modSp add del mod">
+        <pc:chgData name="Hein van Wanrooij" userId="ebcdd4c57331f9b2" providerId="LiveId" clId="{0F2F5874-EF55-4B1D-B1EF-82D9CC020624}" dt="2024-02-15T14:37:30.892" v="3865" actId="47"/>
         <pc:sldMkLst>
           <pc:docMk/>
           <pc:sldMk cId="4105687425" sldId="289"/>
@@ -4161,6 +4164,135 @@
             <pc:docMk/>
             <pc:sldMk cId="4105687425" sldId="289"/>
             <ac:spMk id="2" creationId="{C2F5861A-BCDE-D2A4-C355-05C8119ED351}"/>
+          </ac:spMkLst>
+        </pc:spChg>
+      </pc:sldChg>
+      <pc:sldChg chg="modSp add mod">
+        <pc:chgData name="Hein van Wanrooij" userId="ebcdd4c57331f9b2" providerId="LiveId" clId="{0F2F5874-EF55-4B1D-B1EF-82D9CC020624}" dt="2024-02-15T14:37:47.855" v="3875" actId="20577"/>
+        <pc:sldMkLst>
+          <pc:docMk/>
+          <pc:sldMk cId="1532022343" sldId="290"/>
+        </pc:sldMkLst>
+        <pc:spChg chg="mod">
+          <ac:chgData name="Hein van Wanrooij" userId="ebcdd4c57331f9b2" providerId="LiveId" clId="{0F2F5874-EF55-4B1D-B1EF-82D9CC020624}" dt="2024-02-15T14:37:47.855" v="3875" actId="20577"/>
+          <ac:spMkLst>
+            <pc:docMk/>
+            <pc:sldMk cId="1532022343" sldId="290"/>
+            <ac:spMk id="4" creationId="{76D8BFEF-37FB-008C-487F-356246E6251A}"/>
+          </ac:spMkLst>
+        </pc:spChg>
+      </pc:sldChg>
+      <pc:sldChg chg="modSp add mod">
+        <pc:chgData name="Hein van Wanrooij" userId="ebcdd4c57331f9b2" providerId="LiveId" clId="{0F2F5874-EF55-4B1D-B1EF-82D9CC020624}" dt="2024-02-15T14:42:20.676" v="4090" actId="20577"/>
+        <pc:sldMkLst>
+          <pc:docMk/>
+          <pc:sldMk cId="1835335484" sldId="291"/>
+        </pc:sldMkLst>
+        <pc:spChg chg="mod">
+          <ac:chgData name="Hein van Wanrooij" userId="ebcdd4c57331f9b2" providerId="LiveId" clId="{0F2F5874-EF55-4B1D-B1EF-82D9CC020624}" dt="2024-02-15T14:37:53.230" v="3885" actId="20577"/>
+          <ac:spMkLst>
+            <pc:docMk/>
+            <pc:sldMk cId="1835335484" sldId="291"/>
+            <ac:spMk id="2" creationId="{DA9813FB-A6BD-D13E-28F2-5AA5A4BF29DF}"/>
+          </ac:spMkLst>
+        </pc:spChg>
+        <pc:spChg chg="mod">
+          <ac:chgData name="Hein van Wanrooij" userId="ebcdd4c57331f9b2" providerId="LiveId" clId="{0F2F5874-EF55-4B1D-B1EF-82D9CC020624}" dt="2024-02-15T14:42:20.676" v="4090" actId="20577"/>
+          <ac:spMkLst>
+            <pc:docMk/>
+            <pc:sldMk cId="1835335484" sldId="291"/>
+            <ac:spMk id="3" creationId="{C8905702-4271-9742-C505-4FD41C992635}"/>
+          </ac:spMkLst>
+        </pc:spChg>
+      </pc:sldChg>
+      <pc:sldChg chg="modSp add mod">
+        <pc:chgData name="Hein van Wanrooij" userId="ebcdd4c57331f9b2" providerId="LiveId" clId="{0F2F5874-EF55-4B1D-B1EF-82D9CC020624}" dt="2024-02-15T14:44:32.614" v="4205" actId="20577"/>
+        <pc:sldMkLst>
+          <pc:docMk/>
+          <pc:sldMk cId="2676182722" sldId="292"/>
+        </pc:sldMkLst>
+        <pc:spChg chg="mod">
+          <ac:chgData name="Hein van Wanrooij" userId="ebcdd4c57331f9b2" providerId="LiveId" clId="{0F2F5874-EF55-4B1D-B1EF-82D9CC020624}" dt="2024-02-15T14:42:28.542" v="4099" actId="20577"/>
+          <ac:spMkLst>
+            <pc:docMk/>
+            <pc:sldMk cId="2676182722" sldId="292"/>
+            <ac:spMk id="2" creationId="{54E04BDA-701E-CD88-7F3E-69E3578217D1}"/>
+          </ac:spMkLst>
+        </pc:spChg>
+        <pc:spChg chg="mod">
+          <ac:chgData name="Hein van Wanrooij" userId="ebcdd4c57331f9b2" providerId="LiveId" clId="{0F2F5874-EF55-4B1D-B1EF-82D9CC020624}" dt="2024-02-15T14:44:32.614" v="4205" actId="20577"/>
+          <ac:spMkLst>
+            <pc:docMk/>
+            <pc:sldMk cId="2676182722" sldId="292"/>
+            <ac:spMk id="6" creationId="{7A44AFA8-8443-4ABD-5906-0685E2E75422}"/>
+          </ac:spMkLst>
+        </pc:spChg>
+      </pc:sldChg>
+      <pc:sldChg chg="modSp add mod">
+        <pc:chgData name="Hein van Wanrooij" userId="ebcdd4c57331f9b2" providerId="LiveId" clId="{0F2F5874-EF55-4B1D-B1EF-82D9CC020624}" dt="2024-02-15T14:51:25.355" v="4214" actId="20577"/>
+        <pc:sldMkLst>
+          <pc:docMk/>
+          <pc:sldMk cId="907412043" sldId="293"/>
+        </pc:sldMkLst>
+        <pc:spChg chg="mod">
+          <ac:chgData name="Hein van Wanrooij" userId="ebcdd4c57331f9b2" providerId="LiveId" clId="{0F2F5874-EF55-4B1D-B1EF-82D9CC020624}" dt="2024-02-15T14:51:25.355" v="4214" actId="20577"/>
+          <ac:spMkLst>
+            <pc:docMk/>
+            <pc:sldMk cId="907412043" sldId="293"/>
+            <ac:spMk id="4" creationId="{A4E59CAA-A2B7-9DEB-968D-58E2E8649929}"/>
+          </ac:spMkLst>
+        </pc:spChg>
+      </pc:sldChg>
+      <pc:sldChg chg="new del">
+        <pc:chgData name="Hein van Wanrooij" userId="ebcdd4c57331f9b2" providerId="LiveId" clId="{0F2F5874-EF55-4B1D-B1EF-82D9CC020624}" dt="2024-02-15T14:51:14.895" v="4207" actId="680"/>
+        <pc:sldMkLst>
+          <pc:docMk/>
+          <pc:sldMk cId="2920071578" sldId="293"/>
+        </pc:sldMkLst>
+      </pc:sldChg>
+      <pc:sldChg chg="modSp add mod">
+        <pc:chgData name="Hein van Wanrooij" userId="ebcdd4c57331f9b2" providerId="LiveId" clId="{0F2F5874-EF55-4B1D-B1EF-82D9CC020624}" dt="2024-02-15T14:56:34.196" v="4825" actId="20577"/>
+        <pc:sldMkLst>
+          <pc:docMk/>
+          <pc:sldMk cId="841888341" sldId="294"/>
+        </pc:sldMkLst>
+        <pc:spChg chg="mod">
+          <ac:chgData name="Hein van Wanrooij" userId="ebcdd4c57331f9b2" providerId="LiveId" clId="{0F2F5874-EF55-4B1D-B1EF-82D9CC020624}" dt="2024-02-15T14:56:34.196" v="4825" actId="20577"/>
+          <ac:spMkLst>
+            <pc:docMk/>
+            <pc:sldMk cId="841888341" sldId="294"/>
+            <ac:spMk id="2" creationId="{4F5E7110-568C-643B-4679-2D2DE5F5A8F2}"/>
+          </ac:spMkLst>
+        </pc:spChg>
+        <pc:spChg chg="mod">
+          <ac:chgData name="Hein van Wanrooij" userId="ebcdd4c57331f9b2" providerId="LiveId" clId="{0F2F5874-EF55-4B1D-B1EF-82D9CC020624}" dt="2024-02-15T14:56:28.537" v="4819" actId="20577"/>
+          <ac:spMkLst>
+            <pc:docMk/>
+            <pc:sldMk cId="841888341" sldId="294"/>
+            <ac:spMk id="3" creationId="{22BA88A2-8ACA-79B3-F1A3-A0E075F631EC}"/>
+          </ac:spMkLst>
+        </pc:spChg>
+      </pc:sldChg>
+      <pc:sldChg chg="modSp add mod">
+        <pc:chgData name="Hein van Wanrooij" userId="ebcdd4c57331f9b2" providerId="LiveId" clId="{0F2F5874-EF55-4B1D-B1EF-82D9CC020624}" dt="2024-02-15T14:56:38.038" v="4831" actId="20577"/>
+        <pc:sldMkLst>
+          <pc:docMk/>
+          <pc:sldMk cId="1790049523" sldId="295"/>
+        </pc:sldMkLst>
+        <pc:spChg chg="mod">
+          <ac:chgData name="Hein van Wanrooij" userId="ebcdd4c57331f9b2" providerId="LiveId" clId="{0F2F5874-EF55-4B1D-B1EF-82D9CC020624}" dt="2024-02-15T14:56:38.038" v="4831" actId="20577"/>
+          <ac:spMkLst>
+            <pc:docMk/>
+            <pc:sldMk cId="1790049523" sldId="295"/>
+            <ac:spMk id="2" creationId="{539BF98E-118C-1BEB-3C87-A4683102E978}"/>
+          </ac:spMkLst>
+        </pc:spChg>
+        <pc:spChg chg="mod">
+          <ac:chgData name="Hein van Wanrooij" userId="ebcdd4c57331f9b2" providerId="LiveId" clId="{0F2F5874-EF55-4B1D-B1EF-82D9CC020624}" dt="2024-02-15T14:55:54.211" v="4742" actId="20577"/>
+          <ac:spMkLst>
+            <pc:docMk/>
+            <pc:sldMk cId="1790049523" sldId="295"/>
+            <ac:spMk id="6" creationId="{67914899-6876-7F6D-4EC7-CCA5A626635C}"/>
           </ac:spMkLst>
         </pc:spChg>
       </pc:sldChg>
@@ -4316,7 +4448,7 @@
           <a:p>
             <a:fld id="{89AFD366-9D87-47C8-9C04-02D6655FA638}" type="datetimeFigureOut">
               <a:rPr lang="nl-NL" smtClean="0"/>
-              <a:t>4-1-2024</a:t>
+              <a:t>15-2-2024</a:t>
             </a:fld>
             <a:endParaRPr lang="nl-NL"/>
           </a:p>
@@ -4514,7 +4646,7 @@
           <a:p>
             <a:fld id="{89AFD366-9D87-47C8-9C04-02D6655FA638}" type="datetimeFigureOut">
               <a:rPr lang="nl-NL" smtClean="0"/>
-              <a:t>4-1-2024</a:t>
+              <a:t>15-2-2024</a:t>
             </a:fld>
             <a:endParaRPr lang="nl-NL"/>
           </a:p>
@@ -4722,7 +4854,7 @@
           <a:p>
             <a:fld id="{89AFD366-9D87-47C8-9C04-02D6655FA638}" type="datetimeFigureOut">
               <a:rPr lang="nl-NL" smtClean="0"/>
-              <a:t>4-1-2024</a:t>
+              <a:t>15-2-2024</a:t>
             </a:fld>
             <a:endParaRPr lang="nl-NL"/>
           </a:p>
@@ -4920,7 +5052,7 @@
           <a:p>
             <a:fld id="{89AFD366-9D87-47C8-9C04-02D6655FA638}" type="datetimeFigureOut">
               <a:rPr lang="nl-NL" smtClean="0"/>
-              <a:t>4-1-2024</a:t>
+              <a:t>15-2-2024</a:t>
             </a:fld>
             <a:endParaRPr lang="nl-NL"/>
           </a:p>
@@ -5195,7 +5327,7 @@
           <a:p>
             <a:fld id="{89AFD366-9D87-47C8-9C04-02D6655FA638}" type="datetimeFigureOut">
               <a:rPr lang="nl-NL" smtClean="0"/>
-              <a:t>4-1-2024</a:t>
+              <a:t>15-2-2024</a:t>
             </a:fld>
             <a:endParaRPr lang="nl-NL"/>
           </a:p>
@@ -5460,7 +5592,7 @@
           <a:p>
             <a:fld id="{89AFD366-9D87-47C8-9C04-02D6655FA638}" type="datetimeFigureOut">
               <a:rPr lang="nl-NL" smtClean="0"/>
-              <a:t>4-1-2024</a:t>
+              <a:t>15-2-2024</a:t>
             </a:fld>
             <a:endParaRPr lang="nl-NL"/>
           </a:p>
@@ -5872,7 +6004,7 @@
           <a:p>
             <a:fld id="{89AFD366-9D87-47C8-9C04-02D6655FA638}" type="datetimeFigureOut">
               <a:rPr lang="nl-NL" smtClean="0"/>
-              <a:t>4-1-2024</a:t>
+              <a:t>15-2-2024</a:t>
             </a:fld>
             <a:endParaRPr lang="nl-NL"/>
           </a:p>
@@ -6013,7 +6145,7 @@
           <a:p>
             <a:fld id="{89AFD366-9D87-47C8-9C04-02D6655FA638}" type="datetimeFigureOut">
               <a:rPr lang="nl-NL" smtClean="0"/>
-              <a:t>4-1-2024</a:t>
+              <a:t>15-2-2024</a:t>
             </a:fld>
             <a:endParaRPr lang="nl-NL"/>
           </a:p>
@@ -6126,7 +6258,7 @@
           <a:p>
             <a:fld id="{89AFD366-9D87-47C8-9C04-02D6655FA638}" type="datetimeFigureOut">
               <a:rPr lang="nl-NL" smtClean="0"/>
-              <a:t>4-1-2024</a:t>
+              <a:t>15-2-2024</a:t>
             </a:fld>
             <a:endParaRPr lang="nl-NL"/>
           </a:p>
@@ -6437,7 +6569,7 @@
           <a:p>
             <a:fld id="{89AFD366-9D87-47C8-9C04-02D6655FA638}" type="datetimeFigureOut">
               <a:rPr lang="nl-NL" smtClean="0"/>
-              <a:t>4-1-2024</a:t>
+              <a:t>15-2-2024</a:t>
             </a:fld>
             <a:endParaRPr lang="nl-NL"/>
           </a:p>
@@ -6725,7 +6857,7 @@
           <a:p>
             <a:fld id="{89AFD366-9D87-47C8-9C04-02D6655FA638}" type="datetimeFigureOut">
               <a:rPr lang="nl-NL" smtClean="0"/>
-              <a:t>4-1-2024</a:t>
+              <a:t>15-2-2024</a:t>
             </a:fld>
             <a:endParaRPr lang="nl-NL"/>
           </a:p>
@@ -6966,7 +7098,7 @@
           <a:p>
             <a:fld id="{89AFD366-9D87-47C8-9C04-02D6655FA638}" type="datetimeFigureOut">
               <a:rPr lang="nl-NL" smtClean="0"/>
-              <a:t>4-1-2024</a:t>
+              <a:t>15-2-2024</a:t>
             </a:fld>
             <a:endParaRPr lang="nl-NL"/>
           </a:p>
@@ -7371,6 +7503,125 @@
   <p:cSld>
     <p:spTree>
       <p:nvGrpSpPr>
+        <p:cNvPr id="1" name="">
+          <a:extLst>
+            <a:ext uri="{FF2B5EF4-FFF2-40B4-BE49-F238E27FC236}">
+              <a16:creationId xmlns:a16="http://schemas.microsoft.com/office/drawing/2014/main" id="{3F136281-48F3-15BA-0D2E-2025A0BA77F0}"/>
+            </a:ext>
+          </a:extLst>
+        </p:cNvPr>
+        <p:cNvGrpSpPr/>
+        <p:nvPr/>
+      </p:nvGrpSpPr>
+      <p:grpSpPr>
+        <a:xfrm>
+          <a:off x="0" y="0"/>
+          <a:ext cx="0" cy="0"/>
+          <a:chOff x="0" y="0"/>
+          <a:chExt cx="0" cy="0"/>
+        </a:xfrm>
+      </p:grpSpPr>
+      <p:sp>
+        <p:nvSpPr>
+          <p:cNvPr id="2" name="Titel 1">
+            <a:extLst>
+              <a:ext uri="{FF2B5EF4-FFF2-40B4-BE49-F238E27FC236}">
+                <a16:creationId xmlns:a16="http://schemas.microsoft.com/office/drawing/2014/main" id="{5CA56BAE-CC67-32F7-9ED3-522F3389FDA4}"/>
+              </a:ext>
+            </a:extLst>
+          </p:cNvPr>
+          <p:cNvSpPr>
+            <a:spLocks noGrp="1"/>
+          </p:cNvSpPr>
+          <p:nvPr>
+            <p:ph type="title"/>
+          </p:nvPr>
+        </p:nvSpPr>
+        <p:spPr/>
+        <p:txBody>
+          <a:bodyPr/>
+          <a:lstStyle/>
+          <a:p>
+            <a:r>
+              <a:rPr lang="nl-NL" dirty="0"/>
+              <a:t>Wiskunde Termen</a:t>
+            </a:r>
+          </a:p>
+        </p:txBody>
+      </p:sp>
+      <p:sp>
+        <p:nvSpPr>
+          <p:cNvPr id="4" name="Titel 1">
+            <a:extLst>
+              <a:ext uri="{FF2B5EF4-FFF2-40B4-BE49-F238E27FC236}">
+                <a16:creationId xmlns:a16="http://schemas.microsoft.com/office/drawing/2014/main" id="{A4E59CAA-A2B7-9DEB-968D-58E2E8649929}"/>
+              </a:ext>
+            </a:extLst>
+          </p:cNvPr>
+          <p:cNvSpPr txBox="1">
+            <a:spLocks/>
+          </p:cNvSpPr>
+          <p:nvPr/>
+        </p:nvSpPr>
+        <p:spPr>
+          <a:xfrm>
+            <a:off x="1524000" y="2105897"/>
+            <a:ext cx="9144000" cy="2646206"/>
+          </a:xfrm>
+          <a:prstGeom prst="rect">
+            <a:avLst/>
+          </a:prstGeom>
+        </p:spPr>
+        <p:txBody>
+          <a:bodyPr vert="horz" lIns="91440" tIns="45720" rIns="91440" bIns="45720" rtlCol="0" anchor="ctr">
+            <a:normAutofit fontScale="97500"/>
+          </a:bodyPr>
+          <a:lstStyle>
+            <a:lvl1pPr algn="l" defTabSz="914400" rtl="0" eaLnBrk="1" latinLnBrk="0" hangingPunct="1">
+              <a:lnSpc>
+                <a:spcPct val="90000"/>
+              </a:lnSpc>
+              <a:spcBef>
+                <a:spcPct val="0"/>
+              </a:spcBef>
+              <a:buNone/>
+              <a:defRPr sz="4400" kern="1200">
+                <a:solidFill>
+                  <a:schemeClr val="tx1"/>
+                </a:solidFill>
+                <a:latin typeface="+mj-lt"/>
+                <a:ea typeface="+mj-ea"/>
+                <a:cs typeface="+mj-cs"/>
+              </a:defRPr>
+            </a:lvl1pPr>
+          </a:lstStyle>
+          <a:p>
+            <a:pPr algn="ctr"/>
+            <a:r>
+              <a:rPr lang="nl-NL" sz="9000" b="1" dirty="0"/>
+              <a:t>Wortel</a:t>
+            </a:r>
+          </a:p>
+        </p:txBody>
+      </p:sp>
+    </p:spTree>
+    <p:extLst>
+      <p:ext uri="{BB962C8B-B14F-4D97-AF65-F5344CB8AC3E}">
+        <p14:creationId xmlns:p14="http://schemas.microsoft.com/office/powerpoint/2010/main" val="907412043"/>
+      </p:ext>
+    </p:extLst>
+  </p:cSld>
+  <p:clrMapOvr>
+    <a:masterClrMapping/>
+  </p:clrMapOvr>
+</p:sld>
+</file>
+
+<file path=ppt/slides/slide10.xml><?xml version="1.0" encoding="utf-8"?>
+<p:sld xmlns:a="http://schemas.openxmlformats.org/drawingml/2006/main" xmlns:r="http://schemas.openxmlformats.org/officeDocument/2006/relationships" xmlns:p="http://schemas.openxmlformats.org/presentationml/2006/main">
+  <p:cSld>
+    <p:spTree>
+      <p:nvGrpSpPr>
         <p:cNvPr id="1" name=""/>
         <p:cNvGrpSpPr/>
         <p:nvPr/>
@@ -7461,7 +7712,7 @@
             <a:pPr algn="ctr"/>
             <a:r>
               <a:rPr lang="nl-NL" sz="9000" b="1" dirty="0"/>
-              <a:t>(Grafische) Rekenmachine</a:t>
+              <a:t>Getallen</a:t>
             </a:r>
           </a:p>
         </p:txBody>
@@ -7469,120 +7720,7 @@
     </p:spTree>
     <p:extLst>
       <p:ext uri="{BB962C8B-B14F-4D97-AF65-F5344CB8AC3E}">
-        <p14:creationId xmlns:p14="http://schemas.microsoft.com/office/powerpoint/2010/main" val="1608787423"/>
-      </p:ext>
-    </p:extLst>
-  </p:cSld>
-  <p:clrMapOvr>
-    <a:masterClrMapping/>
-  </p:clrMapOvr>
-</p:sld>
-</file>
-
-<file path=ppt/slides/slide10.xml><?xml version="1.0" encoding="utf-8"?>
-<p:sld xmlns:a="http://schemas.openxmlformats.org/drawingml/2006/main" xmlns:r="http://schemas.openxmlformats.org/officeDocument/2006/relationships" xmlns:p="http://schemas.openxmlformats.org/presentationml/2006/main">
-  <p:cSld>
-    <p:spTree>
-      <p:nvGrpSpPr>
-        <p:cNvPr id="1" name=""/>
-        <p:cNvGrpSpPr/>
-        <p:nvPr/>
-      </p:nvGrpSpPr>
-      <p:grpSpPr>
-        <a:xfrm>
-          <a:off x="0" y="0"/>
-          <a:ext cx="0" cy="0"/>
-          <a:chOff x="0" y="0"/>
-          <a:chExt cx="0" cy="0"/>
-        </a:xfrm>
-      </p:grpSpPr>
-      <p:sp>
-        <p:nvSpPr>
-          <p:cNvPr id="2" name="Titel 1">
-            <a:extLst>
-              <a:ext uri="{FF2B5EF4-FFF2-40B4-BE49-F238E27FC236}">
-                <a16:creationId xmlns:a16="http://schemas.microsoft.com/office/drawing/2014/main" id="{73168B85-7905-DEBC-34BC-B73EB909DDCD}"/>
-              </a:ext>
-            </a:extLst>
-          </p:cNvPr>
-          <p:cNvSpPr>
-            <a:spLocks noGrp="1"/>
-          </p:cNvSpPr>
-          <p:nvPr>
-            <p:ph type="title"/>
-          </p:nvPr>
-        </p:nvSpPr>
-        <p:spPr/>
-        <p:txBody>
-          <a:bodyPr/>
-          <a:lstStyle/>
-          <a:p>
-            <a:r>
-              <a:rPr lang="nl-NL" dirty="0"/>
-              <a:t>Wiskunde Termen</a:t>
-            </a:r>
-          </a:p>
-        </p:txBody>
-      </p:sp>
-      <p:sp>
-        <p:nvSpPr>
-          <p:cNvPr id="4" name="Titel 1">
-            <a:extLst>
-              <a:ext uri="{FF2B5EF4-FFF2-40B4-BE49-F238E27FC236}">
-                <a16:creationId xmlns:a16="http://schemas.microsoft.com/office/drawing/2014/main" id="{61ED484A-E87E-7D07-D06C-3D405D336CC2}"/>
-              </a:ext>
-            </a:extLst>
-          </p:cNvPr>
-          <p:cNvSpPr txBox="1">
-            <a:spLocks/>
-          </p:cNvSpPr>
-          <p:nvPr/>
-        </p:nvSpPr>
-        <p:spPr>
-          <a:xfrm>
-            <a:off x="1524000" y="2105897"/>
-            <a:ext cx="9144000" cy="2646206"/>
-          </a:xfrm>
-          <a:prstGeom prst="rect">
-            <a:avLst/>
-          </a:prstGeom>
-        </p:spPr>
-        <p:txBody>
-          <a:bodyPr vert="horz" lIns="91440" tIns="45720" rIns="91440" bIns="45720" rtlCol="0" anchor="ctr">
-            <a:normAutofit fontScale="97500"/>
-          </a:bodyPr>
-          <a:lstStyle>
-            <a:lvl1pPr algn="l" defTabSz="914400" rtl="0" eaLnBrk="1" latinLnBrk="0" hangingPunct="1">
-              <a:lnSpc>
-                <a:spcPct val="90000"/>
-              </a:lnSpc>
-              <a:spcBef>
-                <a:spcPct val="0"/>
-              </a:spcBef>
-              <a:buNone/>
-              <a:defRPr sz="4400" kern="1200">
-                <a:solidFill>
-                  <a:schemeClr val="tx1"/>
-                </a:solidFill>
-                <a:latin typeface="+mj-lt"/>
-                <a:ea typeface="+mj-ea"/>
-                <a:cs typeface="+mj-cs"/>
-              </a:defRPr>
-            </a:lvl1pPr>
-          </a:lstStyle>
-          <a:p>
-            <a:pPr algn="ctr"/>
-            <a:r>
-              <a:rPr lang="nl-NL" sz="9000" b="1" dirty="0"/>
-              <a:t>Afronden</a:t>
-            </a:r>
-          </a:p>
-        </p:txBody>
-      </p:sp>
-    </p:spTree>
-    <p:extLst>
-      <p:ext uri="{BB962C8B-B14F-4D97-AF65-F5344CB8AC3E}">
-        <p14:creationId xmlns:p14="http://schemas.microsoft.com/office/powerpoint/2010/main" val="2595439381"/>
+        <p14:creationId xmlns:p14="http://schemas.microsoft.com/office/powerpoint/2010/main" val="2984149347"/>
       </p:ext>
     </p:extLst>
   </p:cSld>
@@ -7639,7 +7777,7 @@
           <a:p>
             <a:r>
               <a:rPr lang="nl-NL" dirty="0"/>
-              <a:t>Afronden</a:t>
+              <a:t>Getallen</a:t>
             </a:r>
           </a:p>
         </p:txBody>
@@ -7674,7 +7812,13 @@
           <a:p>
             <a:r>
               <a:rPr lang="nl-NL" dirty="0"/>
-              <a:t>Afronden wordt gebruikt wanneer </a:t>
+              <a:t>Met getallen kun je een hoeveelheid aangeven.</a:t>
+            </a:r>
+          </a:p>
+          <a:p>
+            <a:r>
+              <a:rPr lang="nl-NL" dirty="0"/>
+              <a:t>Een getal bestaat uit </a:t>
             </a:r>
             <a:r>
               <a:rPr lang="nl-NL" dirty="0">
@@ -7682,11 +7826,13 @@
                   <a:srgbClr val="7030A0"/>
                 </a:solidFill>
               </a:rPr>
-              <a:t>getallen</a:t>
-            </a:r>
+              <a:t>cijfers.</a:t>
+            </a:r>
+          </a:p>
+          <a:p>
             <a:r>
               <a:rPr lang="nl-NL" dirty="0"/>
-              <a:t> te veel </a:t>
+              <a:t>Er zijn verschillende soorten getallen zoals </a:t>
             </a:r>
             <a:r>
               <a:rPr lang="nl-NL" dirty="0">
@@ -7694,27 +7840,24 @@
                   <a:srgbClr val="7030A0"/>
                 </a:solidFill>
               </a:rPr>
-              <a:t>decimalen</a:t>
+              <a:t>negatieve getallen </a:t>
             </a:r>
             <a:r>
               <a:rPr lang="nl-NL" dirty="0"/>
-              <a:t> hebben om op te schrijven.</a:t>
-            </a:r>
-          </a:p>
-          <a:p>
+              <a:t>of </a:t>
+            </a:r>
+            <a:r>
+              <a:rPr lang="nl-NL" dirty="0">
+                <a:solidFill>
+                  <a:srgbClr val="7030A0"/>
+                </a:solidFill>
+              </a:rPr>
+              <a:t>decimalen getallen</a:t>
+            </a:r>
             <a:r>
               <a:rPr lang="nl-NL" dirty="0"/>
-              <a:t>Door af te ronden worden getallen minder nauwkeurig.</a:t>
-            </a:r>
-          </a:p>
-          <a:p>
-            <a:r>
-              <a:rPr lang="nl-NL" dirty="0"/>
-              <a:t>Bij afronden is het altijd belangrijk rekening te houden waar je mee bezig bent.</a:t>
-            </a:r>
-          </a:p>
-          <a:p>
-            <a:endParaRPr lang="nl-NL" dirty="0"/>
+              <a:t>.</a:t>
+            </a:r>
           </a:p>
           <a:p>
             <a:endParaRPr lang="nl-NL" dirty="0"/>
@@ -7727,7 +7870,7 @@
     </p:spTree>
     <p:extLst>
       <p:ext uri="{BB962C8B-B14F-4D97-AF65-F5344CB8AC3E}">
-        <p14:creationId xmlns:p14="http://schemas.microsoft.com/office/powerpoint/2010/main" val="457220940"/>
+        <p14:creationId xmlns:p14="http://schemas.microsoft.com/office/powerpoint/2010/main" val="581594001"/>
       </p:ext>
     </p:extLst>
   </p:cSld>
@@ -7784,13 +7927,450 @@
           <a:p>
             <a:r>
               <a:rPr lang="nl-NL" dirty="0"/>
-              <a:t>Voorbeeld Afronden</a:t>
+              <a:t>Voorbeeld Getallen</a:t>
             </a:r>
           </a:p>
         </p:txBody>
       </p:sp>
-      <mc:AlternateContent xmlns:mc="http://schemas.openxmlformats.org/markup-compatibility/2006">
-        <mc:Choice xmlns:a14="http://schemas.microsoft.com/office/drawing/2010/main" Requires="a14">
+      <mc:AlternateContent xmlns:mc="http://schemas.openxmlformats.org/markup-compatibility/2006" xmlns:a14="http://schemas.microsoft.com/office/drawing/2010/main">
+        <mc:Choice Requires="a14">
+          <p:sp>
+            <p:nvSpPr>
+              <p:cNvPr id="6" name="Ondertitel 2">
+                <a:extLst>
+                  <a:ext uri="{FF2B5EF4-FFF2-40B4-BE49-F238E27FC236}">
+                    <a16:creationId xmlns:a16="http://schemas.microsoft.com/office/drawing/2014/main" id="{6D9B39CE-FD5E-EBF7-47C7-30A62A12EA8D}"/>
+                  </a:ext>
+                </a:extLst>
+              </p:cNvPr>
+              <p:cNvSpPr>
+                <a:spLocks noGrp="1"/>
+              </p:cNvSpPr>
+              <p:nvPr>
+                <p:ph type="subTitle" idx="1"/>
+              </p:nvPr>
+            </p:nvSpPr>
+            <p:spPr>
+              <a:xfrm>
+                <a:off x="1390584" y="1905977"/>
+                <a:ext cx="9410830" cy="2530747"/>
+              </a:xfrm>
+            </p:spPr>
+            <p:txBody>
+              <a:bodyPr>
+                <a:normAutofit/>
+              </a:bodyPr>
+              <a:lstStyle/>
+              <a:p>
+                <a:r>
+                  <a:rPr lang="nl-NL" dirty="0"/>
+                  <a:t>3</a:t>
+                </a:r>
+              </a:p>
+              <a:p>
+                <a:r>
+                  <a:rPr lang="nl-NL" dirty="0"/>
+                  <a:t>-56</a:t>
+                </a:r>
+              </a:p>
+              <a:p>
+                <a:r>
+                  <a:rPr lang="nl-NL" dirty="0"/>
+                  <a:t>45,5</a:t>
+                </a:r>
+              </a:p>
+              <a:p>
+                <a:pPr/>
+                <a14:m>
+                  <m:oMathPara xmlns:m="http://schemas.openxmlformats.org/officeDocument/2006/math">
+                    <m:oMathParaPr>
+                      <m:jc m:val="centerGroup"/>
+                    </m:oMathParaPr>
+                    <m:oMath xmlns:m="http://schemas.openxmlformats.org/officeDocument/2006/math">
+                      <m:r>
+                        <a:rPr lang="nl-NL" i="1" smtClean="0">
+                          <a:latin typeface="Cambria Math" panose="02040503050406030204" pitchFamily="18" charset="0"/>
+                          <a:ea typeface="Cambria Math" panose="02040503050406030204" pitchFamily="18" charset="0"/>
+                        </a:rPr>
+                        <m:t>𝜋</m:t>
+                      </m:r>
+                    </m:oMath>
+                  </m:oMathPara>
+                </a14:m>
+                <a:endParaRPr lang="nl-NL" dirty="0"/>
+              </a:p>
+            </p:txBody>
+          </p:sp>
+        </mc:Choice>
+        <mc:Fallback xmlns="">
+          <p:sp>
+            <p:nvSpPr>
+              <p:cNvPr id="6" name="Ondertitel 2">
+                <a:extLst>
+                  <a:ext uri="{FF2B5EF4-FFF2-40B4-BE49-F238E27FC236}">
+                    <a16:creationId xmlns:a16="http://schemas.microsoft.com/office/drawing/2014/main" id="{6D9B39CE-FD5E-EBF7-47C7-30A62A12EA8D}"/>
+                  </a:ext>
+                </a:extLst>
+              </p:cNvPr>
+              <p:cNvSpPr>
+                <a:spLocks noGrp="1" noRot="1" noChangeAspect="1" noMove="1" noResize="1" noEditPoints="1" noAdjustHandles="1" noChangeArrowheads="1" noChangeShapeType="1" noTextEdit="1"/>
+              </p:cNvSpPr>
+              <p:nvPr>
+                <p:ph type="subTitle" idx="1"/>
+              </p:nvPr>
+            </p:nvSpPr>
+            <p:spPr>
+              <a:xfrm>
+                <a:off x="1390584" y="1905977"/>
+                <a:ext cx="9410830" cy="2530747"/>
+              </a:xfrm>
+              <a:blipFill>
+                <a:blip r:embed="rId2"/>
+                <a:stretch>
+                  <a:fillRect t="-3373"/>
+                </a:stretch>
+              </a:blipFill>
+            </p:spPr>
+            <p:txBody>
+              <a:bodyPr/>
+              <a:lstStyle/>
+              <a:p>
+                <a:r>
+                  <a:rPr lang="nl-NL">
+                    <a:noFill/>
+                  </a:rPr>
+                  <a:t> </a:t>
+                </a:r>
+              </a:p>
+            </p:txBody>
+          </p:sp>
+        </mc:Fallback>
+      </mc:AlternateContent>
+    </p:spTree>
+    <p:extLst>
+      <p:ext uri="{BB962C8B-B14F-4D97-AF65-F5344CB8AC3E}">
+        <p14:creationId xmlns:p14="http://schemas.microsoft.com/office/powerpoint/2010/main" val="2182118663"/>
+      </p:ext>
+    </p:extLst>
+  </p:cSld>
+  <p:clrMapOvr>
+    <a:masterClrMapping/>
+  </p:clrMapOvr>
+</p:sld>
+</file>
+
+<file path=ppt/slides/slide13.xml><?xml version="1.0" encoding="utf-8"?>
+<p:sld xmlns:a="http://schemas.openxmlformats.org/drawingml/2006/main" xmlns:r="http://schemas.openxmlformats.org/officeDocument/2006/relationships" xmlns:p="http://schemas.openxmlformats.org/presentationml/2006/main">
+  <p:cSld>
+    <p:spTree>
+      <p:nvGrpSpPr>
+        <p:cNvPr id="1" name=""/>
+        <p:cNvGrpSpPr/>
+        <p:nvPr/>
+      </p:nvGrpSpPr>
+      <p:grpSpPr>
+        <a:xfrm>
+          <a:off x="0" y="0"/>
+          <a:ext cx="0" cy="0"/>
+          <a:chOff x="0" y="0"/>
+          <a:chExt cx="0" cy="0"/>
+        </a:xfrm>
+      </p:grpSpPr>
+      <p:sp>
+        <p:nvSpPr>
+          <p:cNvPr id="2" name="Titel 1">
+            <a:extLst>
+              <a:ext uri="{FF2B5EF4-FFF2-40B4-BE49-F238E27FC236}">
+                <a16:creationId xmlns:a16="http://schemas.microsoft.com/office/drawing/2014/main" id="{73168B85-7905-DEBC-34BC-B73EB909DDCD}"/>
+              </a:ext>
+            </a:extLst>
+          </p:cNvPr>
+          <p:cNvSpPr>
+            <a:spLocks noGrp="1"/>
+          </p:cNvSpPr>
+          <p:nvPr>
+            <p:ph type="title"/>
+          </p:nvPr>
+        </p:nvSpPr>
+        <p:spPr/>
+        <p:txBody>
+          <a:bodyPr/>
+          <a:lstStyle/>
+          <a:p>
+            <a:r>
+              <a:rPr lang="nl-NL" dirty="0"/>
+              <a:t>Wiskunde Termen</a:t>
+            </a:r>
+          </a:p>
+        </p:txBody>
+      </p:sp>
+      <p:sp>
+        <p:nvSpPr>
+          <p:cNvPr id="4" name="Titel 1">
+            <a:extLst>
+              <a:ext uri="{FF2B5EF4-FFF2-40B4-BE49-F238E27FC236}">
+                <a16:creationId xmlns:a16="http://schemas.microsoft.com/office/drawing/2014/main" id="{61ED484A-E87E-7D07-D06C-3D405D336CC2}"/>
+              </a:ext>
+            </a:extLst>
+          </p:cNvPr>
+          <p:cNvSpPr txBox="1">
+            <a:spLocks/>
+          </p:cNvSpPr>
+          <p:nvPr/>
+        </p:nvSpPr>
+        <p:spPr>
+          <a:xfrm>
+            <a:off x="1524000" y="2105897"/>
+            <a:ext cx="9144000" cy="2646206"/>
+          </a:xfrm>
+          <a:prstGeom prst="rect">
+            <a:avLst/>
+          </a:prstGeom>
+        </p:spPr>
+        <p:txBody>
+          <a:bodyPr vert="horz" lIns="91440" tIns="45720" rIns="91440" bIns="45720" rtlCol="0" anchor="ctr">
+            <a:normAutofit fontScale="97500"/>
+          </a:bodyPr>
+          <a:lstStyle>
+            <a:lvl1pPr algn="l" defTabSz="914400" rtl="0" eaLnBrk="1" latinLnBrk="0" hangingPunct="1">
+              <a:lnSpc>
+                <a:spcPct val="90000"/>
+              </a:lnSpc>
+              <a:spcBef>
+                <a:spcPct val="0"/>
+              </a:spcBef>
+              <a:buNone/>
+              <a:defRPr sz="4400" kern="1200">
+                <a:solidFill>
+                  <a:schemeClr val="tx1"/>
+                </a:solidFill>
+                <a:latin typeface="+mj-lt"/>
+                <a:ea typeface="+mj-ea"/>
+                <a:cs typeface="+mj-cs"/>
+              </a:defRPr>
+            </a:lvl1pPr>
+          </a:lstStyle>
+          <a:p>
+            <a:pPr algn="ctr"/>
+            <a:r>
+              <a:rPr lang="nl-NL" sz="9000" b="1" dirty="0"/>
+              <a:t>Afronden</a:t>
+            </a:r>
+          </a:p>
+        </p:txBody>
+      </p:sp>
+    </p:spTree>
+    <p:extLst>
+      <p:ext uri="{BB962C8B-B14F-4D97-AF65-F5344CB8AC3E}">
+        <p14:creationId xmlns:p14="http://schemas.microsoft.com/office/powerpoint/2010/main" val="2595439381"/>
+      </p:ext>
+    </p:extLst>
+  </p:cSld>
+  <p:clrMapOvr>
+    <a:masterClrMapping/>
+  </p:clrMapOvr>
+</p:sld>
+</file>
+
+<file path=ppt/slides/slide14.xml><?xml version="1.0" encoding="utf-8"?>
+<p:sld xmlns:a="http://schemas.openxmlformats.org/drawingml/2006/main" xmlns:r="http://schemas.openxmlformats.org/officeDocument/2006/relationships" xmlns:p="http://schemas.openxmlformats.org/presentationml/2006/main">
+  <p:cSld>
+    <p:spTree>
+      <p:nvGrpSpPr>
+        <p:cNvPr id="1" name=""/>
+        <p:cNvGrpSpPr/>
+        <p:nvPr/>
+      </p:nvGrpSpPr>
+      <p:grpSpPr>
+        <a:xfrm>
+          <a:off x="0" y="0"/>
+          <a:ext cx="0" cy="0"/>
+          <a:chOff x="0" y="0"/>
+          <a:chExt cx="0" cy="0"/>
+        </a:xfrm>
+      </p:grpSpPr>
+      <p:sp>
+        <p:nvSpPr>
+          <p:cNvPr id="2" name="Titel 1">
+            <a:extLst>
+              <a:ext uri="{FF2B5EF4-FFF2-40B4-BE49-F238E27FC236}">
+                <a16:creationId xmlns:a16="http://schemas.microsoft.com/office/drawing/2014/main" id="{C2F5861A-BCDE-D2A4-C355-05C8119ED351}"/>
+              </a:ext>
+            </a:extLst>
+          </p:cNvPr>
+          <p:cNvSpPr>
+            <a:spLocks noGrp="1"/>
+          </p:cNvSpPr>
+          <p:nvPr>
+            <p:ph type="ctrTitle"/>
+          </p:nvPr>
+        </p:nvSpPr>
+        <p:spPr>
+          <a:xfrm>
+            <a:off x="101599" y="236482"/>
+            <a:ext cx="11988800" cy="892887"/>
+          </a:xfrm>
+        </p:spPr>
+        <p:txBody>
+          <a:bodyPr>
+            <a:normAutofit fontScale="90000"/>
+          </a:bodyPr>
+          <a:lstStyle/>
+          <a:p>
+            <a:r>
+              <a:rPr lang="nl-NL" dirty="0"/>
+              <a:t>Afronden</a:t>
+            </a:r>
+          </a:p>
+        </p:txBody>
+      </p:sp>
+      <p:sp>
+        <p:nvSpPr>
+          <p:cNvPr id="3" name="Ondertitel 2">
+            <a:extLst>
+              <a:ext uri="{FF2B5EF4-FFF2-40B4-BE49-F238E27FC236}">
+                <a16:creationId xmlns:a16="http://schemas.microsoft.com/office/drawing/2014/main" id="{7988AA68-FB88-7C7C-5E47-2AE86A2EFD72}"/>
+              </a:ext>
+            </a:extLst>
+          </p:cNvPr>
+          <p:cNvSpPr>
+            <a:spLocks noGrp="1"/>
+          </p:cNvSpPr>
+          <p:nvPr>
+            <p:ph type="subTitle" idx="1"/>
+          </p:nvPr>
+        </p:nvSpPr>
+        <p:spPr>
+          <a:xfrm>
+            <a:off x="351724" y="1342364"/>
+            <a:ext cx="11488549" cy="2530747"/>
+          </a:xfrm>
+        </p:spPr>
+        <p:txBody>
+          <a:bodyPr>
+            <a:normAutofit/>
+          </a:bodyPr>
+          <a:lstStyle/>
+          <a:p>
+            <a:r>
+              <a:rPr lang="nl-NL" dirty="0"/>
+              <a:t>Afronden wordt gebruikt wanneer </a:t>
+            </a:r>
+            <a:r>
+              <a:rPr lang="nl-NL" dirty="0">
+                <a:solidFill>
+                  <a:srgbClr val="7030A0"/>
+                </a:solidFill>
+              </a:rPr>
+              <a:t>getallen</a:t>
+            </a:r>
+            <a:r>
+              <a:rPr lang="nl-NL" dirty="0"/>
+              <a:t> te veel </a:t>
+            </a:r>
+            <a:r>
+              <a:rPr lang="nl-NL" dirty="0">
+                <a:solidFill>
+                  <a:srgbClr val="7030A0"/>
+                </a:solidFill>
+              </a:rPr>
+              <a:t>decimalen</a:t>
+            </a:r>
+            <a:r>
+              <a:rPr lang="nl-NL" dirty="0"/>
+              <a:t> hebben om op te schrijven.</a:t>
+            </a:r>
+          </a:p>
+          <a:p>
+            <a:r>
+              <a:rPr lang="nl-NL" dirty="0"/>
+              <a:t>Door af te ronden worden getallen minder nauwkeurig.</a:t>
+            </a:r>
+          </a:p>
+          <a:p>
+            <a:r>
+              <a:rPr lang="nl-NL" dirty="0"/>
+              <a:t>Bij afronden is het altijd belangrijk rekening te houden waar je mee bezig bent.</a:t>
+            </a:r>
+          </a:p>
+          <a:p>
+            <a:endParaRPr lang="nl-NL" dirty="0"/>
+          </a:p>
+          <a:p>
+            <a:endParaRPr lang="nl-NL" dirty="0"/>
+          </a:p>
+          <a:p>
+            <a:endParaRPr lang="nl-NL" dirty="0"/>
+          </a:p>
+        </p:txBody>
+      </p:sp>
+    </p:spTree>
+    <p:extLst>
+      <p:ext uri="{BB962C8B-B14F-4D97-AF65-F5344CB8AC3E}">
+        <p14:creationId xmlns:p14="http://schemas.microsoft.com/office/powerpoint/2010/main" val="457220940"/>
+      </p:ext>
+    </p:extLst>
+  </p:cSld>
+  <p:clrMapOvr>
+    <a:masterClrMapping/>
+  </p:clrMapOvr>
+</p:sld>
+</file>
+
+<file path=ppt/slides/slide15.xml><?xml version="1.0" encoding="utf-8"?>
+<p:sld xmlns:a="http://schemas.openxmlformats.org/drawingml/2006/main" xmlns:r="http://schemas.openxmlformats.org/officeDocument/2006/relationships" xmlns:p="http://schemas.openxmlformats.org/presentationml/2006/main">
+  <p:cSld>
+    <p:spTree>
+      <p:nvGrpSpPr>
+        <p:cNvPr id="1" name=""/>
+        <p:cNvGrpSpPr/>
+        <p:nvPr/>
+      </p:nvGrpSpPr>
+      <p:grpSpPr>
+        <a:xfrm>
+          <a:off x="0" y="0"/>
+          <a:ext cx="0" cy="0"/>
+          <a:chOff x="0" y="0"/>
+          <a:chExt cx="0" cy="0"/>
+        </a:xfrm>
+      </p:grpSpPr>
+      <p:sp>
+        <p:nvSpPr>
+          <p:cNvPr id="2" name="Titel 1">
+            <a:extLst>
+              <a:ext uri="{FF2B5EF4-FFF2-40B4-BE49-F238E27FC236}">
+                <a16:creationId xmlns:a16="http://schemas.microsoft.com/office/drawing/2014/main" id="{C2F5861A-BCDE-D2A4-C355-05C8119ED351}"/>
+              </a:ext>
+            </a:extLst>
+          </p:cNvPr>
+          <p:cNvSpPr>
+            <a:spLocks noGrp="1"/>
+          </p:cNvSpPr>
+          <p:nvPr>
+            <p:ph type="ctrTitle"/>
+          </p:nvPr>
+        </p:nvSpPr>
+        <p:spPr>
+          <a:xfrm>
+            <a:off x="431532" y="386224"/>
+            <a:ext cx="11328934" cy="963493"/>
+          </a:xfrm>
+        </p:spPr>
+        <p:txBody>
+          <a:bodyPr>
+            <a:normAutofit/>
+          </a:bodyPr>
+          <a:lstStyle/>
+          <a:p>
+            <a:r>
+              <a:rPr lang="nl-NL" dirty="0"/>
+              <a:t>Voorbeeld Afronden</a:t>
+            </a:r>
+          </a:p>
+        </p:txBody>
+      </p:sp>
+      <mc:AlternateContent xmlns:mc="http://schemas.openxmlformats.org/markup-compatibility/2006" xmlns:a14="http://schemas.microsoft.com/office/drawing/2010/main">
+        <mc:Choice Requires="a14">
           <p:sp>
             <p:nvSpPr>
               <p:cNvPr id="6" name="Ondertitel 2">
@@ -7868,7 +8448,7 @@
             </p:txBody>
           </p:sp>
         </mc:Choice>
-        <mc:Fallback>
+        <mc:Fallback xmlns="">
           <p:sp>
             <p:nvSpPr>
               <p:cNvPr id="6" name="Ondertitel 2">
@@ -7925,7 +8505,7 @@
 </p:sld>
 </file>
 
-<file path=ppt/slides/slide13.xml><?xml version="1.0" encoding="utf-8"?>
+<file path=ppt/slides/slide16.xml><?xml version="1.0" encoding="utf-8"?>
 <p:sld xmlns:a="http://schemas.openxmlformats.org/drawingml/2006/main" xmlns:r="http://schemas.openxmlformats.org/officeDocument/2006/relationships" xmlns:p="http://schemas.openxmlformats.org/presentationml/2006/main">
   <p:cSld>
     <p:spTree>
@@ -8038,7 +8618,7 @@
 </p:sld>
 </file>
 
-<file path=ppt/slides/slide14.xml><?xml version="1.0" encoding="utf-8"?>
+<file path=ppt/slides/slide17.xml><?xml version="1.0" encoding="utf-8"?>
 <p:sld xmlns:a="http://schemas.openxmlformats.org/drawingml/2006/main" xmlns:r="http://schemas.openxmlformats.org/officeDocument/2006/relationships" xmlns:p="http://schemas.openxmlformats.org/presentationml/2006/main">
   <p:cSld>
     <p:spTree>
@@ -8264,7 +8844,7 @@
 </p:sld>
 </file>
 
-<file path=ppt/slides/slide15.xml><?xml version="1.0" encoding="utf-8"?>
+<file path=ppt/slides/slide18.xml><?xml version="1.0" encoding="utf-8"?>
 <p:sld xmlns:a="http://schemas.openxmlformats.org/drawingml/2006/main" xmlns:r="http://schemas.openxmlformats.org/officeDocument/2006/relationships" xmlns:p="http://schemas.openxmlformats.org/presentationml/2006/main">
   <p:cSld>
     <p:spTree>
@@ -8385,7 +8965,7 @@
 </p:sld>
 </file>
 
-<file path=ppt/slides/slide16.xml><?xml version="1.0" encoding="utf-8"?>
+<file path=ppt/slides/slide19.xml><?xml version="1.0" encoding="utf-8"?>
 <p:sld xmlns:a="http://schemas.openxmlformats.org/drawingml/2006/main" xmlns:r="http://schemas.openxmlformats.org/officeDocument/2006/relationships" xmlns:p="http://schemas.openxmlformats.org/presentationml/2006/main">
   <p:cSld>
     <p:spTree>
@@ -8498,12 +9078,18 @@
 </p:sld>
 </file>
 
-<file path=ppt/slides/slide17.xml><?xml version="1.0" encoding="utf-8"?>
+<file path=ppt/slides/slide2.xml><?xml version="1.0" encoding="utf-8"?>
 <p:sld xmlns:a="http://schemas.openxmlformats.org/drawingml/2006/main" xmlns:r="http://schemas.openxmlformats.org/officeDocument/2006/relationships" xmlns:p="http://schemas.openxmlformats.org/presentationml/2006/main">
   <p:cSld>
     <p:spTree>
       <p:nvGrpSpPr>
-        <p:cNvPr id="1" name=""/>
+        <p:cNvPr id="1" name="">
+          <a:extLst>
+            <a:ext uri="{FF2B5EF4-FFF2-40B4-BE49-F238E27FC236}">
+              <a16:creationId xmlns:a16="http://schemas.microsoft.com/office/drawing/2014/main" id="{8573FCA3-C774-BE74-27EC-04FB84D58A02}"/>
+            </a:ext>
+          </a:extLst>
+        </p:cNvPr>
         <p:cNvGrpSpPr/>
         <p:nvPr/>
       </p:nvGrpSpPr>
@@ -8520,7 +9106,7 @@
           <p:cNvPr id="2" name="Titel 1">
             <a:extLst>
               <a:ext uri="{FF2B5EF4-FFF2-40B4-BE49-F238E27FC236}">
-                <a16:creationId xmlns:a16="http://schemas.microsoft.com/office/drawing/2014/main" id="{C2F5861A-BCDE-D2A4-C355-05C8119ED351}"/>
+                <a16:creationId xmlns:a16="http://schemas.microsoft.com/office/drawing/2014/main" id="{4F5E7110-568C-643B-4679-2D2DE5F5A8F2}"/>
               </a:ext>
             </a:extLst>
           </p:cNvPr>
@@ -8545,7 +9131,7 @@
           <a:p>
             <a:r>
               <a:rPr lang="nl-NL" dirty="0"/>
-              <a:t>Cijfer</a:t>
+              <a:t>Wortel</a:t>
             </a:r>
           </a:p>
         </p:txBody>
@@ -8555,7 +9141,7 @@
           <p:cNvPr id="3" name="Ondertitel 2">
             <a:extLst>
               <a:ext uri="{FF2B5EF4-FFF2-40B4-BE49-F238E27FC236}">
-                <a16:creationId xmlns:a16="http://schemas.microsoft.com/office/drawing/2014/main" id="{7988AA68-FB88-7C7C-5E47-2AE86A2EFD72}"/>
+                <a16:creationId xmlns:a16="http://schemas.microsoft.com/office/drawing/2014/main" id="{22BA88A2-8ACA-79B3-F1A3-A0E075F631EC}"/>
               </a:ext>
             </a:extLst>
           </p:cNvPr>
@@ -8568,8 +9154,8 @@
         </p:nvSpPr>
         <p:spPr>
           <a:xfrm>
-            <a:off x="351724" y="1342364"/>
-            <a:ext cx="11488549" cy="2530747"/>
+            <a:off x="101598" y="1342364"/>
+            <a:ext cx="11988799" cy="2530747"/>
           </a:xfrm>
         </p:spPr>
         <p:txBody>
@@ -8580,7 +9166,7 @@
           <a:p>
             <a:r>
               <a:rPr lang="nl-NL" dirty="0"/>
-              <a:t>Cijfers worden gebruikt om </a:t>
+              <a:t>Voor het berekenen van de wortel zoek je een </a:t>
             </a:r>
             <a:r>
               <a:rPr lang="nl-NL" dirty="0">
@@ -8588,17 +9174,65 @@
                   <a:srgbClr val="7030A0"/>
                 </a:solidFill>
               </a:rPr>
-              <a:t>getallen</a:t>
+              <a:t>getal</a:t>
             </a:r>
             <a:r>
               <a:rPr lang="nl-NL" dirty="0"/>
-              <a:t> mee te maken.</a:t>
-            </a:r>
-          </a:p>
-          <a:p>
+              <a:t> dat </a:t>
+            </a:r>
+            <a:r>
+              <a:rPr lang="nl-NL" dirty="0">
+                <a:solidFill>
+                  <a:srgbClr val="7030A0"/>
+                </a:solidFill>
+              </a:rPr>
+              <a:t>vermenigvuldigd</a:t>
+            </a:r>
             <a:r>
               <a:rPr lang="nl-NL" dirty="0"/>
-              <a:t>We kennen tien verschillende cijfers.</a:t>
+              <a:t> met zichzelf op het getal uitkomt onder het wortel teken.</a:t>
+            </a:r>
+          </a:p>
+          <a:p>
+            <a:r>
+              <a:rPr lang="nl-NL" dirty="0"/>
+              <a:t>Het tegenovergestelde van de wortel is het </a:t>
+            </a:r>
+            <a:r>
+              <a:rPr lang="nl-NL" dirty="0">
+                <a:solidFill>
+                  <a:srgbClr val="7030A0"/>
+                </a:solidFill>
+              </a:rPr>
+              <a:t>kwadraat</a:t>
+            </a:r>
+            <a:r>
+              <a:rPr lang="nl-NL" dirty="0"/>
+              <a:t>. </a:t>
+            </a:r>
+          </a:p>
+          <a:p>
+            <a:r>
+              <a:rPr lang="nl-NL" dirty="0"/>
+              <a:t>Wanneer het getal onder de wortel </a:t>
+            </a:r>
+            <a:r>
+              <a:rPr lang="nl-NL" dirty="0">
+                <a:solidFill>
+                  <a:srgbClr val="7030A0"/>
+                </a:solidFill>
+              </a:rPr>
+              <a:t>negatief</a:t>
+            </a:r>
+            <a:r>
+              <a:rPr lang="nl-NL" dirty="0"/>
+              <a:t> bestaan er (nog) geen uitkomsten.</a:t>
+            </a:r>
+          </a:p>
+          <a:p>
+            <a:r>
+              <a:rPr lang="nl-NL" dirty="0"/>
+              <a:t>Twee getallen met elkaar vermenigvuldigd worden namelijk niet negatief.</a:t>
             </a:r>
           </a:p>
           <a:p>
@@ -8618,341 +9252,7 @@
     </p:spTree>
     <p:extLst>
       <p:ext uri="{BB962C8B-B14F-4D97-AF65-F5344CB8AC3E}">
-        <p14:creationId xmlns:p14="http://schemas.microsoft.com/office/powerpoint/2010/main" val="1771678081"/>
-      </p:ext>
-    </p:extLst>
-  </p:cSld>
-  <p:clrMapOvr>
-    <a:masterClrMapping/>
-  </p:clrMapOvr>
-</p:sld>
-</file>
-
-<file path=ppt/slides/slide18.xml><?xml version="1.0" encoding="utf-8"?>
-<p:sld xmlns:a="http://schemas.openxmlformats.org/drawingml/2006/main" xmlns:r="http://schemas.openxmlformats.org/officeDocument/2006/relationships" xmlns:p="http://schemas.openxmlformats.org/presentationml/2006/main">
-  <p:cSld>
-    <p:spTree>
-      <p:nvGrpSpPr>
-        <p:cNvPr id="1" name=""/>
-        <p:cNvGrpSpPr/>
-        <p:nvPr/>
-      </p:nvGrpSpPr>
-      <p:grpSpPr>
-        <a:xfrm>
-          <a:off x="0" y="0"/>
-          <a:ext cx="0" cy="0"/>
-          <a:chOff x="0" y="0"/>
-          <a:chExt cx="0" cy="0"/>
-        </a:xfrm>
-      </p:grpSpPr>
-      <p:sp>
-        <p:nvSpPr>
-          <p:cNvPr id="2" name="Titel 1">
-            <a:extLst>
-              <a:ext uri="{FF2B5EF4-FFF2-40B4-BE49-F238E27FC236}">
-                <a16:creationId xmlns:a16="http://schemas.microsoft.com/office/drawing/2014/main" id="{C2F5861A-BCDE-D2A4-C355-05C8119ED351}"/>
-              </a:ext>
-            </a:extLst>
-          </p:cNvPr>
-          <p:cNvSpPr>
-            <a:spLocks noGrp="1"/>
-          </p:cNvSpPr>
-          <p:nvPr>
-            <p:ph type="ctrTitle"/>
-          </p:nvPr>
-        </p:nvSpPr>
-        <p:spPr>
-          <a:xfrm>
-            <a:off x="431532" y="386224"/>
-            <a:ext cx="11328934" cy="963493"/>
-          </a:xfrm>
-        </p:spPr>
-        <p:txBody>
-          <a:bodyPr>
-            <a:normAutofit/>
-          </a:bodyPr>
-          <a:lstStyle/>
-          <a:p>
-            <a:r>
-              <a:rPr lang="nl-NL" dirty="0"/>
-              <a:t>Voorbeeld cijfer</a:t>
-            </a:r>
-          </a:p>
-        </p:txBody>
-      </p:sp>
-      <p:sp>
-        <p:nvSpPr>
-          <p:cNvPr id="6" name="Ondertitel 2">
-            <a:extLst>
-              <a:ext uri="{FF2B5EF4-FFF2-40B4-BE49-F238E27FC236}">
-                <a16:creationId xmlns:a16="http://schemas.microsoft.com/office/drawing/2014/main" id="{6D9B39CE-FD5E-EBF7-47C7-30A62A12EA8D}"/>
-              </a:ext>
-            </a:extLst>
-          </p:cNvPr>
-          <p:cNvSpPr>
-            <a:spLocks noGrp="1"/>
-          </p:cNvSpPr>
-          <p:nvPr>
-            <p:ph type="subTitle" idx="1"/>
-          </p:nvPr>
-        </p:nvSpPr>
-        <p:spPr>
-          <a:xfrm>
-            <a:off x="1390584" y="1905977"/>
-            <a:ext cx="9410830" cy="2530747"/>
-          </a:xfrm>
-        </p:spPr>
-        <p:txBody>
-          <a:bodyPr>
-            <a:normAutofit/>
-          </a:bodyPr>
-          <a:lstStyle/>
-          <a:p>
-            <a:endParaRPr lang="nl-NL" dirty="0"/>
-          </a:p>
-          <a:p>
-            <a:endParaRPr lang="nl-NL" dirty="0"/>
-          </a:p>
-          <a:p>
-            <a:r>
-              <a:rPr lang="nl-NL" sz="2400" dirty="0"/>
-              <a:t>0	1	2	3	4	5	6	7	8	9			</a:t>
-            </a:r>
-            <a:endParaRPr lang="nl-NL" dirty="0"/>
-          </a:p>
-        </p:txBody>
-      </p:sp>
-    </p:spTree>
-    <p:extLst>
-      <p:ext uri="{BB962C8B-B14F-4D97-AF65-F5344CB8AC3E}">
-        <p14:creationId xmlns:p14="http://schemas.microsoft.com/office/powerpoint/2010/main" val="3022350527"/>
-      </p:ext>
-    </p:extLst>
-  </p:cSld>
-  <p:clrMapOvr>
-    <a:masterClrMapping/>
-  </p:clrMapOvr>
-</p:sld>
-</file>
-
-<file path=ppt/slides/slide19.xml><?xml version="1.0" encoding="utf-8"?>
-<p:sld xmlns:a="http://schemas.openxmlformats.org/drawingml/2006/main" xmlns:r="http://schemas.openxmlformats.org/officeDocument/2006/relationships" xmlns:p="http://schemas.openxmlformats.org/presentationml/2006/main">
-  <p:cSld>
-    <p:spTree>
-      <p:nvGrpSpPr>
-        <p:cNvPr id="1" name=""/>
-        <p:cNvGrpSpPr/>
-        <p:nvPr/>
-      </p:nvGrpSpPr>
-      <p:grpSpPr>
-        <a:xfrm>
-          <a:off x="0" y="0"/>
-          <a:ext cx="0" cy="0"/>
-          <a:chOff x="0" y="0"/>
-          <a:chExt cx="0" cy="0"/>
-        </a:xfrm>
-      </p:grpSpPr>
-      <p:sp>
-        <p:nvSpPr>
-          <p:cNvPr id="2" name="Titel 1">
-            <a:extLst>
-              <a:ext uri="{FF2B5EF4-FFF2-40B4-BE49-F238E27FC236}">
-                <a16:creationId xmlns:a16="http://schemas.microsoft.com/office/drawing/2014/main" id="{73168B85-7905-DEBC-34BC-B73EB909DDCD}"/>
-              </a:ext>
-            </a:extLst>
-          </p:cNvPr>
-          <p:cNvSpPr>
-            <a:spLocks noGrp="1"/>
-          </p:cNvSpPr>
-          <p:nvPr>
-            <p:ph type="title"/>
-          </p:nvPr>
-        </p:nvSpPr>
-        <p:spPr/>
-        <p:txBody>
-          <a:bodyPr/>
-          <a:lstStyle/>
-          <a:p>
-            <a:r>
-              <a:rPr lang="nl-NL" dirty="0"/>
-              <a:t>Wiskunde Termen</a:t>
-            </a:r>
-          </a:p>
-        </p:txBody>
-      </p:sp>
-      <p:sp>
-        <p:nvSpPr>
-          <p:cNvPr id="4" name="Titel 1">
-            <a:extLst>
-              <a:ext uri="{FF2B5EF4-FFF2-40B4-BE49-F238E27FC236}">
-                <a16:creationId xmlns:a16="http://schemas.microsoft.com/office/drawing/2014/main" id="{61ED484A-E87E-7D07-D06C-3D405D336CC2}"/>
-              </a:ext>
-            </a:extLst>
-          </p:cNvPr>
-          <p:cNvSpPr txBox="1">
-            <a:spLocks/>
-          </p:cNvSpPr>
-          <p:nvPr/>
-        </p:nvSpPr>
-        <p:spPr>
-          <a:xfrm>
-            <a:off x="1524000" y="2105897"/>
-            <a:ext cx="9144000" cy="2646206"/>
-          </a:xfrm>
-          <a:prstGeom prst="rect">
-            <a:avLst/>
-          </a:prstGeom>
-        </p:spPr>
-        <p:txBody>
-          <a:bodyPr vert="horz" lIns="91440" tIns="45720" rIns="91440" bIns="45720" rtlCol="0" anchor="ctr">
-            <a:normAutofit fontScale="97500"/>
-          </a:bodyPr>
-          <a:lstStyle>
-            <a:lvl1pPr algn="l" defTabSz="914400" rtl="0" eaLnBrk="1" latinLnBrk="0" hangingPunct="1">
-              <a:lnSpc>
-                <a:spcPct val="90000"/>
-              </a:lnSpc>
-              <a:spcBef>
-                <a:spcPct val="0"/>
-              </a:spcBef>
-              <a:buNone/>
-              <a:defRPr sz="4400" kern="1200">
-                <a:solidFill>
-                  <a:schemeClr val="tx1"/>
-                </a:solidFill>
-                <a:latin typeface="+mj-lt"/>
-                <a:ea typeface="+mj-ea"/>
-                <a:cs typeface="+mj-cs"/>
-              </a:defRPr>
-            </a:lvl1pPr>
-          </a:lstStyle>
-          <a:p>
-            <a:pPr algn="ctr"/>
-            <a:r>
-              <a:rPr lang="nl-NL" sz="9000" b="1" dirty="0"/>
-              <a:t>Komma</a:t>
-            </a:r>
-          </a:p>
-        </p:txBody>
-      </p:sp>
-    </p:spTree>
-    <p:extLst>
-      <p:ext uri="{BB962C8B-B14F-4D97-AF65-F5344CB8AC3E}">
-        <p14:creationId xmlns:p14="http://schemas.microsoft.com/office/powerpoint/2010/main" val="2949255087"/>
-      </p:ext>
-    </p:extLst>
-  </p:cSld>
-  <p:clrMapOvr>
-    <a:masterClrMapping/>
-  </p:clrMapOvr>
-</p:sld>
-</file>
-
-<file path=ppt/slides/slide2.xml><?xml version="1.0" encoding="utf-8"?>
-<p:sld xmlns:a="http://schemas.openxmlformats.org/drawingml/2006/main" xmlns:r="http://schemas.openxmlformats.org/officeDocument/2006/relationships" xmlns:p="http://schemas.openxmlformats.org/presentationml/2006/main">
-  <p:cSld>
-    <p:spTree>
-      <p:nvGrpSpPr>
-        <p:cNvPr id="1" name=""/>
-        <p:cNvGrpSpPr/>
-        <p:nvPr/>
-      </p:nvGrpSpPr>
-      <p:grpSpPr>
-        <a:xfrm>
-          <a:off x="0" y="0"/>
-          <a:ext cx="0" cy="0"/>
-          <a:chOff x="0" y="0"/>
-          <a:chExt cx="0" cy="0"/>
-        </a:xfrm>
-      </p:grpSpPr>
-      <p:sp>
-        <p:nvSpPr>
-          <p:cNvPr id="2" name="Titel 1">
-            <a:extLst>
-              <a:ext uri="{FF2B5EF4-FFF2-40B4-BE49-F238E27FC236}">
-                <a16:creationId xmlns:a16="http://schemas.microsoft.com/office/drawing/2014/main" id="{C2F5861A-BCDE-D2A4-C355-05C8119ED351}"/>
-              </a:ext>
-            </a:extLst>
-          </p:cNvPr>
-          <p:cNvSpPr>
-            <a:spLocks noGrp="1"/>
-          </p:cNvSpPr>
-          <p:nvPr>
-            <p:ph type="ctrTitle"/>
-          </p:nvPr>
-        </p:nvSpPr>
-        <p:spPr>
-          <a:xfrm>
-            <a:off x="101599" y="236482"/>
-            <a:ext cx="11988800" cy="892887"/>
-          </a:xfrm>
-        </p:spPr>
-        <p:txBody>
-          <a:bodyPr>
-            <a:normAutofit fontScale="90000"/>
-          </a:bodyPr>
-          <a:lstStyle/>
-          <a:p>
-            <a:r>
-              <a:rPr lang="nl-NL" dirty="0"/>
-              <a:t>(Grafische) Rekenmachine</a:t>
-            </a:r>
-          </a:p>
-        </p:txBody>
-      </p:sp>
-      <p:sp>
-        <p:nvSpPr>
-          <p:cNvPr id="3" name="Ondertitel 2">
-            <a:extLst>
-              <a:ext uri="{FF2B5EF4-FFF2-40B4-BE49-F238E27FC236}">
-                <a16:creationId xmlns:a16="http://schemas.microsoft.com/office/drawing/2014/main" id="{7988AA68-FB88-7C7C-5E47-2AE86A2EFD72}"/>
-              </a:ext>
-            </a:extLst>
-          </p:cNvPr>
-          <p:cNvSpPr>
-            <a:spLocks noGrp="1"/>
-          </p:cNvSpPr>
-          <p:nvPr>
-            <p:ph type="subTitle" idx="1"/>
-          </p:nvPr>
-        </p:nvSpPr>
-        <p:spPr>
-          <a:xfrm>
-            <a:off x="390029" y="1342364"/>
-            <a:ext cx="11200120" cy="2530747"/>
-          </a:xfrm>
-        </p:spPr>
-        <p:txBody>
-          <a:bodyPr>
-            <a:normAutofit/>
-          </a:bodyPr>
-          <a:lstStyle/>
-          <a:p>
-            <a:r>
-              <a:rPr lang="nl-NL" dirty="0"/>
-              <a:t>De rekenmachine </a:t>
-            </a:r>
-            <a:r>
-              <a:rPr lang="nl-NL"/>
-              <a:t>wordt gebruikt om </a:t>
-            </a:r>
-            <a:endParaRPr lang="nl-NL" dirty="0"/>
-          </a:p>
-          <a:p>
-            <a:endParaRPr lang="nl-NL" dirty="0"/>
-          </a:p>
-          <a:p>
-            <a:endParaRPr lang="nl-NL" dirty="0"/>
-          </a:p>
-          <a:p>
-            <a:endParaRPr lang="nl-NL" dirty="0"/>
-          </a:p>
-        </p:txBody>
-      </p:sp>
-    </p:spTree>
-    <p:extLst>
-      <p:ext uri="{BB962C8B-B14F-4D97-AF65-F5344CB8AC3E}">
-        <p14:creationId xmlns:p14="http://schemas.microsoft.com/office/powerpoint/2010/main" val="2882090153"/>
+        <p14:creationId xmlns:p14="http://schemas.microsoft.com/office/powerpoint/2010/main" val="841888341"/>
       </p:ext>
     </p:extLst>
   </p:cSld>
@@ -9009,7 +9309,7 @@
           <a:p>
             <a:r>
               <a:rPr lang="nl-NL" dirty="0"/>
-              <a:t>Komma</a:t>
+              <a:t>Cijfer</a:t>
             </a:r>
           </a:p>
         </p:txBody>
@@ -9044,6 +9344,356 @@
           <a:p>
             <a:r>
               <a:rPr lang="nl-NL" dirty="0"/>
+              <a:t>Cijfers worden gebruikt om </a:t>
+            </a:r>
+            <a:r>
+              <a:rPr lang="nl-NL" dirty="0">
+                <a:solidFill>
+                  <a:srgbClr val="7030A0"/>
+                </a:solidFill>
+              </a:rPr>
+              <a:t>getallen</a:t>
+            </a:r>
+            <a:r>
+              <a:rPr lang="nl-NL" dirty="0"/>
+              <a:t> mee te maken.</a:t>
+            </a:r>
+          </a:p>
+          <a:p>
+            <a:r>
+              <a:rPr lang="nl-NL" dirty="0"/>
+              <a:t>We kennen tien verschillende cijfers.</a:t>
+            </a:r>
+          </a:p>
+          <a:p>
+            <a:endParaRPr lang="nl-NL" dirty="0"/>
+          </a:p>
+          <a:p>
+            <a:endParaRPr lang="nl-NL" dirty="0"/>
+          </a:p>
+          <a:p>
+            <a:endParaRPr lang="nl-NL" dirty="0"/>
+          </a:p>
+          <a:p>
+            <a:endParaRPr lang="nl-NL" dirty="0"/>
+          </a:p>
+        </p:txBody>
+      </p:sp>
+    </p:spTree>
+    <p:extLst>
+      <p:ext uri="{BB962C8B-B14F-4D97-AF65-F5344CB8AC3E}">
+        <p14:creationId xmlns:p14="http://schemas.microsoft.com/office/powerpoint/2010/main" val="1771678081"/>
+      </p:ext>
+    </p:extLst>
+  </p:cSld>
+  <p:clrMapOvr>
+    <a:masterClrMapping/>
+  </p:clrMapOvr>
+</p:sld>
+</file>
+
+<file path=ppt/slides/slide21.xml><?xml version="1.0" encoding="utf-8"?>
+<p:sld xmlns:a="http://schemas.openxmlformats.org/drawingml/2006/main" xmlns:r="http://schemas.openxmlformats.org/officeDocument/2006/relationships" xmlns:p="http://schemas.openxmlformats.org/presentationml/2006/main">
+  <p:cSld>
+    <p:spTree>
+      <p:nvGrpSpPr>
+        <p:cNvPr id="1" name=""/>
+        <p:cNvGrpSpPr/>
+        <p:nvPr/>
+      </p:nvGrpSpPr>
+      <p:grpSpPr>
+        <a:xfrm>
+          <a:off x="0" y="0"/>
+          <a:ext cx="0" cy="0"/>
+          <a:chOff x="0" y="0"/>
+          <a:chExt cx="0" cy="0"/>
+        </a:xfrm>
+      </p:grpSpPr>
+      <p:sp>
+        <p:nvSpPr>
+          <p:cNvPr id="2" name="Titel 1">
+            <a:extLst>
+              <a:ext uri="{FF2B5EF4-FFF2-40B4-BE49-F238E27FC236}">
+                <a16:creationId xmlns:a16="http://schemas.microsoft.com/office/drawing/2014/main" id="{C2F5861A-BCDE-D2A4-C355-05C8119ED351}"/>
+              </a:ext>
+            </a:extLst>
+          </p:cNvPr>
+          <p:cNvSpPr>
+            <a:spLocks noGrp="1"/>
+          </p:cNvSpPr>
+          <p:nvPr>
+            <p:ph type="ctrTitle"/>
+          </p:nvPr>
+        </p:nvSpPr>
+        <p:spPr>
+          <a:xfrm>
+            <a:off x="431532" y="386224"/>
+            <a:ext cx="11328934" cy="963493"/>
+          </a:xfrm>
+        </p:spPr>
+        <p:txBody>
+          <a:bodyPr>
+            <a:normAutofit/>
+          </a:bodyPr>
+          <a:lstStyle/>
+          <a:p>
+            <a:r>
+              <a:rPr lang="nl-NL" dirty="0"/>
+              <a:t>Voorbeeld cijfer</a:t>
+            </a:r>
+          </a:p>
+        </p:txBody>
+      </p:sp>
+      <p:sp>
+        <p:nvSpPr>
+          <p:cNvPr id="6" name="Ondertitel 2">
+            <a:extLst>
+              <a:ext uri="{FF2B5EF4-FFF2-40B4-BE49-F238E27FC236}">
+                <a16:creationId xmlns:a16="http://schemas.microsoft.com/office/drawing/2014/main" id="{6D9B39CE-FD5E-EBF7-47C7-30A62A12EA8D}"/>
+              </a:ext>
+            </a:extLst>
+          </p:cNvPr>
+          <p:cNvSpPr>
+            <a:spLocks noGrp="1"/>
+          </p:cNvSpPr>
+          <p:nvPr>
+            <p:ph type="subTitle" idx="1"/>
+          </p:nvPr>
+        </p:nvSpPr>
+        <p:spPr>
+          <a:xfrm>
+            <a:off x="1390584" y="1905977"/>
+            <a:ext cx="9410830" cy="2530747"/>
+          </a:xfrm>
+        </p:spPr>
+        <p:txBody>
+          <a:bodyPr>
+            <a:normAutofit/>
+          </a:bodyPr>
+          <a:lstStyle/>
+          <a:p>
+            <a:endParaRPr lang="nl-NL" dirty="0"/>
+          </a:p>
+          <a:p>
+            <a:endParaRPr lang="nl-NL" dirty="0"/>
+          </a:p>
+          <a:p>
+            <a:r>
+              <a:rPr lang="nl-NL" sz="2400" dirty="0"/>
+              <a:t>0	1	2	3	4	5	6	7	8	9			</a:t>
+            </a:r>
+            <a:endParaRPr lang="nl-NL" dirty="0"/>
+          </a:p>
+        </p:txBody>
+      </p:sp>
+    </p:spTree>
+    <p:extLst>
+      <p:ext uri="{BB962C8B-B14F-4D97-AF65-F5344CB8AC3E}">
+        <p14:creationId xmlns:p14="http://schemas.microsoft.com/office/powerpoint/2010/main" val="3022350527"/>
+      </p:ext>
+    </p:extLst>
+  </p:cSld>
+  <p:clrMapOvr>
+    <a:masterClrMapping/>
+  </p:clrMapOvr>
+</p:sld>
+</file>
+
+<file path=ppt/slides/slide22.xml><?xml version="1.0" encoding="utf-8"?>
+<p:sld xmlns:a="http://schemas.openxmlformats.org/drawingml/2006/main" xmlns:r="http://schemas.openxmlformats.org/officeDocument/2006/relationships" xmlns:p="http://schemas.openxmlformats.org/presentationml/2006/main">
+  <p:cSld>
+    <p:spTree>
+      <p:nvGrpSpPr>
+        <p:cNvPr id="1" name=""/>
+        <p:cNvGrpSpPr/>
+        <p:nvPr/>
+      </p:nvGrpSpPr>
+      <p:grpSpPr>
+        <a:xfrm>
+          <a:off x="0" y="0"/>
+          <a:ext cx="0" cy="0"/>
+          <a:chOff x="0" y="0"/>
+          <a:chExt cx="0" cy="0"/>
+        </a:xfrm>
+      </p:grpSpPr>
+      <p:sp>
+        <p:nvSpPr>
+          <p:cNvPr id="2" name="Titel 1">
+            <a:extLst>
+              <a:ext uri="{FF2B5EF4-FFF2-40B4-BE49-F238E27FC236}">
+                <a16:creationId xmlns:a16="http://schemas.microsoft.com/office/drawing/2014/main" id="{73168B85-7905-DEBC-34BC-B73EB909DDCD}"/>
+              </a:ext>
+            </a:extLst>
+          </p:cNvPr>
+          <p:cNvSpPr>
+            <a:spLocks noGrp="1"/>
+          </p:cNvSpPr>
+          <p:nvPr>
+            <p:ph type="title"/>
+          </p:nvPr>
+        </p:nvSpPr>
+        <p:spPr/>
+        <p:txBody>
+          <a:bodyPr/>
+          <a:lstStyle/>
+          <a:p>
+            <a:r>
+              <a:rPr lang="nl-NL" dirty="0"/>
+              <a:t>Wiskunde Termen</a:t>
+            </a:r>
+          </a:p>
+        </p:txBody>
+      </p:sp>
+      <p:sp>
+        <p:nvSpPr>
+          <p:cNvPr id="4" name="Titel 1">
+            <a:extLst>
+              <a:ext uri="{FF2B5EF4-FFF2-40B4-BE49-F238E27FC236}">
+                <a16:creationId xmlns:a16="http://schemas.microsoft.com/office/drawing/2014/main" id="{61ED484A-E87E-7D07-D06C-3D405D336CC2}"/>
+              </a:ext>
+            </a:extLst>
+          </p:cNvPr>
+          <p:cNvSpPr txBox="1">
+            <a:spLocks/>
+          </p:cNvSpPr>
+          <p:nvPr/>
+        </p:nvSpPr>
+        <p:spPr>
+          <a:xfrm>
+            <a:off x="1524000" y="2105897"/>
+            <a:ext cx="9144000" cy="2646206"/>
+          </a:xfrm>
+          <a:prstGeom prst="rect">
+            <a:avLst/>
+          </a:prstGeom>
+        </p:spPr>
+        <p:txBody>
+          <a:bodyPr vert="horz" lIns="91440" tIns="45720" rIns="91440" bIns="45720" rtlCol="0" anchor="ctr">
+            <a:normAutofit fontScale="97500"/>
+          </a:bodyPr>
+          <a:lstStyle>
+            <a:lvl1pPr algn="l" defTabSz="914400" rtl="0" eaLnBrk="1" latinLnBrk="0" hangingPunct="1">
+              <a:lnSpc>
+                <a:spcPct val="90000"/>
+              </a:lnSpc>
+              <a:spcBef>
+                <a:spcPct val="0"/>
+              </a:spcBef>
+              <a:buNone/>
+              <a:defRPr sz="4400" kern="1200">
+                <a:solidFill>
+                  <a:schemeClr val="tx1"/>
+                </a:solidFill>
+                <a:latin typeface="+mj-lt"/>
+                <a:ea typeface="+mj-ea"/>
+                <a:cs typeface="+mj-cs"/>
+              </a:defRPr>
+            </a:lvl1pPr>
+          </a:lstStyle>
+          <a:p>
+            <a:pPr algn="ctr"/>
+            <a:r>
+              <a:rPr lang="nl-NL" sz="9000" b="1" dirty="0"/>
+              <a:t>Komma</a:t>
+            </a:r>
+          </a:p>
+        </p:txBody>
+      </p:sp>
+    </p:spTree>
+    <p:extLst>
+      <p:ext uri="{BB962C8B-B14F-4D97-AF65-F5344CB8AC3E}">
+        <p14:creationId xmlns:p14="http://schemas.microsoft.com/office/powerpoint/2010/main" val="2949255087"/>
+      </p:ext>
+    </p:extLst>
+  </p:cSld>
+  <p:clrMapOvr>
+    <a:masterClrMapping/>
+  </p:clrMapOvr>
+</p:sld>
+</file>
+
+<file path=ppt/slides/slide23.xml><?xml version="1.0" encoding="utf-8"?>
+<p:sld xmlns:a="http://schemas.openxmlformats.org/drawingml/2006/main" xmlns:r="http://schemas.openxmlformats.org/officeDocument/2006/relationships" xmlns:p="http://schemas.openxmlformats.org/presentationml/2006/main">
+  <p:cSld>
+    <p:spTree>
+      <p:nvGrpSpPr>
+        <p:cNvPr id="1" name=""/>
+        <p:cNvGrpSpPr/>
+        <p:nvPr/>
+      </p:nvGrpSpPr>
+      <p:grpSpPr>
+        <a:xfrm>
+          <a:off x="0" y="0"/>
+          <a:ext cx="0" cy="0"/>
+          <a:chOff x="0" y="0"/>
+          <a:chExt cx="0" cy="0"/>
+        </a:xfrm>
+      </p:grpSpPr>
+      <p:sp>
+        <p:nvSpPr>
+          <p:cNvPr id="2" name="Titel 1">
+            <a:extLst>
+              <a:ext uri="{FF2B5EF4-FFF2-40B4-BE49-F238E27FC236}">
+                <a16:creationId xmlns:a16="http://schemas.microsoft.com/office/drawing/2014/main" id="{C2F5861A-BCDE-D2A4-C355-05C8119ED351}"/>
+              </a:ext>
+            </a:extLst>
+          </p:cNvPr>
+          <p:cNvSpPr>
+            <a:spLocks noGrp="1"/>
+          </p:cNvSpPr>
+          <p:nvPr>
+            <p:ph type="ctrTitle"/>
+          </p:nvPr>
+        </p:nvSpPr>
+        <p:spPr>
+          <a:xfrm>
+            <a:off x="101599" y="236482"/>
+            <a:ext cx="11988800" cy="892887"/>
+          </a:xfrm>
+        </p:spPr>
+        <p:txBody>
+          <a:bodyPr>
+            <a:normAutofit fontScale="90000"/>
+          </a:bodyPr>
+          <a:lstStyle/>
+          <a:p>
+            <a:r>
+              <a:rPr lang="nl-NL" dirty="0"/>
+              <a:t>Komma</a:t>
+            </a:r>
+          </a:p>
+        </p:txBody>
+      </p:sp>
+      <p:sp>
+        <p:nvSpPr>
+          <p:cNvPr id="3" name="Ondertitel 2">
+            <a:extLst>
+              <a:ext uri="{FF2B5EF4-FFF2-40B4-BE49-F238E27FC236}">
+                <a16:creationId xmlns:a16="http://schemas.microsoft.com/office/drawing/2014/main" id="{7988AA68-FB88-7C7C-5E47-2AE86A2EFD72}"/>
+              </a:ext>
+            </a:extLst>
+          </p:cNvPr>
+          <p:cNvSpPr>
+            <a:spLocks noGrp="1"/>
+          </p:cNvSpPr>
+          <p:nvPr>
+            <p:ph type="subTitle" idx="1"/>
+          </p:nvPr>
+        </p:nvSpPr>
+        <p:spPr>
+          <a:xfrm>
+            <a:off x="351724" y="1342364"/>
+            <a:ext cx="11488549" cy="2530747"/>
+          </a:xfrm>
+        </p:spPr>
+        <p:txBody>
+          <a:bodyPr>
+            <a:normAutofit/>
+          </a:bodyPr>
+          <a:lstStyle/>
+          <a:p>
+            <a:r>
+              <a:rPr lang="nl-NL" dirty="0"/>
               <a:t>De Komma wordt gebruikt als scheiding tussen de </a:t>
             </a:r>
             <a:r>
@@ -9117,7 +9767,7 @@
 </p:sld>
 </file>
 
-<file path=ppt/slides/slide21.xml><?xml version="1.0" encoding="utf-8"?>
+<file path=ppt/slides/slide24.xml><?xml version="1.0" encoding="utf-8"?>
 <p:sld xmlns:a="http://schemas.openxmlformats.org/drawingml/2006/main" xmlns:r="http://schemas.openxmlformats.org/officeDocument/2006/relationships" xmlns:p="http://schemas.openxmlformats.org/presentationml/2006/main">
   <p:cSld>
     <p:spTree>
@@ -9416,7 +10066,7 @@
 </p:sld>
 </file>
 
-<file path=ppt/slides/slide22.xml><?xml version="1.0" encoding="utf-8"?>
+<file path=ppt/slides/slide25.xml><?xml version="1.0" encoding="utf-8"?>
 <p:sld xmlns:a="http://schemas.openxmlformats.org/drawingml/2006/main" xmlns:r="http://schemas.openxmlformats.org/officeDocument/2006/relationships" xmlns:p="http://schemas.openxmlformats.org/presentationml/2006/main">
   <p:cSld>
     <p:spTree>
@@ -9543,7 +10193,7 @@
 </p:sld>
 </file>
 
-<file path=ppt/slides/slide23.xml><?xml version="1.0" encoding="utf-8"?>
+<file path=ppt/slides/slide26.xml><?xml version="1.0" encoding="utf-8"?>
 <p:sld xmlns:a="http://schemas.openxmlformats.org/drawingml/2006/main" xmlns:r="http://schemas.openxmlformats.org/officeDocument/2006/relationships" xmlns:p="http://schemas.openxmlformats.org/presentationml/2006/main">
   <p:cSld>
     <p:spTree>
@@ -9699,7 +10349,7 @@
 </p:sld>
 </file>
 
-<file path=ppt/slides/slide24.xml><?xml version="1.0" encoding="utf-8"?>
+<file path=ppt/slides/slide27.xml><?xml version="1.0" encoding="utf-8"?>
 <p:sld xmlns:a="http://schemas.openxmlformats.org/drawingml/2006/main" xmlns:r="http://schemas.openxmlformats.org/officeDocument/2006/relationships" xmlns:p="http://schemas.openxmlformats.org/presentationml/2006/main">
   <p:cSld>
     <p:spTree>
@@ -10009,7 +10659,13 @@
   <p:cSld>
     <p:spTree>
       <p:nvGrpSpPr>
-        <p:cNvPr id="1" name=""/>
+        <p:cNvPr id="1" name="">
+          <a:extLst>
+            <a:ext uri="{FF2B5EF4-FFF2-40B4-BE49-F238E27FC236}">
+              <a16:creationId xmlns:a16="http://schemas.microsoft.com/office/drawing/2014/main" id="{48C616EB-6398-9596-0B61-4F66439272D9}"/>
+            </a:ext>
+          </a:extLst>
+        </p:cNvPr>
         <p:cNvGrpSpPr/>
         <p:nvPr/>
       </p:nvGrpSpPr>
@@ -10026,7 +10682,7 @@
           <p:cNvPr id="2" name="Titel 1">
             <a:extLst>
               <a:ext uri="{FF2B5EF4-FFF2-40B4-BE49-F238E27FC236}">
-                <a16:creationId xmlns:a16="http://schemas.microsoft.com/office/drawing/2014/main" id="{C2F5861A-BCDE-D2A4-C355-05C8119ED351}"/>
+                <a16:creationId xmlns:a16="http://schemas.microsoft.com/office/drawing/2014/main" id="{539BF98E-118C-1BEB-3C87-A4683102E978}"/>
               </a:ext>
             </a:extLst>
           </p:cNvPr>
@@ -10045,13 +10701,13 @@
         </p:spPr>
         <p:txBody>
           <a:bodyPr>
-            <a:normAutofit fontScale="90000"/>
+            <a:normAutofit/>
           </a:bodyPr>
           <a:lstStyle/>
           <a:p>
             <a:r>
               <a:rPr lang="nl-NL" dirty="0"/>
-              <a:t>Voorbeeld (Grafische) Rekenmachine</a:t>
+              <a:t>Wortel</a:t>
             </a:r>
           </a:p>
         </p:txBody>
@@ -10063,7 +10719,7 @@
               <p:cNvPr id="6" name="Ondertitel 2">
                 <a:extLst>
                   <a:ext uri="{FF2B5EF4-FFF2-40B4-BE49-F238E27FC236}">
-                    <a16:creationId xmlns:a16="http://schemas.microsoft.com/office/drawing/2014/main" id="{6D9B39CE-FD5E-EBF7-47C7-30A62A12EA8D}"/>
+                    <a16:creationId xmlns:a16="http://schemas.microsoft.com/office/drawing/2014/main" id="{67914899-6876-7F6D-4EC7-CCA5A626635C}"/>
                   </a:ext>
                 </a:extLst>
               </p:cNvPr>
@@ -10086,70 +10742,167 @@
               </a:bodyPr>
               <a:lstStyle/>
               <a:p>
+                <a:pPr/>
+                <a:r>
+                  <a:rPr lang="nl-NL" dirty="0"/>
+                  <a:t>De wortel van 49 is </a:t>
+                </a:r>
                 <a14:m>
-                  <m:oMathPara xmlns:m="http://schemas.openxmlformats.org/officeDocument/2006/math">
-                    <m:oMathParaPr>
-                      <m:jc m:val="centerGroup"/>
-                    </m:oMathParaPr>
-                    <m:oMath xmlns:m="http://schemas.openxmlformats.org/officeDocument/2006/math">
-                      <m:r>
-                        <a:rPr lang="nl-NL" b="0" i="1" smtClean="0">
-                          <a:latin typeface="Cambria Math" panose="02040503050406030204" pitchFamily="18" charset="0"/>
-                        </a:rPr>
-                        <m:t>−5</m:t>
-                      </m:r>
-                    </m:oMath>
-                  </m:oMathPara>
+                  <m:oMath xmlns:m="http://schemas.openxmlformats.org/officeDocument/2006/math">
+                    <m:rad>
+                      <m:radPr>
+                        <m:degHide m:val="on"/>
+                        <m:ctrlPr>
+                          <a:rPr lang="nl-NL" i="1" smtClean="0">
+                            <a:latin typeface="Cambria Math" panose="02040503050406030204" pitchFamily="18" charset="0"/>
+                          </a:rPr>
+                        </m:ctrlPr>
+                      </m:radPr>
+                      <m:deg/>
+                      <m:e>
+                        <m:r>
+                          <a:rPr lang="nl-NL" b="0" i="1" smtClean="0">
+                            <a:latin typeface="Cambria Math" panose="02040503050406030204" pitchFamily="18" charset="0"/>
+                          </a:rPr>
+                          <m:t>49</m:t>
+                        </m:r>
+                      </m:e>
+                    </m:rad>
+                    <m:r>
+                      <a:rPr lang="nl-NL" b="0" i="1" smtClean="0">
+                        <a:latin typeface="Cambria Math" panose="02040503050406030204" pitchFamily="18" charset="0"/>
+                      </a:rPr>
+                      <m:t>=7</m:t>
+                    </m:r>
+                  </m:oMath>
                 </a14:m>
-                <a:endParaRPr lang="nl-NL" b="0" dirty="0"/>
+                <a:r>
+                  <a:rPr lang="nl-NL" dirty="0"/>
+                  <a:t>		want </a:t>
+                </a:r>
+                <a14:m>
+                  <m:oMath xmlns:m="http://schemas.openxmlformats.org/officeDocument/2006/math">
+                    <m:r>
+                      <a:rPr lang="nl-NL" b="0" i="1" smtClean="0">
+                        <a:latin typeface="Cambria Math" panose="02040503050406030204" pitchFamily="18" charset="0"/>
+                      </a:rPr>
+                      <m:t>7</m:t>
+                    </m:r>
+                    <m:r>
+                      <a:rPr lang="nl-NL" b="0" i="1" smtClean="0">
+                        <a:latin typeface="Cambria Math" panose="02040503050406030204" pitchFamily="18" charset="0"/>
+                        <a:ea typeface="Cambria Math" panose="02040503050406030204" pitchFamily="18" charset="0"/>
+                      </a:rPr>
+                      <m:t>∙7=49</m:t>
+                    </m:r>
+                  </m:oMath>
+                </a14:m>
+                <a:endParaRPr lang="nl-NL" dirty="0"/>
               </a:p>
               <a:p>
-                <a:endParaRPr lang="nl-NL" b="0" dirty="0"/>
+                <a:pPr/>
+                <a14:m>
+                  <m:oMath xmlns:m="http://schemas.openxmlformats.org/officeDocument/2006/math">
+                    <m:rad>
+                      <m:radPr>
+                        <m:degHide m:val="on"/>
+                        <m:ctrlPr>
+                          <a:rPr lang="nl-NL" i="1" smtClean="0">
+                            <a:latin typeface="Cambria Math" panose="02040503050406030204" pitchFamily="18" charset="0"/>
+                          </a:rPr>
+                        </m:ctrlPr>
+                      </m:radPr>
+                      <m:deg/>
+                      <m:e>
+                        <m:r>
+                          <a:rPr lang="nl-NL" b="0" i="1" smtClean="0">
+                            <a:latin typeface="Cambria Math" panose="02040503050406030204" pitchFamily="18" charset="0"/>
+                          </a:rPr>
+                          <m:t>64</m:t>
+                        </m:r>
+                      </m:e>
+                    </m:rad>
+                    <m:r>
+                      <a:rPr lang="nl-NL" b="0" i="1" smtClean="0">
+                        <a:latin typeface="Cambria Math" panose="02040503050406030204" pitchFamily="18" charset="0"/>
+                      </a:rPr>
+                      <m:t>=8</m:t>
+                    </m:r>
+                  </m:oMath>
+                </a14:m>
+                <a:r>
+                  <a:rPr lang="nl-NL" i="1" dirty="0">
+                    <a:latin typeface="Cambria Math" panose="02040503050406030204" pitchFamily="18" charset="0"/>
+                  </a:rPr>
+                  <a:t> 	</a:t>
+                </a:r>
+                <a:r>
+                  <a:rPr lang="nl-NL" dirty="0">
+                    <a:latin typeface="Cambria Math" panose="02040503050406030204" pitchFamily="18" charset="0"/>
+                  </a:rPr>
+                  <a:t>	want </a:t>
+                </a:r>
+                <a14:m>
+                  <m:oMath xmlns:m="http://schemas.openxmlformats.org/officeDocument/2006/math">
+                    <m:r>
+                      <a:rPr lang="nl-NL" b="0" i="1" smtClean="0">
+                        <a:latin typeface="Cambria Math" panose="02040503050406030204" pitchFamily="18" charset="0"/>
+                      </a:rPr>
+                      <m:t>8</m:t>
+                    </m:r>
+                    <m:r>
+                      <a:rPr lang="nl-NL" b="0" i="1" smtClean="0">
+                        <a:latin typeface="Cambria Math" panose="02040503050406030204" pitchFamily="18" charset="0"/>
+                        <a:ea typeface="Cambria Math" panose="02040503050406030204" pitchFamily="18" charset="0"/>
+                      </a:rPr>
+                      <m:t>∙8=64</m:t>
+                    </m:r>
+                  </m:oMath>
+                </a14:m>
+                <a:endParaRPr lang="nl-NL" i="1" dirty="0">
+                  <a:latin typeface="Cambria Math" panose="02040503050406030204" pitchFamily="18" charset="0"/>
+                </a:endParaRPr>
               </a:p>
               <a:p>
+                <a:pPr/>
                 <a14:m>
-                  <m:oMathPara xmlns:m="http://schemas.openxmlformats.org/officeDocument/2006/math">
-                    <m:oMathParaPr>
-                      <m:jc m:val="centerGroup"/>
-                    </m:oMathParaPr>
-                    <m:oMath xmlns:m="http://schemas.openxmlformats.org/officeDocument/2006/math">
-                      <m:r>
-                        <a:rPr lang="nl-NL" b="0" i="1" smtClean="0">
-                          <a:latin typeface="Cambria Math" panose="02040503050406030204" pitchFamily="18" charset="0"/>
-                        </a:rPr>
-                        <m:t>9−3=6</m:t>
-                      </m:r>
-                    </m:oMath>
-                  </m:oMathPara>
+                  <m:oMath xmlns:m="http://schemas.openxmlformats.org/officeDocument/2006/math">
+                    <m:rad>
+                      <m:radPr>
+                        <m:degHide m:val="on"/>
+                        <m:ctrlPr>
+                          <a:rPr lang="nl-NL" i="1" smtClean="0">
+                            <a:latin typeface="Cambria Math" panose="02040503050406030204" pitchFamily="18" charset="0"/>
+                          </a:rPr>
+                        </m:ctrlPr>
+                      </m:radPr>
+                      <m:deg/>
+                      <m:e>
+                        <m:r>
+                          <a:rPr lang="nl-NL" b="0" i="1" smtClean="0">
+                            <a:latin typeface="Cambria Math" panose="02040503050406030204" pitchFamily="18" charset="0"/>
+                          </a:rPr>
+                          <m:t>−64</m:t>
+                        </m:r>
+                      </m:e>
+                    </m:rad>
+                  </m:oMath>
                 </a14:m>
-                <a:endParaRPr lang="nl-NL" b="0" dirty="0"/>
-              </a:p>
-              <a:p>
-                <a:endParaRPr lang="nl-NL" b="0" dirty="0"/>
-              </a:p>
-              <a:p>
-                <a14:m>
-                  <m:oMathPara xmlns:m="http://schemas.openxmlformats.org/officeDocument/2006/math">
-                    <m:oMathParaPr>
-                      <m:jc m:val="centerGroup"/>
-                    </m:oMathParaPr>
-                    <m:oMath xmlns:m="http://schemas.openxmlformats.org/officeDocument/2006/math">
-                      <m:r>
-                        <a:rPr lang="nl-NL" b="0" i="1" smtClean="0">
-                          <a:latin typeface="Cambria Math" panose="02040503050406030204" pitchFamily="18" charset="0"/>
-                        </a:rPr>
-                        <m:t>8−−2=8+2=10</m:t>
-                      </m:r>
-                    </m:oMath>
-                  </m:oMathPara>
-                </a14:m>
-                <a:endParaRPr lang="nl-NL" b="0" dirty="0"/>
-              </a:p>
-              <a:p>
                 <a:r>
-                  <a:rPr lang="nl-NL" dirty="0"/>
-                  <a:t>	</a:t>
+                  <a:rPr lang="nl-NL" i="1" dirty="0">
+                    <a:latin typeface="Cambria Math" panose="02040503050406030204" pitchFamily="18" charset="0"/>
+                  </a:rPr>
+                  <a:t> 		</a:t>
                 </a:r>
+                <a:r>
+                  <a:rPr lang="nl-NL" dirty="0">
+                    <a:latin typeface="Cambria Math" panose="02040503050406030204" pitchFamily="18" charset="0"/>
+                  </a:rPr>
+                  <a:t>heeft geen uitkomsten</a:t>
+                </a:r>
+                <a:endParaRPr lang="nl-NL" i="1" dirty="0">
+                  <a:latin typeface="Cambria Math" panose="02040503050406030204" pitchFamily="18" charset="0"/>
+                </a:endParaRPr>
               </a:p>
             </p:txBody>
           </p:sp>
@@ -10160,7 +10913,7 @@
               <p:cNvPr id="6" name="Ondertitel 2">
                 <a:extLst>
                   <a:ext uri="{FF2B5EF4-FFF2-40B4-BE49-F238E27FC236}">
-                    <a16:creationId xmlns:a16="http://schemas.microsoft.com/office/drawing/2014/main" id="{6D9B39CE-FD5E-EBF7-47C7-30A62A12EA8D}"/>
+                    <a16:creationId xmlns:a16="http://schemas.microsoft.com/office/drawing/2014/main" id="{67914899-6876-7F6D-4EC7-CCA5A626635C}"/>
                   </a:ext>
                 </a:extLst>
               </p:cNvPr>
@@ -10179,7 +10932,7 @@
               <a:blipFill>
                 <a:blip r:embed="rId2"/>
                 <a:stretch>
-                  <a:fillRect/>
+                  <a:fillRect t="-2169"/>
                 </a:stretch>
               </a:blipFill>
             </p:spPr>
@@ -10201,7 +10954,7 @@
     </p:spTree>
     <p:extLst>
       <p:ext uri="{BB962C8B-B14F-4D97-AF65-F5344CB8AC3E}">
-        <p14:creationId xmlns:p14="http://schemas.microsoft.com/office/powerpoint/2010/main" val="4105687425"/>
+        <p14:creationId xmlns:p14="http://schemas.microsoft.com/office/powerpoint/2010/main" val="1790049523"/>
       </p:ext>
     </p:extLst>
   </p:cSld>
@@ -10212,6 +10965,590 @@
 </file>
 
 <file path=ppt/slides/slide4.xml><?xml version="1.0" encoding="utf-8"?>
+<p:sld xmlns:a="http://schemas.openxmlformats.org/drawingml/2006/main" xmlns:r="http://schemas.openxmlformats.org/officeDocument/2006/relationships" xmlns:p="http://schemas.openxmlformats.org/presentationml/2006/main">
+  <p:cSld>
+    <p:spTree>
+      <p:nvGrpSpPr>
+        <p:cNvPr id="1" name="">
+          <a:extLst>
+            <a:ext uri="{FF2B5EF4-FFF2-40B4-BE49-F238E27FC236}">
+              <a16:creationId xmlns:a16="http://schemas.microsoft.com/office/drawing/2014/main" id="{D3EE63EE-9E5C-4F2C-C84B-5AC8DEFF9061}"/>
+            </a:ext>
+          </a:extLst>
+        </p:cNvPr>
+        <p:cNvGrpSpPr/>
+        <p:nvPr/>
+      </p:nvGrpSpPr>
+      <p:grpSpPr>
+        <a:xfrm>
+          <a:off x="0" y="0"/>
+          <a:ext cx="0" cy="0"/>
+          <a:chOff x="0" y="0"/>
+          <a:chExt cx="0" cy="0"/>
+        </a:xfrm>
+      </p:grpSpPr>
+      <p:sp>
+        <p:nvSpPr>
+          <p:cNvPr id="2" name="Titel 1">
+            <a:extLst>
+              <a:ext uri="{FF2B5EF4-FFF2-40B4-BE49-F238E27FC236}">
+                <a16:creationId xmlns:a16="http://schemas.microsoft.com/office/drawing/2014/main" id="{D2043948-7C34-15A2-B6D4-6EA5B173A4EC}"/>
+              </a:ext>
+            </a:extLst>
+          </p:cNvPr>
+          <p:cNvSpPr>
+            <a:spLocks noGrp="1"/>
+          </p:cNvSpPr>
+          <p:nvPr>
+            <p:ph type="title"/>
+          </p:nvPr>
+        </p:nvSpPr>
+        <p:spPr/>
+        <p:txBody>
+          <a:bodyPr/>
+          <a:lstStyle/>
+          <a:p>
+            <a:r>
+              <a:rPr lang="nl-NL" dirty="0"/>
+              <a:t>Wiskunde Termen</a:t>
+            </a:r>
+          </a:p>
+        </p:txBody>
+      </p:sp>
+      <p:sp>
+        <p:nvSpPr>
+          <p:cNvPr id="4" name="Titel 1">
+            <a:extLst>
+              <a:ext uri="{FF2B5EF4-FFF2-40B4-BE49-F238E27FC236}">
+                <a16:creationId xmlns:a16="http://schemas.microsoft.com/office/drawing/2014/main" id="{76D8BFEF-37FB-008C-487F-356246E6251A}"/>
+              </a:ext>
+            </a:extLst>
+          </p:cNvPr>
+          <p:cNvSpPr txBox="1">
+            <a:spLocks/>
+          </p:cNvSpPr>
+          <p:nvPr/>
+        </p:nvSpPr>
+        <p:spPr>
+          <a:xfrm>
+            <a:off x="1524000" y="2105897"/>
+            <a:ext cx="9144000" cy="2646206"/>
+          </a:xfrm>
+          <a:prstGeom prst="rect">
+            <a:avLst/>
+          </a:prstGeom>
+        </p:spPr>
+        <p:txBody>
+          <a:bodyPr vert="horz" lIns="91440" tIns="45720" rIns="91440" bIns="45720" rtlCol="0" anchor="ctr">
+            <a:normAutofit fontScale="97500"/>
+          </a:bodyPr>
+          <a:lstStyle>
+            <a:lvl1pPr algn="l" defTabSz="914400" rtl="0" eaLnBrk="1" latinLnBrk="0" hangingPunct="1">
+              <a:lnSpc>
+                <a:spcPct val="90000"/>
+              </a:lnSpc>
+              <a:spcBef>
+                <a:spcPct val="0"/>
+              </a:spcBef>
+              <a:buNone/>
+              <a:defRPr sz="4400" kern="1200">
+                <a:solidFill>
+                  <a:schemeClr val="tx1"/>
+                </a:solidFill>
+                <a:latin typeface="+mj-lt"/>
+                <a:ea typeface="+mj-ea"/>
+                <a:cs typeface="+mj-cs"/>
+              </a:defRPr>
+            </a:lvl1pPr>
+          </a:lstStyle>
+          <a:p>
+            <a:pPr algn="ctr"/>
+            <a:r>
+              <a:rPr lang="nl-NL" sz="9000" b="1" dirty="0"/>
+              <a:t>Kwadraat</a:t>
+            </a:r>
+          </a:p>
+        </p:txBody>
+      </p:sp>
+    </p:spTree>
+    <p:extLst>
+      <p:ext uri="{BB962C8B-B14F-4D97-AF65-F5344CB8AC3E}">
+        <p14:creationId xmlns:p14="http://schemas.microsoft.com/office/powerpoint/2010/main" val="1532022343"/>
+      </p:ext>
+    </p:extLst>
+  </p:cSld>
+  <p:clrMapOvr>
+    <a:masterClrMapping/>
+  </p:clrMapOvr>
+</p:sld>
+</file>
+
+<file path=ppt/slides/slide5.xml><?xml version="1.0" encoding="utf-8"?>
+<p:sld xmlns:a="http://schemas.openxmlformats.org/drawingml/2006/main" xmlns:r="http://schemas.openxmlformats.org/officeDocument/2006/relationships" xmlns:p="http://schemas.openxmlformats.org/presentationml/2006/main">
+  <p:cSld>
+    <p:spTree>
+      <p:nvGrpSpPr>
+        <p:cNvPr id="1" name="">
+          <a:extLst>
+            <a:ext uri="{FF2B5EF4-FFF2-40B4-BE49-F238E27FC236}">
+              <a16:creationId xmlns:a16="http://schemas.microsoft.com/office/drawing/2014/main" id="{7525303D-51DF-FAFF-3940-D5B1F7E39773}"/>
+            </a:ext>
+          </a:extLst>
+        </p:cNvPr>
+        <p:cNvGrpSpPr/>
+        <p:nvPr/>
+      </p:nvGrpSpPr>
+      <p:grpSpPr>
+        <a:xfrm>
+          <a:off x="0" y="0"/>
+          <a:ext cx="0" cy="0"/>
+          <a:chOff x="0" y="0"/>
+          <a:chExt cx="0" cy="0"/>
+        </a:xfrm>
+      </p:grpSpPr>
+      <p:sp>
+        <p:nvSpPr>
+          <p:cNvPr id="2" name="Titel 1">
+            <a:extLst>
+              <a:ext uri="{FF2B5EF4-FFF2-40B4-BE49-F238E27FC236}">
+                <a16:creationId xmlns:a16="http://schemas.microsoft.com/office/drawing/2014/main" id="{DA9813FB-A6BD-D13E-28F2-5AA5A4BF29DF}"/>
+              </a:ext>
+            </a:extLst>
+          </p:cNvPr>
+          <p:cNvSpPr>
+            <a:spLocks noGrp="1"/>
+          </p:cNvSpPr>
+          <p:nvPr>
+            <p:ph type="ctrTitle"/>
+          </p:nvPr>
+        </p:nvSpPr>
+        <p:spPr>
+          <a:xfrm>
+            <a:off x="101599" y="236482"/>
+            <a:ext cx="11988800" cy="892887"/>
+          </a:xfrm>
+        </p:spPr>
+        <p:txBody>
+          <a:bodyPr>
+            <a:normAutofit fontScale="90000"/>
+          </a:bodyPr>
+          <a:lstStyle/>
+          <a:p>
+            <a:r>
+              <a:rPr lang="nl-NL" dirty="0"/>
+              <a:t>Kwadraat</a:t>
+            </a:r>
+          </a:p>
+        </p:txBody>
+      </p:sp>
+      <p:sp>
+        <p:nvSpPr>
+          <p:cNvPr id="3" name="Ondertitel 2">
+            <a:extLst>
+              <a:ext uri="{FF2B5EF4-FFF2-40B4-BE49-F238E27FC236}">
+                <a16:creationId xmlns:a16="http://schemas.microsoft.com/office/drawing/2014/main" id="{C8905702-4271-9742-C505-4FD41C992635}"/>
+              </a:ext>
+            </a:extLst>
+          </p:cNvPr>
+          <p:cNvSpPr>
+            <a:spLocks noGrp="1"/>
+          </p:cNvSpPr>
+          <p:nvPr>
+            <p:ph type="subTitle" idx="1"/>
+          </p:nvPr>
+        </p:nvSpPr>
+        <p:spPr>
+          <a:xfrm>
+            <a:off x="101598" y="1342364"/>
+            <a:ext cx="11988799" cy="2530747"/>
+          </a:xfrm>
+        </p:spPr>
+        <p:txBody>
+          <a:bodyPr>
+            <a:normAutofit/>
+          </a:bodyPr>
+          <a:lstStyle/>
+          <a:p>
+            <a:r>
+              <a:rPr lang="nl-NL" dirty="0"/>
+              <a:t>Het kwadraat van een </a:t>
+            </a:r>
+            <a:r>
+              <a:rPr lang="nl-NL" dirty="0">
+                <a:solidFill>
+                  <a:srgbClr val="7030A0"/>
+                </a:solidFill>
+              </a:rPr>
+              <a:t>getal</a:t>
+            </a:r>
+            <a:r>
+              <a:rPr lang="nl-NL" dirty="0"/>
+              <a:t> bereken je door het getal eronder met zichzelf te </a:t>
+            </a:r>
+            <a:r>
+              <a:rPr lang="nl-NL" dirty="0">
+                <a:solidFill>
+                  <a:srgbClr val="7030A0"/>
+                </a:solidFill>
+              </a:rPr>
+              <a:t>vermenigvuldigen</a:t>
+            </a:r>
+            <a:r>
+              <a:rPr lang="nl-NL" dirty="0"/>
+              <a:t>.</a:t>
+            </a:r>
+          </a:p>
+          <a:p>
+            <a:r>
+              <a:rPr lang="nl-NL" dirty="0"/>
+              <a:t>Het tegenovergestelde van het kwadraat is de </a:t>
+            </a:r>
+            <a:r>
+              <a:rPr lang="nl-NL" dirty="0">
+                <a:solidFill>
+                  <a:srgbClr val="7030A0"/>
+                </a:solidFill>
+              </a:rPr>
+              <a:t>wortel</a:t>
+            </a:r>
+            <a:r>
+              <a:rPr lang="nl-NL" dirty="0"/>
+              <a:t>.</a:t>
+            </a:r>
+          </a:p>
+          <a:p>
+            <a:endParaRPr lang="nl-NL" dirty="0"/>
+          </a:p>
+          <a:p>
+            <a:endParaRPr lang="nl-NL" dirty="0"/>
+          </a:p>
+          <a:p>
+            <a:endParaRPr lang="nl-NL" dirty="0"/>
+          </a:p>
+          <a:p>
+            <a:endParaRPr lang="nl-NL" dirty="0"/>
+          </a:p>
+        </p:txBody>
+      </p:sp>
+    </p:spTree>
+    <p:extLst>
+      <p:ext uri="{BB962C8B-B14F-4D97-AF65-F5344CB8AC3E}">
+        <p14:creationId xmlns:p14="http://schemas.microsoft.com/office/powerpoint/2010/main" val="1835335484"/>
+      </p:ext>
+    </p:extLst>
+  </p:cSld>
+  <p:clrMapOvr>
+    <a:masterClrMapping/>
+  </p:clrMapOvr>
+</p:sld>
+</file>
+
+<file path=ppt/slides/slide6.xml><?xml version="1.0" encoding="utf-8"?>
+<p:sld xmlns:a="http://schemas.openxmlformats.org/drawingml/2006/main" xmlns:r="http://schemas.openxmlformats.org/officeDocument/2006/relationships" xmlns:p="http://schemas.openxmlformats.org/presentationml/2006/main">
+  <p:cSld>
+    <p:spTree>
+      <p:nvGrpSpPr>
+        <p:cNvPr id="1" name="">
+          <a:extLst>
+            <a:ext uri="{FF2B5EF4-FFF2-40B4-BE49-F238E27FC236}">
+              <a16:creationId xmlns:a16="http://schemas.microsoft.com/office/drawing/2014/main" id="{D09896CC-E663-A0DC-C220-8F599C8FA634}"/>
+            </a:ext>
+          </a:extLst>
+        </p:cNvPr>
+        <p:cNvGrpSpPr/>
+        <p:nvPr/>
+      </p:nvGrpSpPr>
+      <p:grpSpPr>
+        <a:xfrm>
+          <a:off x="0" y="0"/>
+          <a:ext cx="0" cy="0"/>
+          <a:chOff x="0" y="0"/>
+          <a:chExt cx="0" cy="0"/>
+        </a:xfrm>
+      </p:grpSpPr>
+      <p:sp>
+        <p:nvSpPr>
+          <p:cNvPr id="2" name="Titel 1">
+            <a:extLst>
+              <a:ext uri="{FF2B5EF4-FFF2-40B4-BE49-F238E27FC236}">
+                <a16:creationId xmlns:a16="http://schemas.microsoft.com/office/drawing/2014/main" id="{54E04BDA-701E-CD88-7F3E-69E3578217D1}"/>
+              </a:ext>
+            </a:extLst>
+          </p:cNvPr>
+          <p:cNvSpPr>
+            <a:spLocks noGrp="1"/>
+          </p:cNvSpPr>
+          <p:nvPr>
+            <p:ph type="ctrTitle"/>
+          </p:nvPr>
+        </p:nvSpPr>
+        <p:spPr>
+          <a:xfrm>
+            <a:off x="431533" y="599584"/>
+            <a:ext cx="11328934" cy="963493"/>
+          </a:xfrm>
+        </p:spPr>
+        <p:txBody>
+          <a:bodyPr>
+            <a:normAutofit/>
+          </a:bodyPr>
+          <a:lstStyle/>
+          <a:p>
+            <a:r>
+              <a:rPr lang="nl-NL" dirty="0"/>
+              <a:t>Kwadraat</a:t>
+            </a:r>
+          </a:p>
+        </p:txBody>
+      </p:sp>
+      <mc:AlternateContent xmlns:mc="http://schemas.openxmlformats.org/markup-compatibility/2006">
+        <mc:Choice xmlns:a14="http://schemas.microsoft.com/office/drawing/2010/main" Requires="a14">
+          <p:sp>
+            <p:nvSpPr>
+              <p:cNvPr id="6" name="Ondertitel 2">
+                <a:extLst>
+                  <a:ext uri="{FF2B5EF4-FFF2-40B4-BE49-F238E27FC236}">
+                    <a16:creationId xmlns:a16="http://schemas.microsoft.com/office/drawing/2014/main" id="{7A44AFA8-8443-4ABD-5906-0685E2E75422}"/>
+                  </a:ext>
+                </a:extLst>
+              </p:cNvPr>
+              <p:cNvSpPr>
+                <a:spLocks noGrp="1"/>
+              </p:cNvSpPr>
+              <p:nvPr>
+                <p:ph type="subTitle" idx="1"/>
+              </p:nvPr>
+            </p:nvSpPr>
+            <p:spPr>
+              <a:xfrm>
+                <a:off x="601851" y="1740948"/>
+                <a:ext cx="10988297" cy="2530747"/>
+              </a:xfrm>
+            </p:spPr>
+            <p:txBody>
+              <a:bodyPr>
+                <a:normAutofit/>
+              </a:bodyPr>
+              <a:lstStyle/>
+              <a:p>
+                <a:pPr/>
+                <a:r>
+                  <a:rPr lang="nl-NL" dirty="0"/>
+                  <a:t>Het kwadraat van 7 is </a:t>
+                </a:r>
+                <a14:m>
+                  <m:oMath xmlns:m="http://schemas.openxmlformats.org/officeDocument/2006/math">
+                    <m:sSup>
+                      <m:sSupPr>
+                        <m:ctrlPr>
+                          <a:rPr lang="nl-NL" i="1" smtClean="0">
+                            <a:latin typeface="Cambria Math" panose="02040503050406030204" pitchFamily="18" charset="0"/>
+                          </a:rPr>
+                        </m:ctrlPr>
+                      </m:sSupPr>
+                      <m:e>
+                        <m:r>
+                          <a:rPr lang="nl-NL" b="0" i="1" smtClean="0">
+                            <a:latin typeface="Cambria Math" panose="02040503050406030204" pitchFamily="18" charset="0"/>
+                          </a:rPr>
+                          <m:t>7</m:t>
+                        </m:r>
+                      </m:e>
+                      <m:sup>
+                        <m:r>
+                          <a:rPr lang="nl-NL" b="0" i="1" smtClean="0">
+                            <a:latin typeface="Cambria Math" panose="02040503050406030204" pitchFamily="18" charset="0"/>
+                          </a:rPr>
+                          <m:t>2</m:t>
+                        </m:r>
+                      </m:sup>
+                    </m:sSup>
+                    <m:r>
+                      <a:rPr lang="nl-NL" b="0" i="1" smtClean="0">
+                        <a:latin typeface="Cambria Math" panose="02040503050406030204" pitchFamily="18" charset="0"/>
+                      </a:rPr>
+                      <m:t>=7</m:t>
+                    </m:r>
+                    <m:r>
+                      <a:rPr lang="nl-NL" b="0" i="1" smtClean="0">
+                        <a:latin typeface="Cambria Math" panose="02040503050406030204" pitchFamily="18" charset="0"/>
+                        <a:ea typeface="Cambria Math" panose="02040503050406030204" pitchFamily="18" charset="0"/>
+                      </a:rPr>
+                      <m:t>∙7=49</m:t>
+                    </m:r>
+                  </m:oMath>
+                </a14:m>
+                <a:endParaRPr lang="nl-NL" dirty="0"/>
+              </a:p>
+              <a:p>
+                <a:pPr/>
+                <a:endParaRPr lang="nl-NL" i="1" dirty="0">
+                  <a:latin typeface="Cambria Math" panose="02040503050406030204" pitchFamily="18" charset="0"/>
+                </a:endParaRPr>
+              </a:p>
+              <a:p>
+                <a:pPr/>
+                <a14:m>
+                  <m:oMathPara xmlns:m="http://schemas.openxmlformats.org/officeDocument/2006/math">
+                    <m:oMathParaPr>
+                      <m:jc m:val="centerGroup"/>
+                    </m:oMathParaPr>
+                    <m:oMath xmlns:m="http://schemas.openxmlformats.org/officeDocument/2006/math">
+                      <m:sSup>
+                        <m:sSupPr>
+                          <m:ctrlPr>
+                            <a:rPr lang="nl-NL" i="1" smtClean="0">
+                              <a:latin typeface="Cambria Math" panose="02040503050406030204" pitchFamily="18" charset="0"/>
+                            </a:rPr>
+                          </m:ctrlPr>
+                        </m:sSupPr>
+                        <m:e>
+                          <m:r>
+                            <a:rPr lang="nl-NL" b="0" i="1" smtClean="0">
+                              <a:latin typeface="Cambria Math" panose="02040503050406030204" pitchFamily="18" charset="0"/>
+                            </a:rPr>
+                            <m:t>−3</m:t>
+                          </m:r>
+                        </m:e>
+                        <m:sup>
+                          <m:r>
+                            <a:rPr lang="nl-NL" b="0" i="1" smtClean="0">
+                              <a:latin typeface="Cambria Math" panose="02040503050406030204" pitchFamily="18" charset="0"/>
+                            </a:rPr>
+                            <m:t>2</m:t>
+                          </m:r>
+                        </m:sup>
+                      </m:sSup>
+                      <m:r>
+                        <a:rPr lang="nl-NL" b="0" i="1" smtClean="0">
+                          <a:latin typeface="Cambria Math" panose="02040503050406030204" pitchFamily="18" charset="0"/>
+                        </a:rPr>
+                        <m:t>=−3</m:t>
+                      </m:r>
+                      <m:r>
+                        <a:rPr lang="nl-NL" b="0" i="1" smtClean="0">
+                          <a:latin typeface="Cambria Math" panose="02040503050406030204" pitchFamily="18" charset="0"/>
+                          <a:ea typeface="Cambria Math" panose="02040503050406030204" pitchFamily="18" charset="0"/>
+                        </a:rPr>
+                        <m:t>∙3=−9</m:t>
+                      </m:r>
+                    </m:oMath>
+                  </m:oMathPara>
+                </a14:m>
+                <a:endParaRPr lang="nl-NL" b="0" dirty="0">
+                  <a:ea typeface="Cambria Math" panose="02040503050406030204" pitchFamily="18" charset="0"/>
+                </a:endParaRPr>
+              </a:p>
+              <a:p>
+                <a:pPr/>
+                <a14:m>
+                  <m:oMath xmlns:m="http://schemas.openxmlformats.org/officeDocument/2006/math">
+                    <m:sSup>
+                      <m:sSupPr>
+                        <m:ctrlPr>
+                          <a:rPr lang="nl-NL" b="0" i="1" smtClean="0">
+                            <a:latin typeface="Cambria Math" panose="02040503050406030204" pitchFamily="18" charset="0"/>
+                          </a:rPr>
+                        </m:ctrlPr>
+                      </m:sSupPr>
+                      <m:e>
+                        <m:r>
+                          <a:rPr lang="nl-NL" b="0" i="1" smtClean="0">
+                            <a:latin typeface="Cambria Math" panose="02040503050406030204" pitchFamily="18" charset="0"/>
+                          </a:rPr>
+                          <m:t>(−3)</m:t>
+                        </m:r>
+                      </m:e>
+                      <m:sup>
+                        <m:r>
+                          <a:rPr lang="nl-NL" b="0" i="1" smtClean="0">
+                            <a:latin typeface="Cambria Math" panose="02040503050406030204" pitchFamily="18" charset="0"/>
+                          </a:rPr>
+                          <m:t>2</m:t>
+                        </m:r>
+                      </m:sup>
+                    </m:sSup>
+                    <m:r>
+                      <a:rPr lang="nl-NL" b="0" i="1" smtClean="0">
+                        <a:latin typeface="Cambria Math" panose="02040503050406030204" pitchFamily="18" charset="0"/>
+                      </a:rPr>
+                      <m:t>=−3</m:t>
+                    </m:r>
+                    <m:r>
+                      <a:rPr lang="nl-NL" b="0" i="1" smtClean="0">
+                        <a:latin typeface="Cambria Math" panose="02040503050406030204" pitchFamily="18" charset="0"/>
+                        <a:ea typeface="Cambria Math" panose="02040503050406030204" pitchFamily="18" charset="0"/>
+                      </a:rPr>
+                      <m:t>∙−3=9</m:t>
+                    </m:r>
+                  </m:oMath>
+                </a14:m>
+                <a:r>
+                  <a:rPr lang="nl-NL" dirty="0"/>
+                  <a:t>	</a:t>
+                </a:r>
+              </a:p>
+            </p:txBody>
+          </p:sp>
+        </mc:Choice>
+        <mc:Fallback>
+          <p:sp>
+            <p:nvSpPr>
+              <p:cNvPr id="6" name="Ondertitel 2">
+                <a:extLst>
+                  <a:ext uri="{FF2B5EF4-FFF2-40B4-BE49-F238E27FC236}">
+                    <a16:creationId xmlns:a16="http://schemas.microsoft.com/office/drawing/2014/main" id="{7A44AFA8-8443-4ABD-5906-0685E2E75422}"/>
+                  </a:ext>
+                </a:extLst>
+              </p:cNvPr>
+              <p:cNvSpPr>
+                <a:spLocks noGrp="1" noRot="1" noChangeAspect="1" noMove="1" noResize="1" noEditPoints="1" noAdjustHandles="1" noChangeArrowheads="1" noChangeShapeType="1" noTextEdit="1"/>
+              </p:cNvSpPr>
+              <p:nvPr>
+                <p:ph type="subTitle" idx="1"/>
+              </p:nvPr>
+            </p:nvSpPr>
+            <p:spPr>
+              <a:xfrm>
+                <a:off x="601851" y="1740948"/>
+                <a:ext cx="10988297" cy="2530747"/>
+              </a:xfrm>
+              <a:blipFill>
+                <a:blip r:embed="rId2"/>
+                <a:stretch>
+                  <a:fillRect t="-3373"/>
+                </a:stretch>
+              </a:blipFill>
+            </p:spPr>
+            <p:txBody>
+              <a:bodyPr/>
+              <a:lstStyle/>
+              <a:p>
+                <a:r>
+                  <a:rPr lang="nl-NL">
+                    <a:noFill/>
+                  </a:rPr>
+                  <a:t> </a:t>
+                </a:r>
+              </a:p>
+            </p:txBody>
+          </p:sp>
+        </mc:Fallback>
+      </mc:AlternateContent>
+    </p:spTree>
+    <p:extLst>
+      <p:ext uri="{BB962C8B-B14F-4D97-AF65-F5344CB8AC3E}">
+        <p14:creationId xmlns:p14="http://schemas.microsoft.com/office/powerpoint/2010/main" val="2676182722"/>
+      </p:ext>
+    </p:extLst>
+  </p:cSld>
+  <p:clrMapOvr>
+    <a:masterClrMapping/>
+  </p:clrMapOvr>
+</p:sld>
+</file>
+
+<file path=ppt/slides/slide7.xml><?xml version="1.0" encoding="utf-8"?>
 <p:sld xmlns:a="http://schemas.openxmlformats.org/drawingml/2006/main" xmlns:r="http://schemas.openxmlformats.org/officeDocument/2006/relationships" xmlns:p="http://schemas.openxmlformats.org/presentationml/2006/main">
   <p:cSld>
     <p:spTree>
@@ -10324,7 +11661,7 @@
 </p:sld>
 </file>
 
-<file path=ppt/slides/slide5.xml><?xml version="1.0" encoding="utf-8"?>
+<file path=ppt/slides/slide8.xml><?xml version="1.0" encoding="utf-8"?>
 <p:sld xmlns:a="http://schemas.openxmlformats.org/drawingml/2006/main" xmlns:r="http://schemas.openxmlformats.org/officeDocument/2006/relationships" xmlns:p="http://schemas.openxmlformats.org/presentationml/2006/main">
   <p:cSld>
     <p:spTree>
@@ -10376,8 +11713,8 @@
           </a:p>
         </p:txBody>
       </p:sp>
-      <mc:AlternateContent xmlns:mc="http://schemas.openxmlformats.org/markup-compatibility/2006">
-        <mc:Choice xmlns:a14="http://schemas.microsoft.com/office/drawing/2010/main" Requires="a14">
+      <mc:AlternateContent xmlns:mc="http://schemas.openxmlformats.org/markup-compatibility/2006" xmlns:a14="http://schemas.microsoft.com/office/drawing/2010/main">
+        <mc:Choice Requires="a14">
           <p:sp>
             <p:nvSpPr>
               <p:cNvPr id="3" name="Ondertitel 2">
@@ -10467,7 +11804,7 @@
             </p:txBody>
           </p:sp>
         </mc:Choice>
-        <mc:Fallback>
+        <mc:Fallback xmlns="">
           <p:sp>
             <p:nvSpPr>
               <p:cNvPr id="3" name="Ondertitel 2">
@@ -10524,7 +11861,7 @@
 </p:sld>
 </file>
 
-<file path=ppt/slides/slide6.xml><?xml version="1.0" encoding="utf-8"?>
+<file path=ppt/slides/slide9.xml><?xml version="1.0" encoding="utf-8"?>
 <p:sld xmlns:a="http://schemas.openxmlformats.org/drawingml/2006/main" xmlns:r="http://schemas.openxmlformats.org/officeDocument/2006/relationships" xmlns:p="http://schemas.openxmlformats.org/presentationml/2006/main">
   <p:cSld>
     <p:spTree>
@@ -10576,8 +11913,8 @@
           </a:p>
         </p:txBody>
       </p:sp>
-      <mc:AlternateContent xmlns:mc="http://schemas.openxmlformats.org/markup-compatibility/2006">
-        <mc:Choice xmlns:a14="http://schemas.microsoft.com/office/drawing/2010/main" Requires="a14">
+      <mc:AlternateContent xmlns:mc="http://schemas.openxmlformats.org/markup-compatibility/2006" xmlns:a14="http://schemas.microsoft.com/office/drawing/2010/main">
+        <mc:Choice Requires="a14">
           <p:sp>
             <p:nvSpPr>
               <p:cNvPr id="6" name="Ondertitel 2">
@@ -10606,6 +11943,7 @@
               </a:bodyPr>
               <a:lstStyle/>
               <a:p>
+                <a:pPr/>
                 <a14:m>
                   <m:oMathPara xmlns:m="http://schemas.openxmlformats.org/officeDocument/2006/math">
                     <m:oMathParaPr>
@@ -10627,6 +11965,7 @@
                 <a:endParaRPr lang="nl-NL" b="0" dirty="0"/>
               </a:p>
               <a:p>
+                <a:pPr/>
                 <a14:m>
                   <m:oMathPara xmlns:m="http://schemas.openxmlformats.org/officeDocument/2006/math">
                     <m:oMathParaPr>
@@ -10648,6 +11987,7 @@
                 <a:endParaRPr lang="nl-NL" b="0" dirty="0"/>
               </a:p>
               <a:p>
+                <a:pPr/>
                 <a14:m>
                   <m:oMathPara xmlns:m="http://schemas.openxmlformats.org/officeDocument/2006/math">
                     <m:oMathParaPr>
@@ -10674,7 +12014,7 @@
             </p:txBody>
           </p:sp>
         </mc:Choice>
-        <mc:Fallback>
+        <mc:Fallback xmlns="">
           <p:sp>
             <p:nvSpPr>
               <p:cNvPr id="6" name="Ondertitel 2">
@@ -10722,447 +12062,6 @@
     <p:extLst>
       <p:ext uri="{BB962C8B-B14F-4D97-AF65-F5344CB8AC3E}">
         <p14:creationId xmlns:p14="http://schemas.microsoft.com/office/powerpoint/2010/main" val="870065810"/>
-      </p:ext>
-    </p:extLst>
-  </p:cSld>
-  <p:clrMapOvr>
-    <a:masterClrMapping/>
-  </p:clrMapOvr>
-</p:sld>
-</file>
-
-<file path=ppt/slides/slide7.xml><?xml version="1.0" encoding="utf-8"?>
-<p:sld xmlns:a="http://schemas.openxmlformats.org/drawingml/2006/main" xmlns:r="http://schemas.openxmlformats.org/officeDocument/2006/relationships" xmlns:p="http://schemas.openxmlformats.org/presentationml/2006/main">
-  <p:cSld>
-    <p:spTree>
-      <p:nvGrpSpPr>
-        <p:cNvPr id="1" name=""/>
-        <p:cNvGrpSpPr/>
-        <p:nvPr/>
-      </p:nvGrpSpPr>
-      <p:grpSpPr>
-        <a:xfrm>
-          <a:off x="0" y="0"/>
-          <a:ext cx="0" cy="0"/>
-          <a:chOff x="0" y="0"/>
-          <a:chExt cx="0" cy="0"/>
-        </a:xfrm>
-      </p:grpSpPr>
-      <p:sp>
-        <p:nvSpPr>
-          <p:cNvPr id="2" name="Titel 1">
-            <a:extLst>
-              <a:ext uri="{FF2B5EF4-FFF2-40B4-BE49-F238E27FC236}">
-                <a16:creationId xmlns:a16="http://schemas.microsoft.com/office/drawing/2014/main" id="{73168B85-7905-DEBC-34BC-B73EB909DDCD}"/>
-              </a:ext>
-            </a:extLst>
-          </p:cNvPr>
-          <p:cNvSpPr>
-            <a:spLocks noGrp="1"/>
-          </p:cNvSpPr>
-          <p:nvPr>
-            <p:ph type="title"/>
-          </p:nvPr>
-        </p:nvSpPr>
-        <p:spPr/>
-        <p:txBody>
-          <a:bodyPr/>
-          <a:lstStyle/>
-          <a:p>
-            <a:r>
-              <a:rPr lang="nl-NL" dirty="0"/>
-              <a:t>Wiskunde Termen</a:t>
-            </a:r>
-          </a:p>
-        </p:txBody>
-      </p:sp>
-      <p:sp>
-        <p:nvSpPr>
-          <p:cNvPr id="4" name="Titel 1">
-            <a:extLst>
-              <a:ext uri="{FF2B5EF4-FFF2-40B4-BE49-F238E27FC236}">
-                <a16:creationId xmlns:a16="http://schemas.microsoft.com/office/drawing/2014/main" id="{61ED484A-E87E-7D07-D06C-3D405D336CC2}"/>
-              </a:ext>
-            </a:extLst>
-          </p:cNvPr>
-          <p:cNvSpPr txBox="1">
-            <a:spLocks/>
-          </p:cNvSpPr>
-          <p:nvPr/>
-        </p:nvSpPr>
-        <p:spPr>
-          <a:xfrm>
-            <a:off x="1524000" y="2105897"/>
-            <a:ext cx="9144000" cy="2646206"/>
-          </a:xfrm>
-          <a:prstGeom prst="rect">
-            <a:avLst/>
-          </a:prstGeom>
-        </p:spPr>
-        <p:txBody>
-          <a:bodyPr vert="horz" lIns="91440" tIns="45720" rIns="91440" bIns="45720" rtlCol="0" anchor="ctr">
-            <a:normAutofit fontScale="97500"/>
-          </a:bodyPr>
-          <a:lstStyle>
-            <a:lvl1pPr algn="l" defTabSz="914400" rtl="0" eaLnBrk="1" latinLnBrk="0" hangingPunct="1">
-              <a:lnSpc>
-                <a:spcPct val="90000"/>
-              </a:lnSpc>
-              <a:spcBef>
-                <a:spcPct val="0"/>
-              </a:spcBef>
-              <a:buNone/>
-              <a:defRPr sz="4400" kern="1200">
-                <a:solidFill>
-                  <a:schemeClr val="tx1"/>
-                </a:solidFill>
-                <a:latin typeface="+mj-lt"/>
-                <a:ea typeface="+mj-ea"/>
-                <a:cs typeface="+mj-cs"/>
-              </a:defRPr>
-            </a:lvl1pPr>
-          </a:lstStyle>
-          <a:p>
-            <a:pPr algn="ctr"/>
-            <a:r>
-              <a:rPr lang="nl-NL" sz="9000" b="1" dirty="0"/>
-              <a:t>Getallen</a:t>
-            </a:r>
-          </a:p>
-        </p:txBody>
-      </p:sp>
-    </p:spTree>
-    <p:extLst>
-      <p:ext uri="{BB962C8B-B14F-4D97-AF65-F5344CB8AC3E}">
-        <p14:creationId xmlns:p14="http://schemas.microsoft.com/office/powerpoint/2010/main" val="2984149347"/>
-      </p:ext>
-    </p:extLst>
-  </p:cSld>
-  <p:clrMapOvr>
-    <a:masterClrMapping/>
-  </p:clrMapOvr>
-</p:sld>
-</file>
-
-<file path=ppt/slides/slide8.xml><?xml version="1.0" encoding="utf-8"?>
-<p:sld xmlns:a="http://schemas.openxmlformats.org/drawingml/2006/main" xmlns:r="http://schemas.openxmlformats.org/officeDocument/2006/relationships" xmlns:p="http://schemas.openxmlformats.org/presentationml/2006/main">
-  <p:cSld>
-    <p:spTree>
-      <p:nvGrpSpPr>
-        <p:cNvPr id="1" name=""/>
-        <p:cNvGrpSpPr/>
-        <p:nvPr/>
-      </p:nvGrpSpPr>
-      <p:grpSpPr>
-        <a:xfrm>
-          <a:off x="0" y="0"/>
-          <a:ext cx="0" cy="0"/>
-          <a:chOff x="0" y="0"/>
-          <a:chExt cx="0" cy="0"/>
-        </a:xfrm>
-      </p:grpSpPr>
-      <p:sp>
-        <p:nvSpPr>
-          <p:cNvPr id="2" name="Titel 1">
-            <a:extLst>
-              <a:ext uri="{FF2B5EF4-FFF2-40B4-BE49-F238E27FC236}">
-                <a16:creationId xmlns:a16="http://schemas.microsoft.com/office/drawing/2014/main" id="{C2F5861A-BCDE-D2A4-C355-05C8119ED351}"/>
-              </a:ext>
-            </a:extLst>
-          </p:cNvPr>
-          <p:cNvSpPr>
-            <a:spLocks noGrp="1"/>
-          </p:cNvSpPr>
-          <p:nvPr>
-            <p:ph type="ctrTitle"/>
-          </p:nvPr>
-        </p:nvSpPr>
-        <p:spPr>
-          <a:xfrm>
-            <a:off x="101599" y="236482"/>
-            <a:ext cx="11988800" cy="892887"/>
-          </a:xfrm>
-        </p:spPr>
-        <p:txBody>
-          <a:bodyPr>
-            <a:normAutofit fontScale="90000"/>
-          </a:bodyPr>
-          <a:lstStyle/>
-          <a:p>
-            <a:r>
-              <a:rPr lang="nl-NL" dirty="0"/>
-              <a:t>Getallen</a:t>
-            </a:r>
-          </a:p>
-        </p:txBody>
-      </p:sp>
-      <p:sp>
-        <p:nvSpPr>
-          <p:cNvPr id="3" name="Ondertitel 2">
-            <a:extLst>
-              <a:ext uri="{FF2B5EF4-FFF2-40B4-BE49-F238E27FC236}">
-                <a16:creationId xmlns:a16="http://schemas.microsoft.com/office/drawing/2014/main" id="{7988AA68-FB88-7C7C-5E47-2AE86A2EFD72}"/>
-              </a:ext>
-            </a:extLst>
-          </p:cNvPr>
-          <p:cNvSpPr>
-            <a:spLocks noGrp="1"/>
-          </p:cNvSpPr>
-          <p:nvPr>
-            <p:ph type="subTitle" idx="1"/>
-          </p:nvPr>
-        </p:nvSpPr>
-        <p:spPr>
-          <a:xfrm>
-            <a:off x="351724" y="1342364"/>
-            <a:ext cx="11488549" cy="2530747"/>
-          </a:xfrm>
-        </p:spPr>
-        <p:txBody>
-          <a:bodyPr>
-            <a:normAutofit/>
-          </a:bodyPr>
-          <a:lstStyle/>
-          <a:p>
-            <a:r>
-              <a:rPr lang="nl-NL" dirty="0"/>
-              <a:t>Met getallen kun je een hoeveelheid aangeven.</a:t>
-            </a:r>
-          </a:p>
-          <a:p>
-            <a:r>
-              <a:rPr lang="nl-NL" dirty="0"/>
-              <a:t>Een getal bestaat uit </a:t>
-            </a:r>
-            <a:r>
-              <a:rPr lang="nl-NL" dirty="0">
-                <a:solidFill>
-                  <a:srgbClr val="7030A0"/>
-                </a:solidFill>
-              </a:rPr>
-              <a:t>cijfers.</a:t>
-            </a:r>
-          </a:p>
-          <a:p>
-            <a:r>
-              <a:rPr lang="nl-NL" dirty="0"/>
-              <a:t>Er zijn verschillende soorten getallen zoals </a:t>
-            </a:r>
-            <a:r>
-              <a:rPr lang="nl-NL" dirty="0">
-                <a:solidFill>
-                  <a:srgbClr val="7030A0"/>
-                </a:solidFill>
-              </a:rPr>
-              <a:t>negatieve getallen </a:t>
-            </a:r>
-            <a:r>
-              <a:rPr lang="nl-NL" dirty="0"/>
-              <a:t>of </a:t>
-            </a:r>
-            <a:r>
-              <a:rPr lang="nl-NL" dirty="0">
-                <a:solidFill>
-                  <a:srgbClr val="7030A0"/>
-                </a:solidFill>
-              </a:rPr>
-              <a:t>decimalen getallen</a:t>
-            </a:r>
-            <a:r>
-              <a:rPr lang="nl-NL" dirty="0"/>
-              <a:t>.</a:t>
-            </a:r>
-          </a:p>
-          <a:p>
-            <a:endParaRPr lang="nl-NL" dirty="0"/>
-          </a:p>
-          <a:p>
-            <a:endParaRPr lang="nl-NL" dirty="0"/>
-          </a:p>
-        </p:txBody>
-      </p:sp>
-    </p:spTree>
-    <p:extLst>
-      <p:ext uri="{BB962C8B-B14F-4D97-AF65-F5344CB8AC3E}">
-        <p14:creationId xmlns:p14="http://schemas.microsoft.com/office/powerpoint/2010/main" val="581594001"/>
-      </p:ext>
-    </p:extLst>
-  </p:cSld>
-  <p:clrMapOvr>
-    <a:masterClrMapping/>
-  </p:clrMapOvr>
-</p:sld>
-</file>
-
-<file path=ppt/slides/slide9.xml><?xml version="1.0" encoding="utf-8"?>
-<p:sld xmlns:a="http://schemas.openxmlformats.org/drawingml/2006/main" xmlns:r="http://schemas.openxmlformats.org/officeDocument/2006/relationships" xmlns:p="http://schemas.openxmlformats.org/presentationml/2006/main">
-  <p:cSld>
-    <p:spTree>
-      <p:nvGrpSpPr>
-        <p:cNvPr id="1" name=""/>
-        <p:cNvGrpSpPr/>
-        <p:nvPr/>
-      </p:nvGrpSpPr>
-      <p:grpSpPr>
-        <a:xfrm>
-          <a:off x="0" y="0"/>
-          <a:ext cx="0" cy="0"/>
-          <a:chOff x="0" y="0"/>
-          <a:chExt cx="0" cy="0"/>
-        </a:xfrm>
-      </p:grpSpPr>
-      <p:sp>
-        <p:nvSpPr>
-          <p:cNvPr id="2" name="Titel 1">
-            <a:extLst>
-              <a:ext uri="{FF2B5EF4-FFF2-40B4-BE49-F238E27FC236}">
-                <a16:creationId xmlns:a16="http://schemas.microsoft.com/office/drawing/2014/main" id="{C2F5861A-BCDE-D2A4-C355-05C8119ED351}"/>
-              </a:ext>
-            </a:extLst>
-          </p:cNvPr>
-          <p:cNvSpPr>
-            <a:spLocks noGrp="1"/>
-          </p:cNvSpPr>
-          <p:nvPr>
-            <p:ph type="ctrTitle"/>
-          </p:nvPr>
-        </p:nvSpPr>
-        <p:spPr>
-          <a:xfrm>
-            <a:off x="431532" y="386224"/>
-            <a:ext cx="11328934" cy="963493"/>
-          </a:xfrm>
-        </p:spPr>
-        <p:txBody>
-          <a:bodyPr>
-            <a:normAutofit/>
-          </a:bodyPr>
-          <a:lstStyle/>
-          <a:p>
-            <a:r>
-              <a:rPr lang="nl-NL" dirty="0"/>
-              <a:t>Voorbeeld Getallen</a:t>
-            </a:r>
-          </a:p>
-        </p:txBody>
-      </p:sp>
-      <mc:AlternateContent xmlns:mc="http://schemas.openxmlformats.org/markup-compatibility/2006">
-        <mc:Choice xmlns:a14="http://schemas.microsoft.com/office/drawing/2010/main" Requires="a14">
-          <p:sp>
-            <p:nvSpPr>
-              <p:cNvPr id="6" name="Ondertitel 2">
-                <a:extLst>
-                  <a:ext uri="{FF2B5EF4-FFF2-40B4-BE49-F238E27FC236}">
-                    <a16:creationId xmlns:a16="http://schemas.microsoft.com/office/drawing/2014/main" id="{6D9B39CE-FD5E-EBF7-47C7-30A62A12EA8D}"/>
-                  </a:ext>
-                </a:extLst>
-              </p:cNvPr>
-              <p:cNvSpPr>
-                <a:spLocks noGrp="1"/>
-              </p:cNvSpPr>
-              <p:nvPr>
-                <p:ph type="subTitle" idx="1"/>
-              </p:nvPr>
-            </p:nvSpPr>
-            <p:spPr>
-              <a:xfrm>
-                <a:off x="1390584" y="1905977"/>
-                <a:ext cx="9410830" cy="2530747"/>
-              </a:xfrm>
-            </p:spPr>
-            <p:txBody>
-              <a:bodyPr>
-                <a:normAutofit/>
-              </a:bodyPr>
-              <a:lstStyle/>
-              <a:p>
-                <a:r>
-                  <a:rPr lang="nl-NL" dirty="0"/>
-                  <a:t>3</a:t>
-                </a:r>
-              </a:p>
-              <a:p>
-                <a:r>
-                  <a:rPr lang="nl-NL" dirty="0"/>
-                  <a:t>-56</a:t>
-                </a:r>
-              </a:p>
-              <a:p>
-                <a:r>
-                  <a:rPr lang="nl-NL" dirty="0"/>
-                  <a:t>45,5</a:t>
-                </a:r>
-              </a:p>
-              <a:p>
-                <a14:m>
-                  <m:oMathPara xmlns:m="http://schemas.openxmlformats.org/officeDocument/2006/math">
-                    <m:oMathParaPr>
-                      <m:jc m:val="centerGroup"/>
-                    </m:oMathParaPr>
-                    <m:oMath xmlns:m="http://schemas.openxmlformats.org/officeDocument/2006/math">
-                      <m:r>
-                        <a:rPr lang="nl-NL" i="1" smtClean="0">
-                          <a:latin typeface="Cambria Math" panose="02040503050406030204" pitchFamily="18" charset="0"/>
-                          <a:ea typeface="Cambria Math" panose="02040503050406030204" pitchFamily="18" charset="0"/>
-                        </a:rPr>
-                        <m:t>𝜋</m:t>
-                      </m:r>
-                    </m:oMath>
-                  </m:oMathPara>
-                </a14:m>
-                <a:endParaRPr lang="nl-NL" dirty="0"/>
-              </a:p>
-            </p:txBody>
-          </p:sp>
-        </mc:Choice>
-        <mc:Fallback>
-          <p:sp>
-            <p:nvSpPr>
-              <p:cNvPr id="6" name="Ondertitel 2">
-                <a:extLst>
-                  <a:ext uri="{FF2B5EF4-FFF2-40B4-BE49-F238E27FC236}">
-                    <a16:creationId xmlns:a16="http://schemas.microsoft.com/office/drawing/2014/main" id="{6D9B39CE-FD5E-EBF7-47C7-30A62A12EA8D}"/>
-                  </a:ext>
-                </a:extLst>
-              </p:cNvPr>
-              <p:cNvSpPr>
-                <a:spLocks noGrp="1" noRot="1" noChangeAspect="1" noMove="1" noResize="1" noEditPoints="1" noAdjustHandles="1" noChangeArrowheads="1" noChangeShapeType="1" noTextEdit="1"/>
-              </p:cNvSpPr>
-              <p:nvPr>
-                <p:ph type="subTitle" idx="1"/>
-              </p:nvPr>
-            </p:nvSpPr>
-            <p:spPr>
-              <a:xfrm>
-                <a:off x="1390584" y="1905977"/>
-                <a:ext cx="9410830" cy="2530747"/>
-              </a:xfrm>
-              <a:blipFill>
-                <a:blip r:embed="rId2"/>
-                <a:stretch>
-                  <a:fillRect t="-3373"/>
-                </a:stretch>
-              </a:blipFill>
-            </p:spPr>
-            <p:txBody>
-              <a:bodyPr/>
-              <a:lstStyle/>
-              <a:p>
-                <a:r>
-                  <a:rPr lang="nl-NL">
-                    <a:noFill/>
-                  </a:rPr>
-                  <a:t> </a:t>
-                </a:r>
-              </a:p>
-            </p:txBody>
-          </p:sp>
-        </mc:Fallback>
-      </mc:AlternateContent>
-    </p:spTree>
-    <p:extLst>
-      <p:ext uri="{BB962C8B-B14F-4D97-AF65-F5344CB8AC3E}">
-        <p14:creationId xmlns:p14="http://schemas.microsoft.com/office/powerpoint/2010/main" val="2182118663"/>
       </p:ext>
     </p:extLst>
   </p:cSld>
